--- a/ppt/angular/Angular09-TSOO.pptx
+++ b/ppt/angular/Angular09-TSOO.pptx
@@ -5,10 +5,10 @@
     <p:sldMasterId id="2147483653" r:id="rId1"/>
   </p:sldMasterIdLst>
   <p:notesMasterIdLst>
-    <p:notesMasterId r:id="rId49"/>
+    <p:notesMasterId r:id="rId48"/>
   </p:notesMasterIdLst>
   <p:handoutMasterIdLst>
-    <p:handoutMasterId r:id="rId50"/>
+    <p:handoutMasterId r:id="rId49"/>
   </p:handoutMasterIdLst>
   <p:sldIdLst>
     <p:sldId id="264" r:id="rId2"/>
@@ -46,18 +46,17 @@
     <p:sldId id="317" r:id="rId34"/>
     <p:sldId id="318" r:id="rId35"/>
     <p:sldId id="319" r:id="rId36"/>
-    <p:sldId id="321" r:id="rId37"/>
-    <p:sldId id="322" r:id="rId38"/>
-    <p:sldId id="323" r:id="rId39"/>
-    <p:sldId id="325" r:id="rId40"/>
-    <p:sldId id="326" r:id="rId41"/>
-    <p:sldId id="330" r:id="rId42"/>
-    <p:sldId id="331" r:id="rId43"/>
-    <p:sldId id="332" r:id="rId44"/>
-    <p:sldId id="333" r:id="rId45"/>
-    <p:sldId id="346" r:id="rId46"/>
-    <p:sldId id="334" r:id="rId47"/>
-    <p:sldId id="284" r:id="rId48"/>
+    <p:sldId id="323" r:id="rId37"/>
+    <p:sldId id="325" r:id="rId38"/>
+    <p:sldId id="326" r:id="rId39"/>
+    <p:sldId id="330" r:id="rId40"/>
+    <p:sldId id="331" r:id="rId41"/>
+    <p:sldId id="332" r:id="rId42"/>
+    <p:sldId id="333" r:id="rId43"/>
+    <p:sldId id="346" r:id="rId44"/>
+    <p:sldId id="334" r:id="rId45"/>
+    <p:sldId id="347" r:id="rId46"/>
+    <p:sldId id="284" r:id="rId47"/>
   </p:sldIdLst>
   <p:sldSz cx="9144000" cy="6858000" type="screen4x3"/>
   <p:notesSz cx="6648450" cy="9782175"/>
@@ -8614,992 +8613,6 @@
       </p:grpSpPr>
       <p:sp>
         <p:nvSpPr>
-          <p:cNvPr id="89090" name="Rectangle 6"/>
-          <p:cNvSpPr>
-            <a:spLocks noGrp="1" noChangeArrowheads="1"/>
-          </p:cNvSpPr>
-          <p:nvPr>
-            <p:ph type="ftr" sz="quarter" idx="4"/>
-          </p:nvPr>
-        </p:nvSpPr>
-        <p:spPr>
-          <a:noFill/>
-          <a:ln/>
-          <a:extLst>
-            <a:ext uri="{909E8E84-426E-40DD-AFC4-6F175D3DCCD1}">
-              <a14:hiddenFill xmlns:a14="http://schemas.microsoft.com/office/drawing/2010/main">
-                <a:solidFill>
-                  <a:srgbClr val="FFFFFF"/>
-                </a:solidFill>
-              </a14:hiddenFill>
-            </a:ext>
-            <a:ext uri="{91240B29-F687-4F45-9708-019B960494DF}">
-              <a14:hiddenLine xmlns:a14="http://schemas.microsoft.com/office/drawing/2010/main" w="9525">
-                <a:solidFill>
-                  <a:srgbClr val="000000"/>
-                </a:solidFill>
-                <a:miter lim="800000"/>
-                <a:headEnd/>
-                <a:tailEnd/>
-              </a14:hiddenLine>
-            </a:ext>
-          </a:extLst>
-        </p:spPr>
-        <p:txBody>
-          <a:bodyPr/>
-          <a:lstStyle>
-            <a:lvl1pPr defTabSz="942975" eaLnBrk="0" hangingPunct="0">
-              <a:spcBef>
-                <a:spcPct val="30000"/>
-              </a:spcBef>
-              <a:defRPr sz="1000">
-                <a:solidFill>
-                  <a:schemeClr val="tx1"/>
-                </a:solidFill>
-                <a:latin typeface="Arial" panose="020B0604020202020204" pitchFamily="34" charset="0"/>
-                <a:cs typeface="Arial" panose="020B0604020202020204" pitchFamily="34" charset="0"/>
-              </a:defRPr>
-            </a:lvl1pPr>
-            <a:lvl2pPr marL="742950" indent="-285750" defTabSz="942975" eaLnBrk="0" hangingPunct="0">
-              <a:spcBef>
-                <a:spcPct val="30000"/>
-              </a:spcBef>
-              <a:defRPr sz="1000">
-                <a:solidFill>
-                  <a:schemeClr val="tx1"/>
-                </a:solidFill>
-                <a:latin typeface="Arial" panose="020B0604020202020204" pitchFamily="34" charset="0"/>
-                <a:cs typeface="Arial" panose="020B0604020202020204" pitchFamily="34" charset="0"/>
-              </a:defRPr>
-            </a:lvl2pPr>
-            <a:lvl3pPr marL="1143000" indent="-228600" defTabSz="942975" eaLnBrk="0" hangingPunct="0">
-              <a:spcBef>
-                <a:spcPct val="30000"/>
-              </a:spcBef>
-              <a:defRPr sz="1000">
-                <a:solidFill>
-                  <a:schemeClr val="tx1"/>
-                </a:solidFill>
-                <a:latin typeface="Arial" panose="020B0604020202020204" pitchFamily="34" charset="0"/>
-                <a:cs typeface="Arial" panose="020B0604020202020204" pitchFamily="34" charset="0"/>
-              </a:defRPr>
-            </a:lvl3pPr>
-            <a:lvl4pPr marL="1600200" indent="-228600" defTabSz="942975" eaLnBrk="0" hangingPunct="0">
-              <a:spcBef>
-                <a:spcPct val="30000"/>
-              </a:spcBef>
-              <a:defRPr sz="1000">
-                <a:solidFill>
-                  <a:schemeClr val="tx1"/>
-                </a:solidFill>
-                <a:latin typeface="Arial" panose="020B0604020202020204" pitchFamily="34" charset="0"/>
-                <a:cs typeface="Arial" panose="020B0604020202020204" pitchFamily="34" charset="0"/>
-              </a:defRPr>
-            </a:lvl4pPr>
-            <a:lvl5pPr marL="2057400" indent="-228600" defTabSz="942975" eaLnBrk="0" hangingPunct="0">
-              <a:spcBef>
-                <a:spcPct val="30000"/>
-              </a:spcBef>
-              <a:defRPr sz="1000">
-                <a:solidFill>
-                  <a:schemeClr val="tx1"/>
-                </a:solidFill>
-                <a:latin typeface="Arial" panose="020B0604020202020204" pitchFamily="34" charset="0"/>
-                <a:cs typeface="Arial" panose="020B0604020202020204" pitchFamily="34" charset="0"/>
-              </a:defRPr>
-            </a:lvl5pPr>
-            <a:lvl6pPr marL="2514600" indent="-228600" defTabSz="942975" eaLnBrk="0" fontAlgn="base" hangingPunct="0">
-              <a:spcBef>
-                <a:spcPct val="30000"/>
-              </a:spcBef>
-              <a:spcAft>
-                <a:spcPct val="0"/>
-              </a:spcAft>
-              <a:defRPr sz="1000">
-                <a:solidFill>
-                  <a:schemeClr val="tx1"/>
-                </a:solidFill>
-                <a:latin typeface="Arial" panose="020B0604020202020204" pitchFamily="34" charset="0"/>
-                <a:cs typeface="Arial" panose="020B0604020202020204" pitchFamily="34" charset="0"/>
-              </a:defRPr>
-            </a:lvl6pPr>
-            <a:lvl7pPr marL="2971800" indent="-228600" defTabSz="942975" eaLnBrk="0" fontAlgn="base" hangingPunct="0">
-              <a:spcBef>
-                <a:spcPct val="30000"/>
-              </a:spcBef>
-              <a:spcAft>
-                <a:spcPct val="0"/>
-              </a:spcAft>
-              <a:defRPr sz="1000">
-                <a:solidFill>
-                  <a:schemeClr val="tx1"/>
-                </a:solidFill>
-                <a:latin typeface="Arial" panose="020B0604020202020204" pitchFamily="34" charset="0"/>
-                <a:cs typeface="Arial" panose="020B0604020202020204" pitchFamily="34" charset="0"/>
-              </a:defRPr>
-            </a:lvl7pPr>
-            <a:lvl8pPr marL="3429000" indent="-228600" defTabSz="942975" eaLnBrk="0" fontAlgn="base" hangingPunct="0">
-              <a:spcBef>
-                <a:spcPct val="30000"/>
-              </a:spcBef>
-              <a:spcAft>
-                <a:spcPct val="0"/>
-              </a:spcAft>
-              <a:defRPr sz="1000">
-                <a:solidFill>
-                  <a:schemeClr val="tx1"/>
-                </a:solidFill>
-                <a:latin typeface="Arial" panose="020B0604020202020204" pitchFamily="34" charset="0"/>
-                <a:cs typeface="Arial" panose="020B0604020202020204" pitchFamily="34" charset="0"/>
-              </a:defRPr>
-            </a:lvl8pPr>
-            <a:lvl9pPr marL="3886200" indent="-228600" defTabSz="942975" eaLnBrk="0" fontAlgn="base" hangingPunct="0">
-              <a:spcBef>
-                <a:spcPct val="30000"/>
-              </a:spcBef>
-              <a:spcAft>
-                <a:spcPct val="0"/>
-              </a:spcAft>
-              <a:defRPr sz="1000">
-                <a:solidFill>
-                  <a:schemeClr val="tx1"/>
-                </a:solidFill>
-                <a:latin typeface="Arial" panose="020B0604020202020204" pitchFamily="34" charset="0"/>
-                <a:cs typeface="Arial" panose="020B0604020202020204" pitchFamily="34" charset="0"/>
-              </a:defRPr>
-            </a:lvl9pPr>
-          </a:lstStyle>
-          <a:p>
-            <a:pPr eaLnBrk="1" hangingPunct="1">
-              <a:spcBef>
-                <a:spcPct val="0"/>
-              </a:spcBef>
-            </a:pPr>
-            <a:r>
-              <a:rPr lang="fr-FR" altLang="fr-FR" sz="800" smtClean="0"/>
-              <a:t>© HANDSHAKE – Philippe MASINA</a:t>
-            </a:r>
-          </a:p>
-        </p:txBody>
-      </p:sp>
-      <p:sp>
-        <p:nvSpPr>
-          <p:cNvPr id="89091" name="Rectangle 7"/>
-          <p:cNvSpPr>
-            <a:spLocks noGrp="1" noChangeArrowheads="1"/>
-          </p:cNvSpPr>
-          <p:nvPr>
-            <p:ph type="sldNum" sz="quarter" idx="5"/>
-          </p:nvPr>
-        </p:nvSpPr>
-        <p:spPr>
-          <a:noFill/>
-          <a:ln/>
-          <a:extLst>
-            <a:ext uri="{909E8E84-426E-40DD-AFC4-6F175D3DCCD1}">
-              <a14:hiddenFill xmlns:a14="http://schemas.microsoft.com/office/drawing/2010/main">
-                <a:solidFill>
-                  <a:srgbClr val="FFFFFF"/>
-                </a:solidFill>
-              </a14:hiddenFill>
-            </a:ext>
-            <a:ext uri="{91240B29-F687-4F45-9708-019B960494DF}">
-              <a14:hiddenLine xmlns:a14="http://schemas.microsoft.com/office/drawing/2010/main" w="9525">
-                <a:solidFill>
-                  <a:srgbClr val="000000"/>
-                </a:solidFill>
-                <a:miter lim="800000"/>
-                <a:headEnd/>
-                <a:tailEnd/>
-              </a14:hiddenLine>
-            </a:ext>
-          </a:extLst>
-        </p:spPr>
-        <p:txBody>
-          <a:bodyPr/>
-          <a:lstStyle>
-            <a:lvl1pPr defTabSz="942975" eaLnBrk="0" hangingPunct="0">
-              <a:spcBef>
-                <a:spcPct val="30000"/>
-              </a:spcBef>
-              <a:defRPr sz="1000">
-                <a:solidFill>
-                  <a:schemeClr val="tx1"/>
-                </a:solidFill>
-                <a:latin typeface="Arial" panose="020B0604020202020204" pitchFamily="34" charset="0"/>
-                <a:cs typeface="Arial" panose="020B0604020202020204" pitchFamily="34" charset="0"/>
-              </a:defRPr>
-            </a:lvl1pPr>
-            <a:lvl2pPr marL="742950" indent="-285750" defTabSz="942975" eaLnBrk="0" hangingPunct="0">
-              <a:spcBef>
-                <a:spcPct val="30000"/>
-              </a:spcBef>
-              <a:defRPr sz="1000">
-                <a:solidFill>
-                  <a:schemeClr val="tx1"/>
-                </a:solidFill>
-                <a:latin typeface="Arial" panose="020B0604020202020204" pitchFamily="34" charset="0"/>
-                <a:cs typeface="Arial" panose="020B0604020202020204" pitchFamily="34" charset="0"/>
-              </a:defRPr>
-            </a:lvl2pPr>
-            <a:lvl3pPr marL="1143000" indent="-228600" defTabSz="942975" eaLnBrk="0" hangingPunct="0">
-              <a:spcBef>
-                <a:spcPct val="30000"/>
-              </a:spcBef>
-              <a:defRPr sz="1000">
-                <a:solidFill>
-                  <a:schemeClr val="tx1"/>
-                </a:solidFill>
-                <a:latin typeface="Arial" panose="020B0604020202020204" pitchFamily="34" charset="0"/>
-                <a:cs typeface="Arial" panose="020B0604020202020204" pitchFamily="34" charset="0"/>
-              </a:defRPr>
-            </a:lvl3pPr>
-            <a:lvl4pPr marL="1600200" indent="-228600" defTabSz="942975" eaLnBrk="0" hangingPunct="0">
-              <a:spcBef>
-                <a:spcPct val="30000"/>
-              </a:spcBef>
-              <a:defRPr sz="1000">
-                <a:solidFill>
-                  <a:schemeClr val="tx1"/>
-                </a:solidFill>
-                <a:latin typeface="Arial" panose="020B0604020202020204" pitchFamily="34" charset="0"/>
-                <a:cs typeface="Arial" panose="020B0604020202020204" pitchFamily="34" charset="0"/>
-              </a:defRPr>
-            </a:lvl4pPr>
-            <a:lvl5pPr marL="2057400" indent="-228600" defTabSz="942975" eaLnBrk="0" hangingPunct="0">
-              <a:spcBef>
-                <a:spcPct val="30000"/>
-              </a:spcBef>
-              <a:defRPr sz="1000">
-                <a:solidFill>
-                  <a:schemeClr val="tx1"/>
-                </a:solidFill>
-                <a:latin typeface="Arial" panose="020B0604020202020204" pitchFamily="34" charset="0"/>
-                <a:cs typeface="Arial" panose="020B0604020202020204" pitchFamily="34" charset="0"/>
-              </a:defRPr>
-            </a:lvl5pPr>
-            <a:lvl6pPr marL="2514600" indent="-228600" defTabSz="942975" eaLnBrk="0" fontAlgn="base" hangingPunct="0">
-              <a:spcBef>
-                <a:spcPct val="30000"/>
-              </a:spcBef>
-              <a:spcAft>
-                <a:spcPct val="0"/>
-              </a:spcAft>
-              <a:defRPr sz="1000">
-                <a:solidFill>
-                  <a:schemeClr val="tx1"/>
-                </a:solidFill>
-                <a:latin typeface="Arial" panose="020B0604020202020204" pitchFamily="34" charset="0"/>
-                <a:cs typeface="Arial" panose="020B0604020202020204" pitchFamily="34" charset="0"/>
-              </a:defRPr>
-            </a:lvl6pPr>
-            <a:lvl7pPr marL="2971800" indent="-228600" defTabSz="942975" eaLnBrk="0" fontAlgn="base" hangingPunct="0">
-              <a:spcBef>
-                <a:spcPct val="30000"/>
-              </a:spcBef>
-              <a:spcAft>
-                <a:spcPct val="0"/>
-              </a:spcAft>
-              <a:defRPr sz="1000">
-                <a:solidFill>
-                  <a:schemeClr val="tx1"/>
-                </a:solidFill>
-                <a:latin typeface="Arial" panose="020B0604020202020204" pitchFamily="34" charset="0"/>
-                <a:cs typeface="Arial" panose="020B0604020202020204" pitchFamily="34" charset="0"/>
-              </a:defRPr>
-            </a:lvl7pPr>
-            <a:lvl8pPr marL="3429000" indent="-228600" defTabSz="942975" eaLnBrk="0" fontAlgn="base" hangingPunct="0">
-              <a:spcBef>
-                <a:spcPct val="30000"/>
-              </a:spcBef>
-              <a:spcAft>
-                <a:spcPct val="0"/>
-              </a:spcAft>
-              <a:defRPr sz="1000">
-                <a:solidFill>
-                  <a:schemeClr val="tx1"/>
-                </a:solidFill>
-                <a:latin typeface="Arial" panose="020B0604020202020204" pitchFamily="34" charset="0"/>
-                <a:cs typeface="Arial" panose="020B0604020202020204" pitchFamily="34" charset="0"/>
-              </a:defRPr>
-            </a:lvl8pPr>
-            <a:lvl9pPr marL="3886200" indent="-228600" defTabSz="942975" eaLnBrk="0" fontAlgn="base" hangingPunct="0">
-              <a:spcBef>
-                <a:spcPct val="30000"/>
-              </a:spcBef>
-              <a:spcAft>
-                <a:spcPct val="0"/>
-              </a:spcAft>
-              <a:defRPr sz="1000">
-                <a:solidFill>
-                  <a:schemeClr val="tx1"/>
-                </a:solidFill>
-                <a:latin typeface="Arial" panose="020B0604020202020204" pitchFamily="34" charset="0"/>
-                <a:cs typeface="Arial" panose="020B0604020202020204" pitchFamily="34" charset="0"/>
-              </a:defRPr>
-            </a:lvl9pPr>
-          </a:lstStyle>
-          <a:p>
-            <a:pPr eaLnBrk="1" hangingPunct="1">
-              <a:spcBef>
-                <a:spcPct val="0"/>
-              </a:spcBef>
-            </a:pPr>
-            <a:r>
-              <a:rPr lang="fr-FR" altLang="fr-FR" sz="800"/>
-              <a:t>IV-</a:t>
-            </a:r>
-            <a:fld id="{2FF78468-7B4F-4045-ADE7-ADCC03AC04C9}" type="slidenum">
-              <a:rPr lang="fr-FR" altLang="fr-FR" sz="800"/>
-              <a:pPr eaLnBrk="1" hangingPunct="1">
-                <a:spcBef>
-                  <a:spcPct val="0"/>
-                </a:spcBef>
-              </a:pPr>
-              <a:t>36</a:t>
-            </a:fld>
-            <a:endParaRPr lang="fr-FR" altLang="fr-FR" sz="800"/>
-          </a:p>
-        </p:txBody>
-      </p:sp>
-      <p:sp>
-        <p:nvSpPr>
-          <p:cNvPr id="89092" name="Rectangle 2"/>
-          <p:cNvSpPr>
-            <a:spLocks noGrp="1" noRot="1" noChangeAspect="1" noChangeArrowheads="1" noTextEdit="1"/>
-          </p:cNvSpPr>
-          <p:nvPr>
-            <p:ph type="sldImg"/>
-          </p:nvPr>
-        </p:nvSpPr>
-        <p:spPr>
-          <a:xfrm>
-            <a:off x="877888" y="733425"/>
-            <a:ext cx="4892675" cy="3670300"/>
-          </a:xfrm>
-          <a:ln/>
-        </p:spPr>
-      </p:sp>
-      <p:sp>
-        <p:nvSpPr>
-          <p:cNvPr id="89093" name="Rectangle 3"/>
-          <p:cNvSpPr>
-            <a:spLocks noGrp="1" noChangeArrowheads="1"/>
-          </p:cNvSpPr>
-          <p:nvPr>
-            <p:ph type="body" idx="1"/>
-          </p:nvPr>
-        </p:nvSpPr>
-        <p:spPr>
-          <a:noFill/>
-          <a:ln/>
-          <a:extLst>
-            <a:ext uri="{909E8E84-426E-40DD-AFC4-6F175D3DCCD1}">
-              <a14:hiddenFill xmlns:a14="http://schemas.microsoft.com/office/drawing/2010/main">
-                <a:solidFill>
-                  <a:srgbClr val="FFFFFF"/>
-                </a:solidFill>
-              </a14:hiddenFill>
-            </a:ext>
-            <a:ext uri="{91240B29-F687-4F45-9708-019B960494DF}">
-              <a14:hiddenLine xmlns:a14="http://schemas.microsoft.com/office/drawing/2010/main" w="9525">
-                <a:solidFill>
-                  <a:srgbClr val="000000"/>
-                </a:solidFill>
-                <a:miter lim="800000"/>
-                <a:headEnd/>
-                <a:tailEnd/>
-              </a14:hiddenLine>
-            </a:ext>
-          </a:extLst>
-        </p:spPr>
-        <p:txBody>
-          <a:bodyPr/>
-          <a:lstStyle/>
-          <a:p>
-            <a:pPr algn="just" eaLnBrk="1" hangingPunct="1"/>
-            <a:r>
-              <a:rPr lang="fr-FR" altLang="fr-FR" smtClean="0">
-                <a:latin typeface="Arial" panose="020B0604020202020204" pitchFamily="34" charset="0"/>
-                <a:cs typeface="Arial" panose="020B0604020202020204" pitchFamily="34" charset="0"/>
-              </a:rPr>
-              <a:t>Nous avons vu que l’accès aux données (méthodes ou attributs) privées dans une super-classe est interdit à partir des sous-classes. Le modificateur </a:t>
-            </a:r>
-            <a:r>
-              <a:rPr lang="fr-FR" altLang="fr-FR" smtClean="0">
-                <a:latin typeface="Courier New" panose="02070309020205020404" pitchFamily="49" charset="0"/>
-                <a:cs typeface="Arial" panose="020B0604020202020204" pitchFamily="34" charset="0"/>
-              </a:rPr>
-              <a:t>protected</a:t>
-            </a:r>
-            <a:r>
-              <a:rPr lang="fr-FR" altLang="fr-FR" smtClean="0">
-                <a:latin typeface="Arial" panose="020B0604020202020204" pitchFamily="34" charset="0"/>
-                <a:cs typeface="Arial" panose="020B0604020202020204" pitchFamily="34" charset="0"/>
-              </a:rPr>
-              <a:t> offre la possibilité aux sous-classes d’accèder aux données sans que celles-ci soient accessibles par une instance.</a:t>
-            </a:r>
-          </a:p>
-          <a:p>
-            <a:pPr algn="just" eaLnBrk="1" hangingPunct="1"/>
-            <a:endParaRPr lang="fr-FR" altLang="fr-FR" smtClean="0">
-              <a:latin typeface="Arial" panose="020B0604020202020204" pitchFamily="34" charset="0"/>
-              <a:cs typeface="Arial" panose="020B0604020202020204" pitchFamily="34" charset="0"/>
-            </a:endParaRPr>
-          </a:p>
-          <a:p>
-            <a:pPr algn="just" eaLnBrk="1" hangingPunct="1"/>
-            <a:r>
-              <a:rPr lang="fr-FR" altLang="fr-FR" smtClean="0">
-                <a:latin typeface="Arial" panose="020B0604020202020204" pitchFamily="34" charset="0"/>
-                <a:cs typeface="Arial" panose="020B0604020202020204" pitchFamily="34" charset="0"/>
-              </a:rPr>
-              <a:t>Toute donnée </a:t>
-            </a:r>
-            <a:r>
-              <a:rPr lang="fr-FR" altLang="fr-FR" smtClean="0">
-                <a:latin typeface="Courier New" panose="02070309020205020404" pitchFamily="49" charset="0"/>
-                <a:cs typeface="Arial" panose="020B0604020202020204" pitchFamily="34" charset="0"/>
-              </a:rPr>
-              <a:t>protected</a:t>
-            </a:r>
-            <a:r>
-              <a:rPr lang="fr-FR" altLang="fr-FR" smtClean="0">
-                <a:latin typeface="Arial" panose="020B0604020202020204" pitchFamily="34" charset="0"/>
-                <a:cs typeface="Arial" panose="020B0604020202020204" pitchFamily="34" charset="0"/>
-              </a:rPr>
-              <a:t> est accessible pour toutes les sous-classes. Il faut donc utiliser avec prudence cette possibilité car des développeurs risquent de pouvoir accéder directement à ces données et se retrouveraient ennuyés en cas d’évolution de la classe.</a:t>
-            </a:r>
-          </a:p>
-        </p:txBody>
-      </p:sp>
-    </p:spTree>
-    <p:extLst>
-      <p:ext uri="{BB962C8B-B14F-4D97-AF65-F5344CB8AC3E}">
-        <p14:creationId xmlns:p14="http://schemas.microsoft.com/office/powerpoint/2010/main" val="572535615"/>
-      </p:ext>
-    </p:extLst>
-  </p:cSld>
-  <p:clrMapOvr>
-    <a:masterClrMapping/>
-  </p:clrMapOvr>
-</p:notes>
-</file>
-
-<file path=ppt/notesSlides/notesSlide24.xml><?xml version="1.0" encoding="utf-8"?>
-<p:notes xmlns:a="http://schemas.openxmlformats.org/drawingml/2006/main" xmlns:r="http://schemas.openxmlformats.org/officeDocument/2006/relationships" xmlns:p="http://schemas.openxmlformats.org/presentationml/2006/main">
-  <p:cSld>
-    <p:spTree>
-      <p:nvGrpSpPr>
-        <p:cNvPr id="1" name=""/>
-        <p:cNvGrpSpPr/>
-        <p:nvPr/>
-      </p:nvGrpSpPr>
-      <p:grpSpPr>
-        <a:xfrm>
-          <a:off x="0" y="0"/>
-          <a:ext cx="0" cy="0"/>
-          <a:chOff x="0" y="0"/>
-          <a:chExt cx="0" cy="0"/>
-        </a:xfrm>
-      </p:grpSpPr>
-      <p:sp>
-        <p:nvSpPr>
-          <p:cNvPr id="90114" name="Rectangle 6"/>
-          <p:cNvSpPr>
-            <a:spLocks noGrp="1" noChangeArrowheads="1"/>
-          </p:cNvSpPr>
-          <p:nvPr>
-            <p:ph type="ftr" sz="quarter" idx="4"/>
-          </p:nvPr>
-        </p:nvSpPr>
-        <p:spPr>
-          <a:noFill/>
-          <a:ln/>
-          <a:extLst>
-            <a:ext uri="{909E8E84-426E-40DD-AFC4-6F175D3DCCD1}">
-              <a14:hiddenFill xmlns:a14="http://schemas.microsoft.com/office/drawing/2010/main">
-                <a:solidFill>
-                  <a:srgbClr val="FFFFFF"/>
-                </a:solidFill>
-              </a14:hiddenFill>
-            </a:ext>
-            <a:ext uri="{91240B29-F687-4F45-9708-019B960494DF}">
-              <a14:hiddenLine xmlns:a14="http://schemas.microsoft.com/office/drawing/2010/main" w="9525">
-                <a:solidFill>
-                  <a:srgbClr val="000000"/>
-                </a:solidFill>
-                <a:miter lim="800000"/>
-                <a:headEnd/>
-                <a:tailEnd/>
-              </a14:hiddenLine>
-            </a:ext>
-          </a:extLst>
-        </p:spPr>
-        <p:txBody>
-          <a:bodyPr/>
-          <a:lstStyle>
-            <a:lvl1pPr defTabSz="942975" eaLnBrk="0" hangingPunct="0">
-              <a:spcBef>
-                <a:spcPct val="30000"/>
-              </a:spcBef>
-              <a:defRPr sz="1000">
-                <a:solidFill>
-                  <a:schemeClr val="tx1"/>
-                </a:solidFill>
-                <a:latin typeface="Arial" panose="020B0604020202020204" pitchFamily="34" charset="0"/>
-                <a:cs typeface="Arial" panose="020B0604020202020204" pitchFamily="34" charset="0"/>
-              </a:defRPr>
-            </a:lvl1pPr>
-            <a:lvl2pPr marL="742950" indent="-285750" defTabSz="942975" eaLnBrk="0" hangingPunct="0">
-              <a:spcBef>
-                <a:spcPct val="30000"/>
-              </a:spcBef>
-              <a:defRPr sz="1000">
-                <a:solidFill>
-                  <a:schemeClr val="tx1"/>
-                </a:solidFill>
-                <a:latin typeface="Arial" panose="020B0604020202020204" pitchFamily="34" charset="0"/>
-                <a:cs typeface="Arial" panose="020B0604020202020204" pitchFamily="34" charset="0"/>
-              </a:defRPr>
-            </a:lvl2pPr>
-            <a:lvl3pPr marL="1143000" indent="-228600" defTabSz="942975" eaLnBrk="0" hangingPunct="0">
-              <a:spcBef>
-                <a:spcPct val="30000"/>
-              </a:spcBef>
-              <a:defRPr sz="1000">
-                <a:solidFill>
-                  <a:schemeClr val="tx1"/>
-                </a:solidFill>
-                <a:latin typeface="Arial" panose="020B0604020202020204" pitchFamily="34" charset="0"/>
-                <a:cs typeface="Arial" panose="020B0604020202020204" pitchFamily="34" charset="0"/>
-              </a:defRPr>
-            </a:lvl3pPr>
-            <a:lvl4pPr marL="1600200" indent="-228600" defTabSz="942975" eaLnBrk="0" hangingPunct="0">
-              <a:spcBef>
-                <a:spcPct val="30000"/>
-              </a:spcBef>
-              <a:defRPr sz="1000">
-                <a:solidFill>
-                  <a:schemeClr val="tx1"/>
-                </a:solidFill>
-                <a:latin typeface="Arial" panose="020B0604020202020204" pitchFamily="34" charset="0"/>
-                <a:cs typeface="Arial" panose="020B0604020202020204" pitchFamily="34" charset="0"/>
-              </a:defRPr>
-            </a:lvl4pPr>
-            <a:lvl5pPr marL="2057400" indent="-228600" defTabSz="942975" eaLnBrk="0" hangingPunct="0">
-              <a:spcBef>
-                <a:spcPct val="30000"/>
-              </a:spcBef>
-              <a:defRPr sz="1000">
-                <a:solidFill>
-                  <a:schemeClr val="tx1"/>
-                </a:solidFill>
-                <a:latin typeface="Arial" panose="020B0604020202020204" pitchFamily="34" charset="0"/>
-                <a:cs typeface="Arial" panose="020B0604020202020204" pitchFamily="34" charset="0"/>
-              </a:defRPr>
-            </a:lvl5pPr>
-            <a:lvl6pPr marL="2514600" indent="-228600" defTabSz="942975" eaLnBrk="0" fontAlgn="base" hangingPunct="0">
-              <a:spcBef>
-                <a:spcPct val="30000"/>
-              </a:spcBef>
-              <a:spcAft>
-                <a:spcPct val="0"/>
-              </a:spcAft>
-              <a:defRPr sz="1000">
-                <a:solidFill>
-                  <a:schemeClr val="tx1"/>
-                </a:solidFill>
-                <a:latin typeface="Arial" panose="020B0604020202020204" pitchFamily="34" charset="0"/>
-                <a:cs typeface="Arial" panose="020B0604020202020204" pitchFamily="34" charset="0"/>
-              </a:defRPr>
-            </a:lvl6pPr>
-            <a:lvl7pPr marL="2971800" indent="-228600" defTabSz="942975" eaLnBrk="0" fontAlgn="base" hangingPunct="0">
-              <a:spcBef>
-                <a:spcPct val="30000"/>
-              </a:spcBef>
-              <a:spcAft>
-                <a:spcPct val="0"/>
-              </a:spcAft>
-              <a:defRPr sz="1000">
-                <a:solidFill>
-                  <a:schemeClr val="tx1"/>
-                </a:solidFill>
-                <a:latin typeface="Arial" panose="020B0604020202020204" pitchFamily="34" charset="0"/>
-                <a:cs typeface="Arial" panose="020B0604020202020204" pitchFamily="34" charset="0"/>
-              </a:defRPr>
-            </a:lvl7pPr>
-            <a:lvl8pPr marL="3429000" indent="-228600" defTabSz="942975" eaLnBrk="0" fontAlgn="base" hangingPunct="0">
-              <a:spcBef>
-                <a:spcPct val="30000"/>
-              </a:spcBef>
-              <a:spcAft>
-                <a:spcPct val="0"/>
-              </a:spcAft>
-              <a:defRPr sz="1000">
-                <a:solidFill>
-                  <a:schemeClr val="tx1"/>
-                </a:solidFill>
-                <a:latin typeface="Arial" panose="020B0604020202020204" pitchFamily="34" charset="0"/>
-                <a:cs typeface="Arial" panose="020B0604020202020204" pitchFamily="34" charset="0"/>
-              </a:defRPr>
-            </a:lvl8pPr>
-            <a:lvl9pPr marL="3886200" indent="-228600" defTabSz="942975" eaLnBrk="0" fontAlgn="base" hangingPunct="0">
-              <a:spcBef>
-                <a:spcPct val="30000"/>
-              </a:spcBef>
-              <a:spcAft>
-                <a:spcPct val="0"/>
-              </a:spcAft>
-              <a:defRPr sz="1000">
-                <a:solidFill>
-                  <a:schemeClr val="tx1"/>
-                </a:solidFill>
-                <a:latin typeface="Arial" panose="020B0604020202020204" pitchFamily="34" charset="0"/>
-                <a:cs typeface="Arial" panose="020B0604020202020204" pitchFamily="34" charset="0"/>
-              </a:defRPr>
-            </a:lvl9pPr>
-          </a:lstStyle>
-          <a:p>
-            <a:pPr eaLnBrk="1" hangingPunct="1">
-              <a:spcBef>
-                <a:spcPct val="0"/>
-              </a:spcBef>
-            </a:pPr>
-            <a:r>
-              <a:rPr lang="fr-FR" altLang="fr-FR" sz="800" smtClean="0"/>
-              <a:t>© HANDSHAKE – Philippe MASINA</a:t>
-            </a:r>
-          </a:p>
-        </p:txBody>
-      </p:sp>
-      <p:sp>
-        <p:nvSpPr>
-          <p:cNvPr id="90115" name="Rectangle 7"/>
-          <p:cNvSpPr>
-            <a:spLocks noGrp="1" noChangeArrowheads="1"/>
-          </p:cNvSpPr>
-          <p:nvPr>
-            <p:ph type="sldNum" sz="quarter" idx="5"/>
-          </p:nvPr>
-        </p:nvSpPr>
-        <p:spPr>
-          <a:noFill/>
-          <a:ln/>
-          <a:extLst>
-            <a:ext uri="{909E8E84-426E-40DD-AFC4-6F175D3DCCD1}">
-              <a14:hiddenFill xmlns:a14="http://schemas.microsoft.com/office/drawing/2010/main">
-                <a:solidFill>
-                  <a:srgbClr val="FFFFFF"/>
-                </a:solidFill>
-              </a14:hiddenFill>
-            </a:ext>
-            <a:ext uri="{91240B29-F687-4F45-9708-019B960494DF}">
-              <a14:hiddenLine xmlns:a14="http://schemas.microsoft.com/office/drawing/2010/main" w="9525">
-                <a:solidFill>
-                  <a:srgbClr val="000000"/>
-                </a:solidFill>
-                <a:miter lim="800000"/>
-                <a:headEnd/>
-                <a:tailEnd/>
-              </a14:hiddenLine>
-            </a:ext>
-          </a:extLst>
-        </p:spPr>
-        <p:txBody>
-          <a:bodyPr/>
-          <a:lstStyle>
-            <a:lvl1pPr defTabSz="942975" eaLnBrk="0" hangingPunct="0">
-              <a:spcBef>
-                <a:spcPct val="30000"/>
-              </a:spcBef>
-              <a:defRPr sz="1000">
-                <a:solidFill>
-                  <a:schemeClr val="tx1"/>
-                </a:solidFill>
-                <a:latin typeface="Arial" panose="020B0604020202020204" pitchFamily="34" charset="0"/>
-                <a:cs typeface="Arial" panose="020B0604020202020204" pitchFamily="34" charset="0"/>
-              </a:defRPr>
-            </a:lvl1pPr>
-            <a:lvl2pPr marL="742950" indent="-285750" defTabSz="942975" eaLnBrk="0" hangingPunct="0">
-              <a:spcBef>
-                <a:spcPct val="30000"/>
-              </a:spcBef>
-              <a:defRPr sz="1000">
-                <a:solidFill>
-                  <a:schemeClr val="tx1"/>
-                </a:solidFill>
-                <a:latin typeface="Arial" panose="020B0604020202020204" pitchFamily="34" charset="0"/>
-                <a:cs typeface="Arial" panose="020B0604020202020204" pitchFamily="34" charset="0"/>
-              </a:defRPr>
-            </a:lvl2pPr>
-            <a:lvl3pPr marL="1143000" indent="-228600" defTabSz="942975" eaLnBrk="0" hangingPunct="0">
-              <a:spcBef>
-                <a:spcPct val="30000"/>
-              </a:spcBef>
-              <a:defRPr sz="1000">
-                <a:solidFill>
-                  <a:schemeClr val="tx1"/>
-                </a:solidFill>
-                <a:latin typeface="Arial" panose="020B0604020202020204" pitchFamily="34" charset="0"/>
-                <a:cs typeface="Arial" panose="020B0604020202020204" pitchFamily="34" charset="0"/>
-              </a:defRPr>
-            </a:lvl3pPr>
-            <a:lvl4pPr marL="1600200" indent="-228600" defTabSz="942975" eaLnBrk="0" hangingPunct="0">
-              <a:spcBef>
-                <a:spcPct val="30000"/>
-              </a:spcBef>
-              <a:defRPr sz="1000">
-                <a:solidFill>
-                  <a:schemeClr val="tx1"/>
-                </a:solidFill>
-                <a:latin typeface="Arial" panose="020B0604020202020204" pitchFamily="34" charset="0"/>
-                <a:cs typeface="Arial" panose="020B0604020202020204" pitchFamily="34" charset="0"/>
-              </a:defRPr>
-            </a:lvl4pPr>
-            <a:lvl5pPr marL="2057400" indent="-228600" defTabSz="942975" eaLnBrk="0" hangingPunct="0">
-              <a:spcBef>
-                <a:spcPct val="30000"/>
-              </a:spcBef>
-              <a:defRPr sz="1000">
-                <a:solidFill>
-                  <a:schemeClr val="tx1"/>
-                </a:solidFill>
-                <a:latin typeface="Arial" panose="020B0604020202020204" pitchFamily="34" charset="0"/>
-                <a:cs typeface="Arial" panose="020B0604020202020204" pitchFamily="34" charset="0"/>
-              </a:defRPr>
-            </a:lvl5pPr>
-            <a:lvl6pPr marL="2514600" indent="-228600" defTabSz="942975" eaLnBrk="0" fontAlgn="base" hangingPunct="0">
-              <a:spcBef>
-                <a:spcPct val="30000"/>
-              </a:spcBef>
-              <a:spcAft>
-                <a:spcPct val="0"/>
-              </a:spcAft>
-              <a:defRPr sz="1000">
-                <a:solidFill>
-                  <a:schemeClr val="tx1"/>
-                </a:solidFill>
-                <a:latin typeface="Arial" panose="020B0604020202020204" pitchFamily="34" charset="0"/>
-                <a:cs typeface="Arial" panose="020B0604020202020204" pitchFamily="34" charset="0"/>
-              </a:defRPr>
-            </a:lvl6pPr>
-            <a:lvl7pPr marL="2971800" indent="-228600" defTabSz="942975" eaLnBrk="0" fontAlgn="base" hangingPunct="0">
-              <a:spcBef>
-                <a:spcPct val="30000"/>
-              </a:spcBef>
-              <a:spcAft>
-                <a:spcPct val="0"/>
-              </a:spcAft>
-              <a:defRPr sz="1000">
-                <a:solidFill>
-                  <a:schemeClr val="tx1"/>
-                </a:solidFill>
-                <a:latin typeface="Arial" panose="020B0604020202020204" pitchFamily="34" charset="0"/>
-                <a:cs typeface="Arial" panose="020B0604020202020204" pitchFamily="34" charset="0"/>
-              </a:defRPr>
-            </a:lvl7pPr>
-            <a:lvl8pPr marL="3429000" indent="-228600" defTabSz="942975" eaLnBrk="0" fontAlgn="base" hangingPunct="0">
-              <a:spcBef>
-                <a:spcPct val="30000"/>
-              </a:spcBef>
-              <a:spcAft>
-                <a:spcPct val="0"/>
-              </a:spcAft>
-              <a:defRPr sz="1000">
-                <a:solidFill>
-                  <a:schemeClr val="tx1"/>
-                </a:solidFill>
-                <a:latin typeface="Arial" panose="020B0604020202020204" pitchFamily="34" charset="0"/>
-                <a:cs typeface="Arial" panose="020B0604020202020204" pitchFamily="34" charset="0"/>
-              </a:defRPr>
-            </a:lvl8pPr>
-            <a:lvl9pPr marL="3886200" indent="-228600" defTabSz="942975" eaLnBrk="0" fontAlgn="base" hangingPunct="0">
-              <a:spcBef>
-                <a:spcPct val="30000"/>
-              </a:spcBef>
-              <a:spcAft>
-                <a:spcPct val="0"/>
-              </a:spcAft>
-              <a:defRPr sz="1000">
-                <a:solidFill>
-                  <a:schemeClr val="tx1"/>
-                </a:solidFill>
-                <a:latin typeface="Arial" panose="020B0604020202020204" pitchFamily="34" charset="0"/>
-                <a:cs typeface="Arial" panose="020B0604020202020204" pitchFamily="34" charset="0"/>
-              </a:defRPr>
-            </a:lvl9pPr>
-          </a:lstStyle>
-          <a:p>
-            <a:pPr eaLnBrk="1" hangingPunct="1">
-              <a:spcBef>
-                <a:spcPct val="0"/>
-              </a:spcBef>
-            </a:pPr>
-            <a:r>
-              <a:rPr lang="fr-FR" altLang="fr-FR" sz="800"/>
-              <a:t>IV-</a:t>
-            </a:r>
-            <a:fld id="{621D063A-DCB4-4FA8-B961-7907219EADC2}" type="slidenum">
-              <a:rPr lang="fr-FR" altLang="fr-FR" sz="800"/>
-              <a:pPr eaLnBrk="1" hangingPunct="1">
-                <a:spcBef>
-                  <a:spcPct val="0"/>
-                </a:spcBef>
-              </a:pPr>
-              <a:t>37</a:t>
-            </a:fld>
-            <a:endParaRPr lang="fr-FR" altLang="fr-FR" sz="800"/>
-          </a:p>
-        </p:txBody>
-      </p:sp>
-      <p:sp>
-        <p:nvSpPr>
-          <p:cNvPr id="90116" name="Rectangle 2"/>
-          <p:cNvSpPr>
-            <a:spLocks noGrp="1" noRot="1" noChangeAspect="1" noChangeArrowheads="1" noTextEdit="1"/>
-          </p:cNvSpPr>
-          <p:nvPr>
-            <p:ph type="sldImg"/>
-          </p:nvPr>
-        </p:nvSpPr>
-        <p:spPr>
-          <a:xfrm>
-            <a:off x="877888" y="733425"/>
-            <a:ext cx="4892675" cy="3670300"/>
-          </a:xfrm>
-          <a:ln/>
-        </p:spPr>
-      </p:sp>
-      <p:sp>
-        <p:nvSpPr>
-          <p:cNvPr id="90117" name="Rectangle 3"/>
-          <p:cNvSpPr>
-            <a:spLocks noGrp="1" noChangeArrowheads="1"/>
-          </p:cNvSpPr>
-          <p:nvPr>
-            <p:ph type="body" idx="1"/>
-          </p:nvPr>
-        </p:nvSpPr>
-        <p:spPr>
-          <a:noFill/>
-          <a:ln/>
-          <a:extLst>
-            <a:ext uri="{909E8E84-426E-40DD-AFC4-6F175D3DCCD1}">
-              <a14:hiddenFill xmlns:a14="http://schemas.microsoft.com/office/drawing/2010/main">
-                <a:solidFill>
-                  <a:srgbClr val="FFFFFF"/>
-                </a:solidFill>
-              </a14:hiddenFill>
-            </a:ext>
-            <a:ext uri="{91240B29-F687-4F45-9708-019B960494DF}">
-              <a14:hiddenLine xmlns:a14="http://schemas.microsoft.com/office/drawing/2010/main" w="9525">
-                <a:solidFill>
-                  <a:srgbClr val="000000"/>
-                </a:solidFill>
-                <a:miter lim="800000"/>
-                <a:headEnd/>
-                <a:tailEnd/>
-              </a14:hiddenLine>
-            </a:ext>
-          </a:extLst>
-        </p:spPr>
-        <p:txBody>
-          <a:bodyPr/>
-          <a:lstStyle/>
-          <a:p>
-            <a:pPr algn="just" eaLnBrk="1" hangingPunct="1"/>
-            <a:r>
-              <a:rPr lang="fr-FR" altLang="fr-FR" smtClean="0">
-                <a:latin typeface="Arial" panose="020B0604020202020204" pitchFamily="34" charset="0"/>
-                <a:cs typeface="Arial" panose="020B0604020202020204" pitchFamily="34" charset="0"/>
-              </a:rPr>
-              <a:t>L’exemple ci-dessus montre que l’objet de la classe Employe s’utilise aussi facilement que celui de la classe Personne. Le premier appel à </a:t>
-            </a:r>
-            <a:r>
-              <a:rPr lang="fr-FR" altLang="fr-FR" smtClean="0">
-                <a:latin typeface="Courier New" panose="02070309020205020404" pitchFamily="49" charset="0"/>
-                <a:cs typeface="Arial" panose="020B0604020202020204" pitchFamily="34" charset="0"/>
-              </a:rPr>
-              <a:t>println</a:t>
-            </a:r>
-            <a:r>
-              <a:rPr lang="fr-FR" altLang="fr-FR" smtClean="0">
-                <a:latin typeface="Arial" panose="020B0604020202020204" pitchFamily="34" charset="0"/>
-                <a:cs typeface="Arial" panose="020B0604020202020204" pitchFamily="34" charset="0"/>
-              </a:rPr>
-              <a:t> invoque la méthode </a:t>
-            </a:r>
-            <a:r>
-              <a:rPr lang="fr-FR" altLang="fr-FR" smtClean="0">
-                <a:latin typeface="Courier New" panose="02070309020205020404" pitchFamily="49" charset="0"/>
-                <a:cs typeface="Arial" panose="020B0604020202020204" pitchFamily="34" charset="0"/>
-              </a:rPr>
-              <a:t>toString</a:t>
-            </a:r>
-            <a:r>
-              <a:rPr lang="fr-FR" altLang="fr-FR" smtClean="0">
-                <a:latin typeface="Arial" panose="020B0604020202020204" pitchFamily="34" charset="0"/>
-                <a:cs typeface="Arial" panose="020B0604020202020204" pitchFamily="34" charset="0"/>
-              </a:rPr>
-              <a:t> de la classe Personne, tandis que le deuxième invoque la méthode </a:t>
-            </a:r>
-            <a:r>
-              <a:rPr lang="fr-FR" altLang="fr-FR" smtClean="0">
-                <a:latin typeface="Courier New" panose="02070309020205020404" pitchFamily="49" charset="0"/>
-                <a:cs typeface="Arial" panose="020B0604020202020204" pitchFamily="34" charset="0"/>
-              </a:rPr>
-              <a:t>toString</a:t>
-            </a:r>
-            <a:r>
-              <a:rPr lang="fr-FR" altLang="fr-FR" smtClean="0">
-                <a:latin typeface="Arial" panose="020B0604020202020204" pitchFamily="34" charset="0"/>
-                <a:cs typeface="Arial" panose="020B0604020202020204" pitchFamily="34" charset="0"/>
-              </a:rPr>
-              <a:t> de la classe Employe.</a:t>
-            </a:r>
-          </a:p>
-          <a:p>
-            <a:pPr algn="just" eaLnBrk="1" hangingPunct="1"/>
-            <a:endParaRPr lang="fr-FR" altLang="fr-FR" smtClean="0">
-              <a:latin typeface="Arial" panose="020B0604020202020204" pitchFamily="34" charset="0"/>
-              <a:cs typeface="Arial" panose="020B0604020202020204" pitchFamily="34" charset="0"/>
-            </a:endParaRPr>
-          </a:p>
-        </p:txBody>
-      </p:sp>
-    </p:spTree>
-    <p:extLst>
-      <p:ext uri="{BB962C8B-B14F-4D97-AF65-F5344CB8AC3E}">
-        <p14:creationId xmlns:p14="http://schemas.microsoft.com/office/powerpoint/2010/main" val="3124137049"/>
-      </p:ext>
-    </p:extLst>
-  </p:cSld>
-  <p:clrMapOvr>
-    <a:masterClrMapping/>
-  </p:clrMapOvr>
-</p:notes>
-</file>
-
-<file path=ppt/notesSlides/notesSlide25.xml><?xml version="1.0" encoding="utf-8"?>
-<p:notes xmlns:a="http://schemas.openxmlformats.org/drawingml/2006/main" xmlns:r="http://schemas.openxmlformats.org/officeDocument/2006/relationships" xmlns:p="http://schemas.openxmlformats.org/presentationml/2006/main">
-  <p:cSld>
-    <p:spTree>
-      <p:nvGrpSpPr>
-        <p:cNvPr id="1" name=""/>
-        <p:cNvGrpSpPr/>
-        <p:nvPr/>
-      </p:nvGrpSpPr>
-      <p:grpSpPr>
-        <a:xfrm>
-          <a:off x="0" y="0"/>
-          <a:ext cx="0" cy="0"/>
-          <a:chOff x="0" y="0"/>
-          <a:chExt cx="0" cy="0"/>
-        </a:xfrm>
-      </p:grpSpPr>
-      <p:sp>
-        <p:nvSpPr>
           <p:cNvPr id="91138" name="Rectangle 6"/>
           <p:cNvSpPr>
             <a:spLocks noGrp="1" noChangeArrowheads="1"/>
@@ -9942,7 +8955,7 @@
                   <a:spcPct val="0"/>
                 </a:spcBef>
               </a:pPr>
-              <a:t>38</a:t>
+              <a:t>36</a:t>
             </a:fld>
             <a:endParaRPr lang="fr-FR" altLang="fr-FR" sz="800"/>
           </a:p>
@@ -10078,7 +9091,7 @@
 </p:notes>
 </file>
 
-<file path=ppt/notesSlides/notesSlide26.xml><?xml version="1.0" encoding="utf-8"?>
+<file path=ppt/notesSlides/notesSlide24.xml><?xml version="1.0" encoding="utf-8"?>
 <p:notes xmlns:a="http://schemas.openxmlformats.org/drawingml/2006/main" xmlns:r="http://schemas.openxmlformats.org/officeDocument/2006/relationships" xmlns:p="http://schemas.openxmlformats.org/presentationml/2006/main">
   <p:cSld>
     <p:spTree>
@@ -10439,7 +9452,7 @@
                   <a:spcPct val="0"/>
                 </a:spcBef>
               </a:pPr>
-              <a:t>39</a:t>
+              <a:t>37</a:t>
             </a:fld>
             <a:endParaRPr lang="fr-FR" altLang="fr-FR" sz="800"/>
           </a:p>
@@ -10542,7 +9555,7 @@
 </p:notes>
 </file>
 
-<file path=ppt/notesSlides/notesSlide27.xml><?xml version="1.0" encoding="utf-8"?>
+<file path=ppt/notesSlides/notesSlide25.xml><?xml version="1.0" encoding="utf-8"?>
 <p:notes xmlns:a="http://schemas.openxmlformats.org/drawingml/2006/main" xmlns:r="http://schemas.openxmlformats.org/officeDocument/2006/relationships" xmlns:p="http://schemas.openxmlformats.org/presentationml/2006/main">
   <p:cSld>
     <p:spTree>
@@ -10903,7 +9916,7 @@
                   <a:spcPct val="0"/>
                 </a:spcBef>
               </a:pPr>
-              <a:t>40</a:t>
+              <a:t>38</a:t>
             </a:fld>
             <a:endParaRPr lang="fr-FR" altLang="fr-FR" sz="800"/>
           </a:p>
@@ -11102,7 +10115,7 @@
 </p:notes>
 </file>
 
-<file path=ppt/notesSlides/notesSlide28.xml><?xml version="1.0" encoding="utf-8"?>
+<file path=ppt/notesSlides/notesSlide26.xml><?xml version="1.0" encoding="utf-8"?>
 <p:notes xmlns:a="http://schemas.openxmlformats.org/drawingml/2006/main" xmlns:r="http://schemas.openxmlformats.org/officeDocument/2006/relationships" xmlns:p="http://schemas.openxmlformats.org/presentationml/2006/main">
   <p:cSld>
     <p:spTree>
@@ -11463,7 +10476,7 @@
                   <a:spcPct val="0"/>
                 </a:spcBef>
               </a:pPr>
-              <a:t>41</a:t>
+              <a:t>39</a:t>
             </a:fld>
             <a:endParaRPr lang="fr-FR" altLang="fr-FR" sz="800"/>
           </a:p>
@@ -11594,7 +10607,7 @@
 </p:notes>
 </file>
 
-<file path=ppt/notesSlides/notesSlide29.xml><?xml version="1.0" encoding="utf-8"?>
+<file path=ppt/notesSlides/notesSlide27.xml><?xml version="1.0" encoding="utf-8"?>
 <p:notes xmlns:a="http://schemas.openxmlformats.org/drawingml/2006/main" xmlns:r="http://schemas.openxmlformats.org/officeDocument/2006/relationships" xmlns:p="http://schemas.openxmlformats.org/presentationml/2006/main">
   <p:cSld>
     <p:spTree>
@@ -11955,7 +10968,7 @@
                   <a:spcPct val="0"/>
                 </a:spcBef>
               </a:pPr>
-              <a:t>42</a:t>
+              <a:t>40</a:t>
             </a:fld>
             <a:endParaRPr lang="fr-FR" altLang="fr-FR" sz="800"/>
           </a:p>
@@ -12031,6 +11044,940 @@
     <p:extLst>
       <p:ext uri="{BB962C8B-B14F-4D97-AF65-F5344CB8AC3E}">
         <p14:creationId xmlns:p14="http://schemas.microsoft.com/office/powerpoint/2010/main" val="19500280"/>
+      </p:ext>
+    </p:extLst>
+  </p:cSld>
+  <p:clrMapOvr>
+    <a:masterClrMapping/>
+  </p:clrMapOvr>
+</p:notes>
+</file>
+
+<file path=ppt/notesSlides/notesSlide28.xml><?xml version="1.0" encoding="utf-8"?>
+<p:notes xmlns:a="http://schemas.openxmlformats.org/drawingml/2006/main" xmlns:r="http://schemas.openxmlformats.org/officeDocument/2006/relationships" xmlns:p="http://schemas.openxmlformats.org/presentationml/2006/main">
+  <p:cSld>
+    <p:spTree>
+      <p:nvGrpSpPr>
+        <p:cNvPr id="1" name=""/>
+        <p:cNvGrpSpPr/>
+        <p:nvPr/>
+      </p:nvGrpSpPr>
+      <p:grpSpPr>
+        <a:xfrm>
+          <a:off x="0" y="0"/>
+          <a:ext cx="0" cy="0"/>
+          <a:chOff x="0" y="0"/>
+          <a:chExt cx="0" cy="0"/>
+        </a:xfrm>
+      </p:grpSpPr>
+      <p:sp>
+        <p:nvSpPr>
+          <p:cNvPr id="100354" name="Rectangle 6"/>
+          <p:cNvSpPr>
+            <a:spLocks noGrp="1" noChangeArrowheads="1"/>
+          </p:cNvSpPr>
+          <p:nvPr>
+            <p:ph type="ftr" sz="quarter" idx="4"/>
+          </p:nvPr>
+        </p:nvSpPr>
+        <p:spPr>
+          <a:noFill/>
+          <a:ln/>
+          <a:extLst>
+            <a:ext uri="{909E8E84-426E-40DD-AFC4-6F175D3DCCD1}">
+              <a14:hiddenFill xmlns:a14="http://schemas.microsoft.com/office/drawing/2010/main">
+                <a:solidFill>
+                  <a:srgbClr val="FFFFFF"/>
+                </a:solidFill>
+              </a14:hiddenFill>
+            </a:ext>
+            <a:ext uri="{91240B29-F687-4F45-9708-019B960494DF}">
+              <a14:hiddenLine xmlns:a14="http://schemas.microsoft.com/office/drawing/2010/main" w="9525">
+                <a:solidFill>
+                  <a:srgbClr val="000000"/>
+                </a:solidFill>
+                <a:miter lim="800000"/>
+                <a:headEnd/>
+                <a:tailEnd/>
+              </a14:hiddenLine>
+            </a:ext>
+          </a:extLst>
+        </p:spPr>
+        <p:txBody>
+          <a:bodyPr/>
+          <a:lstStyle>
+            <a:lvl1pPr defTabSz="942975" eaLnBrk="0" hangingPunct="0">
+              <a:spcBef>
+                <a:spcPct val="30000"/>
+              </a:spcBef>
+              <a:defRPr sz="1000">
+                <a:solidFill>
+                  <a:schemeClr val="tx1"/>
+                </a:solidFill>
+                <a:latin typeface="Arial" panose="020B0604020202020204" pitchFamily="34" charset="0"/>
+                <a:cs typeface="Arial" panose="020B0604020202020204" pitchFamily="34" charset="0"/>
+              </a:defRPr>
+            </a:lvl1pPr>
+            <a:lvl2pPr marL="742950" indent="-285750" defTabSz="942975" eaLnBrk="0" hangingPunct="0">
+              <a:spcBef>
+                <a:spcPct val="30000"/>
+              </a:spcBef>
+              <a:defRPr sz="1000">
+                <a:solidFill>
+                  <a:schemeClr val="tx1"/>
+                </a:solidFill>
+                <a:latin typeface="Arial" panose="020B0604020202020204" pitchFamily="34" charset="0"/>
+                <a:cs typeface="Arial" panose="020B0604020202020204" pitchFamily="34" charset="0"/>
+              </a:defRPr>
+            </a:lvl2pPr>
+            <a:lvl3pPr marL="1143000" indent="-228600" defTabSz="942975" eaLnBrk="0" hangingPunct="0">
+              <a:spcBef>
+                <a:spcPct val="30000"/>
+              </a:spcBef>
+              <a:defRPr sz="1000">
+                <a:solidFill>
+                  <a:schemeClr val="tx1"/>
+                </a:solidFill>
+                <a:latin typeface="Arial" panose="020B0604020202020204" pitchFamily="34" charset="0"/>
+                <a:cs typeface="Arial" panose="020B0604020202020204" pitchFamily="34" charset="0"/>
+              </a:defRPr>
+            </a:lvl3pPr>
+            <a:lvl4pPr marL="1600200" indent="-228600" defTabSz="942975" eaLnBrk="0" hangingPunct="0">
+              <a:spcBef>
+                <a:spcPct val="30000"/>
+              </a:spcBef>
+              <a:defRPr sz="1000">
+                <a:solidFill>
+                  <a:schemeClr val="tx1"/>
+                </a:solidFill>
+                <a:latin typeface="Arial" panose="020B0604020202020204" pitchFamily="34" charset="0"/>
+                <a:cs typeface="Arial" panose="020B0604020202020204" pitchFamily="34" charset="0"/>
+              </a:defRPr>
+            </a:lvl4pPr>
+            <a:lvl5pPr marL="2057400" indent="-228600" defTabSz="942975" eaLnBrk="0" hangingPunct="0">
+              <a:spcBef>
+                <a:spcPct val="30000"/>
+              </a:spcBef>
+              <a:defRPr sz="1000">
+                <a:solidFill>
+                  <a:schemeClr val="tx1"/>
+                </a:solidFill>
+                <a:latin typeface="Arial" panose="020B0604020202020204" pitchFamily="34" charset="0"/>
+                <a:cs typeface="Arial" panose="020B0604020202020204" pitchFamily="34" charset="0"/>
+              </a:defRPr>
+            </a:lvl5pPr>
+            <a:lvl6pPr marL="2514600" indent="-228600" defTabSz="942975" eaLnBrk="0" fontAlgn="base" hangingPunct="0">
+              <a:spcBef>
+                <a:spcPct val="30000"/>
+              </a:spcBef>
+              <a:spcAft>
+                <a:spcPct val="0"/>
+              </a:spcAft>
+              <a:defRPr sz="1000">
+                <a:solidFill>
+                  <a:schemeClr val="tx1"/>
+                </a:solidFill>
+                <a:latin typeface="Arial" panose="020B0604020202020204" pitchFamily="34" charset="0"/>
+                <a:cs typeface="Arial" panose="020B0604020202020204" pitchFamily="34" charset="0"/>
+              </a:defRPr>
+            </a:lvl6pPr>
+            <a:lvl7pPr marL="2971800" indent="-228600" defTabSz="942975" eaLnBrk="0" fontAlgn="base" hangingPunct="0">
+              <a:spcBef>
+                <a:spcPct val="30000"/>
+              </a:spcBef>
+              <a:spcAft>
+                <a:spcPct val="0"/>
+              </a:spcAft>
+              <a:defRPr sz="1000">
+                <a:solidFill>
+                  <a:schemeClr val="tx1"/>
+                </a:solidFill>
+                <a:latin typeface="Arial" panose="020B0604020202020204" pitchFamily="34" charset="0"/>
+                <a:cs typeface="Arial" panose="020B0604020202020204" pitchFamily="34" charset="0"/>
+              </a:defRPr>
+            </a:lvl7pPr>
+            <a:lvl8pPr marL="3429000" indent="-228600" defTabSz="942975" eaLnBrk="0" fontAlgn="base" hangingPunct="0">
+              <a:spcBef>
+                <a:spcPct val="30000"/>
+              </a:spcBef>
+              <a:spcAft>
+                <a:spcPct val="0"/>
+              </a:spcAft>
+              <a:defRPr sz="1000">
+                <a:solidFill>
+                  <a:schemeClr val="tx1"/>
+                </a:solidFill>
+                <a:latin typeface="Arial" panose="020B0604020202020204" pitchFamily="34" charset="0"/>
+                <a:cs typeface="Arial" panose="020B0604020202020204" pitchFamily="34" charset="0"/>
+              </a:defRPr>
+            </a:lvl8pPr>
+            <a:lvl9pPr marL="3886200" indent="-228600" defTabSz="942975" eaLnBrk="0" fontAlgn="base" hangingPunct="0">
+              <a:spcBef>
+                <a:spcPct val="30000"/>
+              </a:spcBef>
+              <a:spcAft>
+                <a:spcPct val="0"/>
+              </a:spcAft>
+              <a:defRPr sz="1000">
+                <a:solidFill>
+                  <a:schemeClr val="tx1"/>
+                </a:solidFill>
+                <a:latin typeface="Arial" panose="020B0604020202020204" pitchFamily="34" charset="0"/>
+                <a:cs typeface="Arial" panose="020B0604020202020204" pitchFamily="34" charset="0"/>
+              </a:defRPr>
+            </a:lvl9pPr>
+          </a:lstStyle>
+          <a:p>
+            <a:pPr eaLnBrk="1" hangingPunct="1">
+              <a:spcBef>
+                <a:spcPct val="0"/>
+              </a:spcBef>
+            </a:pPr>
+            <a:r>
+              <a:rPr lang="fr-FR" altLang="fr-FR" sz="800" smtClean="0"/>
+              <a:t>© HANDSHAKE – Philippe MASINA</a:t>
+            </a:r>
+          </a:p>
+        </p:txBody>
+      </p:sp>
+      <p:sp>
+        <p:nvSpPr>
+          <p:cNvPr id="100355" name="Rectangle 7"/>
+          <p:cNvSpPr>
+            <a:spLocks noGrp="1" noChangeArrowheads="1"/>
+          </p:cNvSpPr>
+          <p:nvPr>
+            <p:ph type="sldNum" sz="quarter" idx="5"/>
+          </p:nvPr>
+        </p:nvSpPr>
+        <p:spPr>
+          <a:noFill/>
+          <a:ln/>
+          <a:extLst>
+            <a:ext uri="{909E8E84-426E-40DD-AFC4-6F175D3DCCD1}">
+              <a14:hiddenFill xmlns:a14="http://schemas.microsoft.com/office/drawing/2010/main">
+                <a:solidFill>
+                  <a:srgbClr val="FFFFFF"/>
+                </a:solidFill>
+              </a14:hiddenFill>
+            </a:ext>
+            <a:ext uri="{91240B29-F687-4F45-9708-019B960494DF}">
+              <a14:hiddenLine xmlns:a14="http://schemas.microsoft.com/office/drawing/2010/main" w="9525">
+                <a:solidFill>
+                  <a:srgbClr val="000000"/>
+                </a:solidFill>
+                <a:miter lim="800000"/>
+                <a:headEnd/>
+                <a:tailEnd/>
+              </a14:hiddenLine>
+            </a:ext>
+          </a:extLst>
+        </p:spPr>
+        <p:txBody>
+          <a:bodyPr/>
+          <a:lstStyle>
+            <a:lvl1pPr defTabSz="942975" eaLnBrk="0" hangingPunct="0">
+              <a:spcBef>
+                <a:spcPct val="30000"/>
+              </a:spcBef>
+              <a:defRPr sz="1000">
+                <a:solidFill>
+                  <a:schemeClr val="tx1"/>
+                </a:solidFill>
+                <a:latin typeface="Arial" panose="020B0604020202020204" pitchFamily="34" charset="0"/>
+                <a:cs typeface="Arial" panose="020B0604020202020204" pitchFamily="34" charset="0"/>
+              </a:defRPr>
+            </a:lvl1pPr>
+            <a:lvl2pPr marL="742950" indent="-285750" defTabSz="942975" eaLnBrk="0" hangingPunct="0">
+              <a:spcBef>
+                <a:spcPct val="30000"/>
+              </a:spcBef>
+              <a:defRPr sz="1000">
+                <a:solidFill>
+                  <a:schemeClr val="tx1"/>
+                </a:solidFill>
+                <a:latin typeface="Arial" panose="020B0604020202020204" pitchFamily="34" charset="0"/>
+                <a:cs typeface="Arial" panose="020B0604020202020204" pitchFamily="34" charset="0"/>
+              </a:defRPr>
+            </a:lvl2pPr>
+            <a:lvl3pPr marL="1143000" indent="-228600" defTabSz="942975" eaLnBrk="0" hangingPunct="0">
+              <a:spcBef>
+                <a:spcPct val="30000"/>
+              </a:spcBef>
+              <a:defRPr sz="1000">
+                <a:solidFill>
+                  <a:schemeClr val="tx1"/>
+                </a:solidFill>
+                <a:latin typeface="Arial" panose="020B0604020202020204" pitchFamily="34" charset="0"/>
+                <a:cs typeface="Arial" panose="020B0604020202020204" pitchFamily="34" charset="0"/>
+              </a:defRPr>
+            </a:lvl3pPr>
+            <a:lvl4pPr marL="1600200" indent="-228600" defTabSz="942975" eaLnBrk="0" hangingPunct="0">
+              <a:spcBef>
+                <a:spcPct val="30000"/>
+              </a:spcBef>
+              <a:defRPr sz="1000">
+                <a:solidFill>
+                  <a:schemeClr val="tx1"/>
+                </a:solidFill>
+                <a:latin typeface="Arial" panose="020B0604020202020204" pitchFamily="34" charset="0"/>
+                <a:cs typeface="Arial" panose="020B0604020202020204" pitchFamily="34" charset="0"/>
+              </a:defRPr>
+            </a:lvl4pPr>
+            <a:lvl5pPr marL="2057400" indent="-228600" defTabSz="942975" eaLnBrk="0" hangingPunct="0">
+              <a:spcBef>
+                <a:spcPct val="30000"/>
+              </a:spcBef>
+              <a:defRPr sz="1000">
+                <a:solidFill>
+                  <a:schemeClr val="tx1"/>
+                </a:solidFill>
+                <a:latin typeface="Arial" panose="020B0604020202020204" pitchFamily="34" charset="0"/>
+                <a:cs typeface="Arial" panose="020B0604020202020204" pitchFamily="34" charset="0"/>
+              </a:defRPr>
+            </a:lvl5pPr>
+            <a:lvl6pPr marL="2514600" indent="-228600" defTabSz="942975" eaLnBrk="0" fontAlgn="base" hangingPunct="0">
+              <a:spcBef>
+                <a:spcPct val="30000"/>
+              </a:spcBef>
+              <a:spcAft>
+                <a:spcPct val="0"/>
+              </a:spcAft>
+              <a:defRPr sz="1000">
+                <a:solidFill>
+                  <a:schemeClr val="tx1"/>
+                </a:solidFill>
+                <a:latin typeface="Arial" panose="020B0604020202020204" pitchFamily="34" charset="0"/>
+                <a:cs typeface="Arial" panose="020B0604020202020204" pitchFamily="34" charset="0"/>
+              </a:defRPr>
+            </a:lvl6pPr>
+            <a:lvl7pPr marL="2971800" indent="-228600" defTabSz="942975" eaLnBrk="0" fontAlgn="base" hangingPunct="0">
+              <a:spcBef>
+                <a:spcPct val="30000"/>
+              </a:spcBef>
+              <a:spcAft>
+                <a:spcPct val="0"/>
+              </a:spcAft>
+              <a:defRPr sz="1000">
+                <a:solidFill>
+                  <a:schemeClr val="tx1"/>
+                </a:solidFill>
+                <a:latin typeface="Arial" panose="020B0604020202020204" pitchFamily="34" charset="0"/>
+                <a:cs typeface="Arial" panose="020B0604020202020204" pitchFamily="34" charset="0"/>
+              </a:defRPr>
+            </a:lvl7pPr>
+            <a:lvl8pPr marL="3429000" indent="-228600" defTabSz="942975" eaLnBrk="0" fontAlgn="base" hangingPunct="0">
+              <a:spcBef>
+                <a:spcPct val="30000"/>
+              </a:spcBef>
+              <a:spcAft>
+                <a:spcPct val="0"/>
+              </a:spcAft>
+              <a:defRPr sz="1000">
+                <a:solidFill>
+                  <a:schemeClr val="tx1"/>
+                </a:solidFill>
+                <a:latin typeface="Arial" panose="020B0604020202020204" pitchFamily="34" charset="0"/>
+                <a:cs typeface="Arial" panose="020B0604020202020204" pitchFamily="34" charset="0"/>
+              </a:defRPr>
+            </a:lvl8pPr>
+            <a:lvl9pPr marL="3886200" indent="-228600" defTabSz="942975" eaLnBrk="0" fontAlgn="base" hangingPunct="0">
+              <a:spcBef>
+                <a:spcPct val="30000"/>
+              </a:spcBef>
+              <a:spcAft>
+                <a:spcPct val="0"/>
+              </a:spcAft>
+              <a:defRPr sz="1000">
+                <a:solidFill>
+                  <a:schemeClr val="tx1"/>
+                </a:solidFill>
+                <a:latin typeface="Arial" panose="020B0604020202020204" pitchFamily="34" charset="0"/>
+                <a:cs typeface="Arial" panose="020B0604020202020204" pitchFamily="34" charset="0"/>
+              </a:defRPr>
+            </a:lvl9pPr>
+          </a:lstStyle>
+          <a:p>
+            <a:pPr eaLnBrk="1" hangingPunct="1">
+              <a:spcBef>
+                <a:spcPct val="0"/>
+              </a:spcBef>
+            </a:pPr>
+            <a:r>
+              <a:rPr lang="fr-FR" altLang="fr-FR" sz="800"/>
+              <a:t>IV-</a:t>
+            </a:r>
+            <a:fld id="{A596B693-F0CA-4893-AC5F-6564D11C886D}" type="slidenum">
+              <a:rPr lang="fr-FR" altLang="fr-FR" sz="800"/>
+              <a:pPr eaLnBrk="1" hangingPunct="1">
+                <a:spcBef>
+                  <a:spcPct val="0"/>
+                </a:spcBef>
+              </a:pPr>
+              <a:t>41</a:t>
+            </a:fld>
+            <a:endParaRPr lang="fr-FR" altLang="fr-FR" sz="800"/>
+          </a:p>
+        </p:txBody>
+      </p:sp>
+      <p:sp>
+        <p:nvSpPr>
+          <p:cNvPr id="100356" name="Rectangle 2"/>
+          <p:cNvSpPr>
+            <a:spLocks noGrp="1" noRot="1" noChangeAspect="1" noChangeArrowheads="1" noTextEdit="1"/>
+          </p:cNvSpPr>
+          <p:nvPr>
+            <p:ph type="sldImg"/>
+          </p:nvPr>
+        </p:nvSpPr>
+        <p:spPr>
+          <a:xfrm>
+            <a:off x="877888" y="733425"/>
+            <a:ext cx="4892675" cy="3670300"/>
+          </a:xfrm>
+          <a:ln/>
+        </p:spPr>
+      </p:sp>
+      <p:sp>
+        <p:nvSpPr>
+          <p:cNvPr id="100357" name="Rectangle 3"/>
+          <p:cNvSpPr>
+            <a:spLocks noGrp="1" noChangeArrowheads="1"/>
+          </p:cNvSpPr>
+          <p:nvPr>
+            <p:ph type="body" idx="1"/>
+          </p:nvPr>
+        </p:nvSpPr>
+        <p:spPr>
+          <a:noFill/>
+          <a:ln/>
+          <a:extLst>
+            <a:ext uri="{909E8E84-426E-40DD-AFC4-6F175D3DCCD1}">
+              <a14:hiddenFill xmlns:a14="http://schemas.microsoft.com/office/drawing/2010/main">
+                <a:solidFill>
+                  <a:srgbClr val="FFFFFF"/>
+                </a:solidFill>
+              </a14:hiddenFill>
+            </a:ext>
+            <a:ext uri="{91240B29-F687-4F45-9708-019B960494DF}">
+              <a14:hiddenLine xmlns:a14="http://schemas.microsoft.com/office/drawing/2010/main" w="9525">
+                <a:solidFill>
+                  <a:srgbClr val="000000"/>
+                </a:solidFill>
+                <a:miter lim="800000"/>
+                <a:headEnd/>
+                <a:tailEnd/>
+              </a14:hiddenLine>
+            </a:ext>
+          </a:extLst>
+        </p:spPr>
+        <p:txBody>
+          <a:bodyPr/>
+          <a:lstStyle/>
+          <a:p>
+            <a:pPr eaLnBrk="1" hangingPunct="1"/>
+            <a:r>
+              <a:rPr lang="fr-FR" altLang="fr-FR" smtClean="0">
+                <a:latin typeface="Arial" panose="020B0604020202020204" pitchFamily="34" charset="0"/>
+                <a:cs typeface="Arial" panose="020B0604020202020204" pitchFamily="34" charset="0"/>
+              </a:rPr>
+              <a:t>La création d’une interface se fait en utilisant le mot-clé </a:t>
+            </a:r>
+            <a:r>
+              <a:rPr lang="fr-FR" altLang="fr-FR" smtClean="0">
+                <a:latin typeface="Courier New" panose="02070309020205020404" pitchFamily="49" charset="0"/>
+                <a:cs typeface="Arial" panose="020B0604020202020204" pitchFamily="34" charset="0"/>
+              </a:rPr>
+              <a:t>interface</a:t>
+            </a:r>
+            <a:r>
+              <a:rPr lang="fr-FR" altLang="fr-FR" smtClean="0">
+                <a:latin typeface="Arial" panose="020B0604020202020204" pitchFamily="34" charset="0"/>
+                <a:cs typeface="Arial" panose="020B0604020202020204" pitchFamily="34" charset="0"/>
+              </a:rPr>
+              <a:t>. Bien que cela ne soit pas obligatoire, il est conseillé de précéder les constantes des mots-clés </a:t>
+            </a:r>
+            <a:r>
+              <a:rPr lang="fr-FR" altLang="fr-FR" smtClean="0">
+                <a:latin typeface="Courier New" panose="02070309020205020404" pitchFamily="49" charset="0"/>
+                <a:cs typeface="Arial" panose="020B0604020202020204" pitchFamily="34" charset="0"/>
+              </a:rPr>
+              <a:t>public static final</a:t>
+            </a:r>
+            <a:r>
+              <a:rPr lang="fr-FR" altLang="fr-FR" smtClean="0">
+                <a:latin typeface="Arial" panose="020B0604020202020204" pitchFamily="34" charset="0"/>
+                <a:cs typeface="Arial" panose="020B0604020202020204" pitchFamily="34" charset="0"/>
+              </a:rPr>
+              <a:t>. L’initialisation des constantes est obligatoire dans l’interface. Ensuite, il faut déclarer les méthodes avec leurs arguments ainsi que leur type de valeur de retour quand il y en a.</a:t>
+            </a:r>
+          </a:p>
+        </p:txBody>
+      </p:sp>
+    </p:spTree>
+    <p:extLst>
+      <p:ext uri="{BB962C8B-B14F-4D97-AF65-F5344CB8AC3E}">
+        <p14:creationId xmlns:p14="http://schemas.microsoft.com/office/powerpoint/2010/main" val="3112920532"/>
+      </p:ext>
+    </p:extLst>
+  </p:cSld>
+  <p:clrMapOvr>
+    <a:masterClrMapping/>
+  </p:clrMapOvr>
+</p:notes>
+</file>
+
+<file path=ppt/notesSlides/notesSlide29.xml><?xml version="1.0" encoding="utf-8"?>
+<p:notes xmlns:a="http://schemas.openxmlformats.org/drawingml/2006/main" xmlns:r="http://schemas.openxmlformats.org/officeDocument/2006/relationships" xmlns:p="http://schemas.openxmlformats.org/presentationml/2006/main">
+  <p:cSld>
+    <p:spTree>
+      <p:nvGrpSpPr>
+        <p:cNvPr id="1" name=""/>
+        <p:cNvGrpSpPr/>
+        <p:nvPr/>
+      </p:nvGrpSpPr>
+      <p:grpSpPr>
+        <a:xfrm>
+          <a:off x="0" y="0"/>
+          <a:ext cx="0" cy="0"/>
+          <a:chOff x="0" y="0"/>
+          <a:chExt cx="0" cy="0"/>
+        </a:xfrm>
+      </p:grpSpPr>
+      <p:sp>
+        <p:nvSpPr>
+          <p:cNvPr id="101378" name="Rectangle 6"/>
+          <p:cNvSpPr>
+            <a:spLocks noGrp="1" noChangeArrowheads="1"/>
+          </p:cNvSpPr>
+          <p:nvPr>
+            <p:ph type="ftr" sz="quarter" idx="4"/>
+          </p:nvPr>
+        </p:nvSpPr>
+        <p:spPr>
+          <a:noFill/>
+          <a:ln/>
+          <a:extLst>
+            <a:ext uri="{909E8E84-426E-40DD-AFC4-6F175D3DCCD1}">
+              <a14:hiddenFill xmlns:a14="http://schemas.microsoft.com/office/drawing/2010/main">
+                <a:solidFill>
+                  <a:srgbClr val="FFFFFF"/>
+                </a:solidFill>
+              </a14:hiddenFill>
+            </a:ext>
+            <a:ext uri="{91240B29-F687-4F45-9708-019B960494DF}">
+              <a14:hiddenLine xmlns:a14="http://schemas.microsoft.com/office/drawing/2010/main" w="9525">
+                <a:solidFill>
+                  <a:srgbClr val="000000"/>
+                </a:solidFill>
+                <a:miter lim="800000"/>
+                <a:headEnd/>
+                <a:tailEnd/>
+              </a14:hiddenLine>
+            </a:ext>
+          </a:extLst>
+        </p:spPr>
+        <p:txBody>
+          <a:bodyPr/>
+          <a:lstStyle>
+            <a:lvl1pPr defTabSz="942975" eaLnBrk="0" hangingPunct="0">
+              <a:spcBef>
+                <a:spcPct val="30000"/>
+              </a:spcBef>
+              <a:defRPr sz="1000">
+                <a:solidFill>
+                  <a:schemeClr val="tx1"/>
+                </a:solidFill>
+                <a:latin typeface="Arial" panose="020B0604020202020204" pitchFamily="34" charset="0"/>
+                <a:cs typeface="Arial" panose="020B0604020202020204" pitchFamily="34" charset="0"/>
+              </a:defRPr>
+            </a:lvl1pPr>
+            <a:lvl2pPr marL="742950" indent="-285750" defTabSz="942975" eaLnBrk="0" hangingPunct="0">
+              <a:spcBef>
+                <a:spcPct val="30000"/>
+              </a:spcBef>
+              <a:defRPr sz="1000">
+                <a:solidFill>
+                  <a:schemeClr val="tx1"/>
+                </a:solidFill>
+                <a:latin typeface="Arial" panose="020B0604020202020204" pitchFamily="34" charset="0"/>
+                <a:cs typeface="Arial" panose="020B0604020202020204" pitchFamily="34" charset="0"/>
+              </a:defRPr>
+            </a:lvl2pPr>
+            <a:lvl3pPr marL="1143000" indent="-228600" defTabSz="942975" eaLnBrk="0" hangingPunct="0">
+              <a:spcBef>
+                <a:spcPct val="30000"/>
+              </a:spcBef>
+              <a:defRPr sz="1000">
+                <a:solidFill>
+                  <a:schemeClr val="tx1"/>
+                </a:solidFill>
+                <a:latin typeface="Arial" panose="020B0604020202020204" pitchFamily="34" charset="0"/>
+                <a:cs typeface="Arial" panose="020B0604020202020204" pitchFamily="34" charset="0"/>
+              </a:defRPr>
+            </a:lvl3pPr>
+            <a:lvl4pPr marL="1600200" indent="-228600" defTabSz="942975" eaLnBrk="0" hangingPunct="0">
+              <a:spcBef>
+                <a:spcPct val="30000"/>
+              </a:spcBef>
+              <a:defRPr sz="1000">
+                <a:solidFill>
+                  <a:schemeClr val="tx1"/>
+                </a:solidFill>
+                <a:latin typeface="Arial" panose="020B0604020202020204" pitchFamily="34" charset="0"/>
+                <a:cs typeface="Arial" panose="020B0604020202020204" pitchFamily="34" charset="0"/>
+              </a:defRPr>
+            </a:lvl4pPr>
+            <a:lvl5pPr marL="2057400" indent="-228600" defTabSz="942975" eaLnBrk="0" hangingPunct="0">
+              <a:spcBef>
+                <a:spcPct val="30000"/>
+              </a:spcBef>
+              <a:defRPr sz="1000">
+                <a:solidFill>
+                  <a:schemeClr val="tx1"/>
+                </a:solidFill>
+                <a:latin typeface="Arial" panose="020B0604020202020204" pitchFamily="34" charset="0"/>
+                <a:cs typeface="Arial" panose="020B0604020202020204" pitchFamily="34" charset="0"/>
+              </a:defRPr>
+            </a:lvl5pPr>
+            <a:lvl6pPr marL="2514600" indent="-228600" defTabSz="942975" eaLnBrk="0" fontAlgn="base" hangingPunct="0">
+              <a:spcBef>
+                <a:spcPct val="30000"/>
+              </a:spcBef>
+              <a:spcAft>
+                <a:spcPct val="0"/>
+              </a:spcAft>
+              <a:defRPr sz="1000">
+                <a:solidFill>
+                  <a:schemeClr val="tx1"/>
+                </a:solidFill>
+                <a:latin typeface="Arial" panose="020B0604020202020204" pitchFamily="34" charset="0"/>
+                <a:cs typeface="Arial" panose="020B0604020202020204" pitchFamily="34" charset="0"/>
+              </a:defRPr>
+            </a:lvl6pPr>
+            <a:lvl7pPr marL="2971800" indent="-228600" defTabSz="942975" eaLnBrk="0" fontAlgn="base" hangingPunct="0">
+              <a:spcBef>
+                <a:spcPct val="30000"/>
+              </a:spcBef>
+              <a:spcAft>
+                <a:spcPct val="0"/>
+              </a:spcAft>
+              <a:defRPr sz="1000">
+                <a:solidFill>
+                  <a:schemeClr val="tx1"/>
+                </a:solidFill>
+                <a:latin typeface="Arial" panose="020B0604020202020204" pitchFamily="34" charset="0"/>
+                <a:cs typeface="Arial" panose="020B0604020202020204" pitchFamily="34" charset="0"/>
+              </a:defRPr>
+            </a:lvl7pPr>
+            <a:lvl8pPr marL="3429000" indent="-228600" defTabSz="942975" eaLnBrk="0" fontAlgn="base" hangingPunct="0">
+              <a:spcBef>
+                <a:spcPct val="30000"/>
+              </a:spcBef>
+              <a:spcAft>
+                <a:spcPct val="0"/>
+              </a:spcAft>
+              <a:defRPr sz="1000">
+                <a:solidFill>
+                  <a:schemeClr val="tx1"/>
+                </a:solidFill>
+                <a:latin typeface="Arial" panose="020B0604020202020204" pitchFamily="34" charset="0"/>
+                <a:cs typeface="Arial" panose="020B0604020202020204" pitchFamily="34" charset="0"/>
+              </a:defRPr>
+            </a:lvl8pPr>
+            <a:lvl9pPr marL="3886200" indent="-228600" defTabSz="942975" eaLnBrk="0" fontAlgn="base" hangingPunct="0">
+              <a:spcBef>
+                <a:spcPct val="30000"/>
+              </a:spcBef>
+              <a:spcAft>
+                <a:spcPct val="0"/>
+              </a:spcAft>
+              <a:defRPr sz="1000">
+                <a:solidFill>
+                  <a:schemeClr val="tx1"/>
+                </a:solidFill>
+                <a:latin typeface="Arial" panose="020B0604020202020204" pitchFamily="34" charset="0"/>
+                <a:cs typeface="Arial" panose="020B0604020202020204" pitchFamily="34" charset="0"/>
+              </a:defRPr>
+            </a:lvl9pPr>
+          </a:lstStyle>
+          <a:p>
+            <a:pPr eaLnBrk="1" hangingPunct="1">
+              <a:spcBef>
+                <a:spcPct val="0"/>
+              </a:spcBef>
+            </a:pPr>
+            <a:r>
+              <a:rPr lang="fr-FR" altLang="fr-FR" sz="800" smtClean="0"/>
+              <a:t>© HANDSHAKE – Philippe MASINA</a:t>
+            </a:r>
+          </a:p>
+        </p:txBody>
+      </p:sp>
+      <p:sp>
+        <p:nvSpPr>
+          <p:cNvPr id="101379" name="Rectangle 7"/>
+          <p:cNvSpPr>
+            <a:spLocks noGrp="1" noChangeArrowheads="1"/>
+          </p:cNvSpPr>
+          <p:nvPr>
+            <p:ph type="sldNum" sz="quarter" idx="5"/>
+          </p:nvPr>
+        </p:nvSpPr>
+        <p:spPr>
+          <a:noFill/>
+          <a:ln/>
+          <a:extLst>
+            <a:ext uri="{909E8E84-426E-40DD-AFC4-6F175D3DCCD1}">
+              <a14:hiddenFill xmlns:a14="http://schemas.microsoft.com/office/drawing/2010/main">
+                <a:solidFill>
+                  <a:srgbClr val="FFFFFF"/>
+                </a:solidFill>
+              </a14:hiddenFill>
+            </a:ext>
+            <a:ext uri="{91240B29-F687-4F45-9708-019B960494DF}">
+              <a14:hiddenLine xmlns:a14="http://schemas.microsoft.com/office/drawing/2010/main" w="9525">
+                <a:solidFill>
+                  <a:srgbClr val="000000"/>
+                </a:solidFill>
+                <a:miter lim="800000"/>
+                <a:headEnd/>
+                <a:tailEnd/>
+              </a14:hiddenLine>
+            </a:ext>
+          </a:extLst>
+        </p:spPr>
+        <p:txBody>
+          <a:bodyPr/>
+          <a:lstStyle>
+            <a:lvl1pPr defTabSz="942975" eaLnBrk="0" hangingPunct="0">
+              <a:spcBef>
+                <a:spcPct val="30000"/>
+              </a:spcBef>
+              <a:defRPr sz="1000">
+                <a:solidFill>
+                  <a:schemeClr val="tx1"/>
+                </a:solidFill>
+                <a:latin typeface="Arial" panose="020B0604020202020204" pitchFamily="34" charset="0"/>
+                <a:cs typeface="Arial" panose="020B0604020202020204" pitchFamily="34" charset="0"/>
+              </a:defRPr>
+            </a:lvl1pPr>
+            <a:lvl2pPr marL="742950" indent="-285750" defTabSz="942975" eaLnBrk="0" hangingPunct="0">
+              <a:spcBef>
+                <a:spcPct val="30000"/>
+              </a:spcBef>
+              <a:defRPr sz="1000">
+                <a:solidFill>
+                  <a:schemeClr val="tx1"/>
+                </a:solidFill>
+                <a:latin typeface="Arial" panose="020B0604020202020204" pitchFamily="34" charset="0"/>
+                <a:cs typeface="Arial" panose="020B0604020202020204" pitchFamily="34" charset="0"/>
+              </a:defRPr>
+            </a:lvl2pPr>
+            <a:lvl3pPr marL="1143000" indent="-228600" defTabSz="942975" eaLnBrk="0" hangingPunct="0">
+              <a:spcBef>
+                <a:spcPct val="30000"/>
+              </a:spcBef>
+              <a:defRPr sz="1000">
+                <a:solidFill>
+                  <a:schemeClr val="tx1"/>
+                </a:solidFill>
+                <a:latin typeface="Arial" panose="020B0604020202020204" pitchFamily="34" charset="0"/>
+                <a:cs typeface="Arial" panose="020B0604020202020204" pitchFamily="34" charset="0"/>
+              </a:defRPr>
+            </a:lvl3pPr>
+            <a:lvl4pPr marL="1600200" indent="-228600" defTabSz="942975" eaLnBrk="0" hangingPunct="0">
+              <a:spcBef>
+                <a:spcPct val="30000"/>
+              </a:spcBef>
+              <a:defRPr sz="1000">
+                <a:solidFill>
+                  <a:schemeClr val="tx1"/>
+                </a:solidFill>
+                <a:latin typeface="Arial" panose="020B0604020202020204" pitchFamily="34" charset="0"/>
+                <a:cs typeface="Arial" panose="020B0604020202020204" pitchFamily="34" charset="0"/>
+              </a:defRPr>
+            </a:lvl4pPr>
+            <a:lvl5pPr marL="2057400" indent="-228600" defTabSz="942975" eaLnBrk="0" hangingPunct="0">
+              <a:spcBef>
+                <a:spcPct val="30000"/>
+              </a:spcBef>
+              <a:defRPr sz="1000">
+                <a:solidFill>
+                  <a:schemeClr val="tx1"/>
+                </a:solidFill>
+                <a:latin typeface="Arial" panose="020B0604020202020204" pitchFamily="34" charset="0"/>
+                <a:cs typeface="Arial" panose="020B0604020202020204" pitchFamily="34" charset="0"/>
+              </a:defRPr>
+            </a:lvl5pPr>
+            <a:lvl6pPr marL="2514600" indent="-228600" defTabSz="942975" eaLnBrk="0" fontAlgn="base" hangingPunct="0">
+              <a:spcBef>
+                <a:spcPct val="30000"/>
+              </a:spcBef>
+              <a:spcAft>
+                <a:spcPct val="0"/>
+              </a:spcAft>
+              <a:defRPr sz="1000">
+                <a:solidFill>
+                  <a:schemeClr val="tx1"/>
+                </a:solidFill>
+                <a:latin typeface="Arial" panose="020B0604020202020204" pitchFamily="34" charset="0"/>
+                <a:cs typeface="Arial" panose="020B0604020202020204" pitchFamily="34" charset="0"/>
+              </a:defRPr>
+            </a:lvl6pPr>
+            <a:lvl7pPr marL="2971800" indent="-228600" defTabSz="942975" eaLnBrk="0" fontAlgn="base" hangingPunct="0">
+              <a:spcBef>
+                <a:spcPct val="30000"/>
+              </a:spcBef>
+              <a:spcAft>
+                <a:spcPct val="0"/>
+              </a:spcAft>
+              <a:defRPr sz="1000">
+                <a:solidFill>
+                  <a:schemeClr val="tx1"/>
+                </a:solidFill>
+                <a:latin typeface="Arial" panose="020B0604020202020204" pitchFamily="34" charset="0"/>
+                <a:cs typeface="Arial" panose="020B0604020202020204" pitchFamily="34" charset="0"/>
+              </a:defRPr>
+            </a:lvl7pPr>
+            <a:lvl8pPr marL="3429000" indent="-228600" defTabSz="942975" eaLnBrk="0" fontAlgn="base" hangingPunct="0">
+              <a:spcBef>
+                <a:spcPct val="30000"/>
+              </a:spcBef>
+              <a:spcAft>
+                <a:spcPct val="0"/>
+              </a:spcAft>
+              <a:defRPr sz="1000">
+                <a:solidFill>
+                  <a:schemeClr val="tx1"/>
+                </a:solidFill>
+                <a:latin typeface="Arial" panose="020B0604020202020204" pitchFamily="34" charset="0"/>
+                <a:cs typeface="Arial" panose="020B0604020202020204" pitchFamily="34" charset="0"/>
+              </a:defRPr>
+            </a:lvl8pPr>
+            <a:lvl9pPr marL="3886200" indent="-228600" defTabSz="942975" eaLnBrk="0" fontAlgn="base" hangingPunct="0">
+              <a:spcBef>
+                <a:spcPct val="30000"/>
+              </a:spcBef>
+              <a:spcAft>
+                <a:spcPct val="0"/>
+              </a:spcAft>
+              <a:defRPr sz="1000">
+                <a:solidFill>
+                  <a:schemeClr val="tx1"/>
+                </a:solidFill>
+                <a:latin typeface="Arial" panose="020B0604020202020204" pitchFamily="34" charset="0"/>
+                <a:cs typeface="Arial" panose="020B0604020202020204" pitchFamily="34" charset="0"/>
+              </a:defRPr>
+            </a:lvl9pPr>
+          </a:lstStyle>
+          <a:p>
+            <a:pPr eaLnBrk="1" hangingPunct="1">
+              <a:spcBef>
+                <a:spcPct val="0"/>
+              </a:spcBef>
+            </a:pPr>
+            <a:r>
+              <a:rPr lang="fr-FR" altLang="fr-FR" sz="800"/>
+              <a:t>IV-</a:t>
+            </a:r>
+            <a:fld id="{1105C893-FA6F-4635-94A4-D75BF522A70A}" type="slidenum">
+              <a:rPr lang="fr-FR" altLang="fr-FR" sz="800"/>
+              <a:pPr eaLnBrk="1" hangingPunct="1">
+                <a:spcBef>
+                  <a:spcPct val="0"/>
+                </a:spcBef>
+              </a:pPr>
+              <a:t>42</a:t>
+            </a:fld>
+            <a:endParaRPr lang="fr-FR" altLang="fr-FR" sz="800"/>
+          </a:p>
+        </p:txBody>
+      </p:sp>
+      <p:sp>
+        <p:nvSpPr>
+          <p:cNvPr id="101380" name="Rectangle 2"/>
+          <p:cNvSpPr>
+            <a:spLocks noGrp="1" noRot="1" noChangeAspect="1" noChangeArrowheads="1" noTextEdit="1"/>
+          </p:cNvSpPr>
+          <p:nvPr>
+            <p:ph type="sldImg"/>
+          </p:nvPr>
+        </p:nvSpPr>
+        <p:spPr>
+          <a:xfrm>
+            <a:off x="877888" y="733425"/>
+            <a:ext cx="4892675" cy="3670300"/>
+          </a:xfrm>
+          <a:ln/>
+        </p:spPr>
+      </p:sp>
+      <p:sp>
+        <p:nvSpPr>
+          <p:cNvPr id="101381" name="Rectangle 3"/>
+          <p:cNvSpPr>
+            <a:spLocks noGrp="1" noChangeArrowheads="1"/>
+          </p:cNvSpPr>
+          <p:nvPr>
+            <p:ph type="body" idx="1"/>
+          </p:nvPr>
+        </p:nvSpPr>
+        <p:spPr>
+          <a:noFill/>
+          <a:ln/>
+          <a:extLst>
+            <a:ext uri="{909E8E84-426E-40DD-AFC4-6F175D3DCCD1}">
+              <a14:hiddenFill xmlns:a14="http://schemas.microsoft.com/office/drawing/2010/main">
+                <a:solidFill>
+                  <a:srgbClr val="FFFFFF"/>
+                </a:solidFill>
+              </a14:hiddenFill>
+            </a:ext>
+            <a:ext uri="{91240B29-F687-4F45-9708-019B960494DF}">
+              <a14:hiddenLine xmlns:a14="http://schemas.microsoft.com/office/drawing/2010/main" w="9525">
+                <a:solidFill>
+                  <a:srgbClr val="000000"/>
+                </a:solidFill>
+                <a:miter lim="800000"/>
+                <a:headEnd/>
+                <a:tailEnd/>
+              </a14:hiddenLine>
+            </a:ext>
+          </a:extLst>
+        </p:spPr>
+        <p:txBody>
+          <a:bodyPr/>
+          <a:lstStyle/>
+          <a:p>
+            <a:pPr eaLnBrk="1" hangingPunct="1"/>
+            <a:r>
+              <a:rPr lang="fr-FR" altLang="fr-FR" smtClean="0">
+                <a:latin typeface="Arial" panose="020B0604020202020204" pitchFamily="34" charset="0"/>
+                <a:cs typeface="Arial" panose="020B0604020202020204" pitchFamily="34" charset="0"/>
+              </a:rPr>
+              <a:t>Pour implémenter une interface, il faut utiliser le mot-clé </a:t>
+            </a:r>
+            <a:r>
+              <a:rPr lang="fr-FR" altLang="fr-FR" smtClean="0">
+                <a:latin typeface="Courier New" panose="02070309020205020404" pitchFamily="49" charset="0"/>
+                <a:cs typeface="Arial" panose="020B0604020202020204" pitchFamily="34" charset="0"/>
+              </a:rPr>
+              <a:t>implements</a:t>
+            </a:r>
+            <a:r>
+              <a:rPr lang="fr-FR" altLang="fr-FR" smtClean="0">
+                <a:latin typeface="Arial" panose="020B0604020202020204" pitchFamily="34" charset="0"/>
+                <a:cs typeface="Arial" panose="020B0604020202020204" pitchFamily="34" charset="0"/>
+              </a:rPr>
+              <a:t>. Chaque méthode déclarée dans l’interface doit faire l’objet d’une implémentation. </a:t>
+            </a:r>
+          </a:p>
+        </p:txBody>
+      </p:sp>
+    </p:spTree>
+    <p:extLst>
+      <p:ext uri="{BB962C8B-B14F-4D97-AF65-F5344CB8AC3E}">
+        <p14:creationId xmlns:p14="http://schemas.microsoft.com/office/powerpoint/2010/main" val="3149751081"/>
       </p:ext>
     </p:extLst>
   </p:cSld>
@@ -12477,940 +12424,6 @@
     <p:extLst>
       <p:ext uri="{BB962C8B-B14F-4D97-AF65-F5344CB8AC3E}">
         <p14:creationId xmlns:p14="http://schemas.microsoft.com/office/powerpoint/2010/main" val="3725927599"/>
-      </p:ext>
-    </p:extLst>
-  </p:cSld>
-  <p:clrMapOvr>
-    <a:masterClrMapping/>
-  </p:clrMapOvr>
-</p:notes>
-</file>
-
-<file path=ppt/notesSlides/notesSlide30.xml><?xml version="1.0" encoding="utf-8"?>
-<p:notes xmlns:a="http://schemas.openxmlformats.org/drawingml/2006/main" xmlns:r="http://schemas.openxmlformats.org/officeDocument/2006/relationships" xmlns:p="http://schemas.openxmlformats.org/presentationml/2006/main">
-  <p:cSld>
-    <p:spTree>
-      <p:nvGrpSpPr>
-        <p:cNvPr id="1" name=""/>
-        <p:cNvGrpSpPr/>
-        <p:nvPr/>
-      </p:nvGrpSpPr>
-      <p:grpSpPr>
-        <a:xfrm>
-          <a:off x="0" y="0"/>
-          <a:ext cx="0" cy="0"/>
-          <a:chOff x="0" y="0"/>
-          <a:chExt cx="0" cy="0"/>
-        </a:xfrm>
-      </p:grpSpPr>
-      <p:sp>
-        <p:nvSpPr>
-          <p:cNvPr id="100354" name="Rectangle 6"/>
-          <p:cNvSpPr>
-            <a:spLocks noGrp="1" noChangeArrowheads="1"/>
-          </p:cNvSpPr>
-          <p:nvPr>
-            <p:ph type="ftr" sz="quarter" idx="4"/>
-          </p:nvPr>
-        </p:nvSpPr>
-        <p:spPr>
-          <a:noFill/>
-          <a:ln/>
-          <a:extLst>
-            <a:ext uri="{909E8E84-426E-40DD-AFC4-6F175D3DCCD1}">
-              <a14:hiddenFill xmlns:a14="http://schemas.microsoft.com/office/drawing/2010/main">
-                <a:solidFill>
-                  <a:srgbClr val="FFFFFF"/>
-                </a:solidFill>
-              </a14:hiddenFill>
-            </a:ext>
-            <a:ext uri="{91240B29-F687-4F45-9708-019B960494DF}">
-              <a14:hiddenLine xmlns:a14="http://schemas.microsoft.com/office/drawing/2010/main" w="9525">
-                <a:solidFill>
-                  <a:srgbClr val="000000"/>
-                </a:solidFill>
-                <a:miter lim="800000"/>
-                <a:headEnd/>
-                <a:tailEnd/>
-              </a14:hiddenLine>
-            </a:ext>
-          </a:extLst>
-        </p:spPr>
-        <p:txBody>
-          <a:bodyPr/>
-          <a:lstStyle>
-            <a:lvl1pPr defTabSz="942975" eaLnBrk="0" hangingPunct="0">
-              <a:spcBef>
-                <a:spcPct val="30000"/>
-              </a:spcBef>
-              <a:defRPr sz="1000">
-                <a:solidFill>
-                  <a:schemeClr val="tx1"/>
-                </a:solidFill>
-                <a:latin typeface="Arial" panose="020B0604020202020204" pitchFamily="34" charset="0"/>
-                <a:cs typeface="Arial" panose="020B0604020202020204" pitchFamily="34" charset="0"/>
-              </a:defRPr>
-            </a:lvl1pPr>
-            <a:lvl2pPr marL="742950" indent="-285750" defTabSz="942975" eaLnBrk="0" hangingPunct="0">
-              <a:spcBef>
-                <a:spcPct val="30000"/>
-              </a:spcBef>
-              <a:defRPr sz="1000">
-                <a:solidFill>
-                  <a:schemeClr val="tx1"/>
-                </a:solidFill>
-                <a:latin typeface="Arial" panose="020B0604020202020204" pitchFamily="34" charset="0"/>
-                <a:cs typeface="Arial" panose="020B0604020202020204" pitchFamily="34" charset="0"/>
-              </a:defRPr>
-            </a:lvl2pPr>
-            <a:lvl3pPr marL="1143000" indent="-228600" defTabSz="942975" eaLnBrk="0" hangingPunct="0">
-              <a:spcBef>
-                <a:spcPct val="30000"/>
-              </a:spcBef>
-              <a:defRPr sz="1000">
-                <a:solidFill>
-                  <a:schemeClr val="tx1"/>
-                </a:solidFill>
-                <a:latin typeface="Arial" panose="020B0604020202020204" pitchFamily="34" charset="0"/>
-                <a:cs typeface="Arial" panose="020B0604020202020204" pitchFamily="34" charset="0"/>
-              </a:defRPr>
-            </a:lvl3pPr>
-            <a:lvl4pPr marL="1600200" indent="-228600" defTabSz="942975" eaLnBrk="0" hangingPunct="0">
-              <a:spcBef>
-                <a:spcPct val="30000"/>
-              </a:spcBef>
-              <a:defRPr sz="1000">
-                <a:solidFill>
-                  <a:schemeClr val="tx1"/>
-                </a:solidFill>
-                <a:latin typeface="Arial" panose="020B0604020202020204" pitchFamily="34" charset="0"/>
-                <a:cs typeface="Arial" panose="020B0604020202020204" pitchFamily="34" charset="0"/>
-              </a:defRPr>
-            </a:lvl4pPr>
-            <a:lvl5pPr marL="2057400" indent="-228600" defTabSz="942975" eaLnBrk="0" hangingPunct="0">
-              <a:spcBef>
-                <a:spcPct val="30000"/>
-              </a:spcBef>
-              <a:defRPr sz="1000">
-                <a:solidFill>
-                  <a:schemeClr val="tx1"/>
-                </a:solidFill>
-                <a:latin typeface="Arial" panose="020B0604020202020204" pitchFamily="34" charset="0"/>
-                <a:cs typeface="Arial" panose="020B0604020202020204" pitchFamily="34" charset="0"/>
-              </a:defRPr>
-            </a:lvl5pPr>
-            <a:lvl6pPr marL="2514600" indent="-228600" defTabSz="942975" eaLnBrk="0" fontAlgn="base" hangingPunct="0">
-              <a:spcBef>
-                <a:spcPct val="30000"/>
-              </a:spcBef>
-              <a:spcAft>
-                <a:spcPct val="0"/>
-              </a:spcAft>
-              <a:defRPr sz="1000">
-                <a:solidFill>
-                  <a:schemeClr val="tx1"/>
-                </a:solidFill>
-                <a:latin typeface="Arial" panose="020B0604020202020204" pitchFamily="34" charset="0"/>
-                <a:cs typeface="Arial" panose="020B0604020202020204" pitchFamily="34" charset="0"/>
-              </a:defRPr>
-            </a:lvl6pPr>
-            <a:lvl7pPr marL="2971800" indent="-228600" defTabSz="942975" eaLnBrk="0" fontAlgn="base" hangingPunct="0">
-              <a:spcBef>
-                <a:spcPct val="30000"/>
-              </a:spcBef>
-              <a:spcAft>
-                <a:spcPct val="0"/>
-              </a:spcAft>
-              <a:defRPr sz="1000">
-                <a:solidFill>
-                  <a:schemeClr val="tx1"/>
-                </a:solidFill>
-                <a:latin typeface="Arial" panose="020B0604020202020204" pitchFamily="34" charset="0"/>
-                <a:cs typeface="Arial" panose="020B0604020202020204" pitchFamily="34" charset="0"/>
-              </a:defRPr>
-            </a:lvl7pPr>
-            <a:lvl8pPr marL="3429000" indent="-228600" defTabSz="942975" eaLnBrk="0" fontAlgn="base" hangingPunct="0">
-              <a:spcBef>
-                <a:spcPct val="30000"/>
-              </a:spcBef>
-              <a:spcAft>
-                <a:spcPct val="0"/>
-              </a:spcAft>
-              <a:defRPr sz="1000">
-                <a:solidFill>
-                  <a:schemeClr val="tx1"/>
-                </a:solidFill>
-                <a:latin typeface="Arial" panose="020B0604020202020204" pitchFamily="34" charset="0"/>
-                <a:cs typeface="Arial" panose="020B0604020202020204" pitchFamily="34" charset="0"/>
-              </a:defRPr>
-            </a:lvl8pPr>
-            <a:lvl9pPr marL="3886200" indent="-228600" defTabSz="942975" eaLnBrk="0" fontAlgn="base" hangingPunct="0">
-              <a:spcBef>
-                <a:spcPct val="30000"/>
-              </a:spcBef>
-              <a:spcAft>
-                <a:spcPct val="0"/>
-              </a:spcAft>
-              <a:defRPr sz="1000">
-                <a:solidFill>
-                  <a:schemeClr val="tx1"/>
-                </a:solidFill>
-                <a:latin typeface="Arial" panose="020B0604020202020204" pitchFamily="34" charset="0"/>
-                <a:cs typeface="Arial" panose="020B0604020202020204" pitchFamily="34" charset="0"/>
-              </a:defRPr>
-            </a:lvl9pPr>
-          </a:lstStyle>
-          <a:p>
-            <a:pPr eaLnBrk="1" hangingPunct="1">
-              <a:spcBef>
-                <a:spcPct val="0"/>
-              </a:spcBef>
-            </a:pPr>
-            <a:r>
-              <a:rPr lang="fr-FR" altLang="fr-FR" sz="800" smtClean="0"/>
-              <a:t>© HANDSHAKE – Philippe MASINA</a:t>
-            </a:r>
-          </a:p>
-        </p:txBody>
-      </p:sp>
-      <p:sp>
-        <p:nvSpPr>
-          <p:cNvPr id="100355" name="Rectangle 7"/>
-          <p:cNvSpPr>
-            <a:spLocks noGrp="1" noChangeArrowheads="1"/>
-          </p:cNvSpPr>
-          <p:nvPr>
-            <p:ph type="sldNum" sz="quarter" idx="5"/>
-          </p:nvPr>
-        </p:nvSpPr>
-        <p:spPr>
-          <a:noFill/>
-          <a:ln/>
-          <a:extLst>
-            <a:ext uri="{909E8E84-426E-40DD-AFC4-6F175D3DCCD1}">
-              <a14:hiddenFill xmlns:a14="http://schemas.microsoft.com/office/drawing/2010/main">
-                <a:solidFill>
-                  <a:srgbClr val="FFFFFF"/>
-                </a:solidFill>
-              </a14:hiddenFill>
-            </a:ext>
-            <a:ext uri="{91240B29-F687-4F45-9708-019B960494DF}">
-              <a14:hiddenLine xmlns:a14="http://schemas.microsoft.com/office/drawing/2010/main" w="9525">
-                <a:solidFill>
-                  <a:srgbClr val="000000"/>
-                </a:solidFill>
-                <a:miter lim="800000"/>
-                <a:headEnd/>
-                <a:tailEnd/>
-              </a14:hiddenLine>
-            </a:ext>
-          </a:extLst>
-        </p:spPr>
-        <p:txBody>
-          <a:bodyPr/>
-          <a:lstStyle>
-            <a:lvl1pPr defTabSz="942975" eaLnBrk="0" hangingPunct="0">
-              <a:spcBef>
-                <a:spcPct val="30000"/>
-              </a:spcBef>
-              <a:defRPr sz="1000">
-                <a:solidFill>
-                  <a:schemeClr val="tx1"/>
-                </a:solidFill>
-                <a:latin typeface="Arial" panose="020B0604020202020204" pitchFamily="34" charset="0"/>
-                <a:cs typeface="Arial" panose="020B0604020202020204" pitchFamily="34" charset="0"/>
-              </a:defRPr>
-            </a:lvl1pPr>
-            <a:lvl2pPr marL="742950" indent="-285750" defTabSz="942975" eaLnBrk="0" hangingPunct="0">
-              <a:spcBef>
-                <a:spcPct val="30000"/>
-              </a:spcBef>
-              <a:defRPr sz="1000">
-                <a:solidFill>
-                  <a:schemeClr val="tx1"/>
-                </a:solidFill>
-                <a:latin typeface="Arial" panose="020B0604020202020204" pitchFamily="34" charset="0"/>
-                <a:cs typeface="Arial" panose="020B0604020202020204" pitchFamily="34" charset="0"/>
-              </a:defRPr>
-            </a:lvl2pPr>
-            <a:lvl3pPr marL="1143000" indent="-228600" defTabSz="942975" eaLnBrk="0" hangingPunct="0">
-              <a:spcBef>
-                <a:spcPct val="30000"/>
-              </a:spcBef>
-              <a:defRPr sz="1000">
-                <a:solidFill>
-                  <a:schemeClr val="tx1"/>
-                </a:solidFill>
-                <a:latin typeface="Arial" panose="020B0604020202020204" pitchFamily="34" charset="0"/>
-                <a:cs typeface="Arial" panose="020B0604020202020204" pitchFamily="34" charset="0"/>
-              </a:defRPr>
-            </a:lvl3pPr>
-            <a:lvl4pPr marL="1600200" indent="-228600" defTabSz="942975" eaLnBrk="0" hangingPunct="0">
-              <a:spcBef>
-                <a:spcPct val="30000"/>
-              </a:spcBef>
-              <a:defRPr sz="1000">
-                <a:solidFill>
-                  <a:schemeClr val="tx1"/>
-                </a:solidFill>
-                <a:latin typeface="Arial" panose="020B0604020202020204" pitchFamily="34" charset="0"/>
-                <a:cs typeface="Arial" panose="020B0604020202020204" pitchFamily="34" charset="0"/>
-              </a:defRPr>
-            </a:lvl4pPr>
-            <a:lvl5pPr marL="2057400" indent="-228600" defTabSz="942975" eaLnBrk="0" hangingPunct="0">
-              <a:spcBef>
-                <a:spcPct val="30000"/>
-              </a:spcBef>
-              <a:defRPr sz="1000">
-                <a:solidFill>
-                  <a:schemeClr val="tx1"/>
-                </a:solidFill>
-                <a:latin typeface="Arial" panose="020B0604020202020204" pitchFamily="34" charset="0"/>
-                <a:cs typeface="Arial" panose="020B0604020202020204" pitchFamily="34" charset="0"/>
-              </a:defRPr>
-            </a:lvl5pPr>
-            <a:lvl6pPr marL="2514600" indent="-228600" defTabSz="942975" eaLnBrk="0" fontAlgn="base" hangingPunct="0">
-              <a:spcBef>
-                <a:spcPct val="30000"/>
-              </a:spcBef>
-              <a:spcAft>
-                <a:spcPct val="0"/>
-              </a:spcAft>
-              <a:defRPr sz="1000">
-                <a:solidFill>
-                  <a:schemeClr val="tx1"/>
-                </a:solidFill>
-                <a:latin typeface="Arial" panose="020B0604020202020204" pitchFamily="34" charset="0"/>
-                <a:cs typeface="Arial" panose="020B0604020202020204" pitchFamily="34" charset="0"/>
-              </a:defRPr>
-            </a:lvl6pPr>
-            <a:lvl7pPr marL="2971800" indent="-228600" defTabSz="942975" eaLnBrk="0" fontAlgn="base" hangingPunct="0">
-              <a:spcBef>
-                <a:spcPct val="30000"/>
-              </a:spcBef>
-              <a:spcAft>
-                <a:spcPct val="0"/>
-              </a:spcAft>
-              <a:defRPr sz="1000">
-                <a:solidFill>
-                  <a:schemeClr val="tx1"/>
-                </a:solidFill>
-                <a:latin typeface="Arial" panose="020B0604020202020204" pitchFamily="34" charset="0"/>
-                <a:cs typeface="Arial" panose="020B0604020202020204" pitchFamily="34" charset="0"/>
-              </a:defRPr>
-            </a:lvl7pPr>
-            <a:lvl8pPr marL="3429000" indent="-228600" defTabSz="942975" eaLnBrk="0" fontAlgn="base" hangingPunct="0">
-              <a:spcBef>
-                <a:spcPct val="30000"/>
-              </a:spcBef>
-              <a:spcAft>
-                <a:spcPct val="0"/>
-              </a:spcAft>
-              <a:defRPr sz="1000">
-                <a:solidFill>
-                  <a:schemeClr val="tx1"/>
-                </a:solidFill>
-                <a:latin typeface="Arial" panose="020B0604020202020204" pitchFamily="34" charset="0"/>
-                <a:cs typeface="Arial" panose="020B0604020202020204" pitchFamily="34" charset="0"/>
-              </a:defRPr>
-            </a:lvl8pPr>
-            <a:lvl9pPr marL="3886200" indent="-228600" defTabSz="942975" eaLnBrk="0" fontAlgn="base" hangingPunct="0">
-              <a:spcBef>
-                <a:spcPct val="30000"/>
-              </a:spcBef>
-              <a:spcAft>
-                <a:spcPct val="0"/>
-              </a:spcAft>
-              <a:defRPr sz="1000">
-                <a:solidFill>
-                  <a:schemeClr val="tx1"/>
-                </a:solidFill>
-                <a:latin typeface="Arial" panose="020B0604020202020204" pitchFamily="34" charset="0"/>
-                <a:cs typeface="Arial" panose="020B0604020202020204" pitchFamily="34" charset="0"/>
-              </a:defRPr>
-            </a:lvl9pPr>
-          </a:lstStyle>
-          <a:p>
-            <a:pPr eaLnBrk="1" hangingPunct="1">
-              <a:spcBef>
-                <a:spcPct val="0"/>
-              </a:spcBef>
-            </a:pPr>
-            <a:r>
-              <a:rPr lang="fr-FR" altLang="fr-FR" sz="800"/>
-              <a:t>IV-</a:t>
-            </a:r>
-            <a:fld id="{A596B693-F0CA-4893-AC5F-6564D11C886D}" type="slidenum">
-              <a:rPr lang="fr-FR" altLang="fr-FR" sz="800"/>
-              <a:pPr eaLnBrk="1" hangingPunct="1">
-                <a:spcBef>
-                  <a:spcPct val="0"/>
-                </a:spcBef>
-              </a:pPr>
-              <a:t>43</a:t>
-            </a:fld>
-            <a:endParaRPr lang="fr-FR" altLang="fr-FR" sz="800"/>
-          </a:p>
-        </p:txBody>
-      </p:sp>
-      <p:sp>
-        <p:nvSpPr>
-          <p:cNvPr id="100356" name="Rectangle 2"/>
-          <p:cNvSpPr>
-            <a:spLocks noGrp="1" noRot="1" noChangeAspect="1" noChangeArrowheads="1" noTextEdit="1"/>
-          </p:cNvSpPr>
-          <p:nvPr>
-            <p:ph type="sldImg"/>
-          </p:nvPr>
-        </p:nvSpPr>
-        <p:spPr>
-          <a:xfrm>
-            <a:off x="877888" y="733425"/>
-            <a:ext cx="4892675" cy="3670300"/>
-          </a:xfrm>
-          <a:ln/>
-        </p:spPr>
-      </p:sp>
-      <p:sp>
-        <p:nvSpPr>
-          <p:cNvPr id="100357" name="Rectangle 3"/>
-          <p:cNvSpPr>
-            <a:spLocks noGrp="1" noChangeArrowheads="1"/>
-          </p:cNvSpPr>
-          <p:nvPr>
-            <p:ph type="body" idx="1"/>
-          </p:nvPr>
-        </p:nvSpPr>
-        <p:spPr>
-          <a:noFill/>
-          <a:ln/>
-          <a:extLst>
-            <a:ext uri="{909E8E84-426E-40DD-AFC4-6F175D3DCCD1}">
-              <a14:hiddenFill xmlns:a14="http://schemas.microsoft.com/office/drawing/2010/main">
-                <a:solidFill>
-                  <a:srgbClr val="FFFFFF"/>
-                </a:solidFill>
-              </a14:hiddenFill>
-            </a:ext>
-            <a:ext uri="{91240B29-F687-4F45-9708-019B960494DF}">
-              <a14:hiddenLine xmlns:a14="http://schemas.microsoft.com/office/drawing/2010/main" w="9525">
-                <a:solidFill>
-                  <a:srgbClr val="000000"/>
-                </a:solidFill>
-                <a:miter lim="800000"/>
-                <a:headEnd/>
-                <a:tailEnd/>
-              </a14:hiddenLine>
-            </a:ext>
-          </a:extLst>
-        </p:spPr>
-        <p:txBody>
-          <a:bodyPr/>
-          <a:lstStyle/>
-          <a:p>
-            <a:pPr eaLnBrk="1" hangingPunct="1"/>
-            <a:r>
-              <a:rPr lang="fr-FR" altLang="fr-FR" smtClean="0">
-                <a:latin typeface="Arial" panose="020B0604020202020204" pitchFamily="34" charset="0"/>
-                <a:cs typeface="Arial" panose="020B0604020202020204" pitchFamily="34" charset="0"/>
-              </a:rPr>
-              <a:t>La création d’une interface se fait en utilisant le mot-clé </a:t>
-            </a:r>
-            <a:r>
-              <a:rPr lang="fr-FR" altLang="fr-FR" smtClean="0">
-                <a:latin typeface="Courier New" panose="02070309020205020404" pitchFamily="49" charset="0"/>
-                <a:cs typeface="Arial" panose="020B0604020202020204" pitchFamily="34" charset="0"/>
-              </a:rPr>
-              <a:t>interface</a:t>
-            </a:r>
-            <a:r>
-              <a:rPr lang="fr-FR" altLang="fr-FR" smtClean="0">
-                <a:latin typeface="Arial" panose="020B0604020202020204" pitchFamily="34" charset="0"/>
-                <a:cs typeface="Arial" panose="020B0604020202020204" pitchFamily="34" charset="0"/>
-              </a:rPr>
-              <a:t>. Bien que cela ne soit pas obligatoire, il est conseillé de précéder les constantes des mots-clés </a:t>
-            </a:r>
-            <a:r>
-              <a:rPr lang="fr-FR" altLang="fr-FR" smtClean="0">
-                <a:latin typeface="Courier New" panose="02070309020205020404" pitchFamily="49" charset="0"/>
-                <a:cs typeface="Arial" panose="020B0604020202020204" pitchFamily="34" charset="0"/>
-              </a:rPr>
-              <a:t>public static final</a:t>
-            </a:r>
-            <a:r>
-              <a:rPr lang="fr-FR" altLang="fr-FR" smtClean="0">
-                <a:latin typeface="Arial" panose="020B0604020202020204" pitchFamily="34" charset="0"/>
-                <a:cs typeface="Arial" panose="020B0604020202020204" pitchFamily="34" charset="0"/>
-              </a:rPr>
-              <a:t>. L’initialisation des constantes est obligatoire dans l’interface. Ensuite, il faut déclarer les méthodes avec leurs arguments ainsi que leur type de valeur de retour quand il y en a.</a:t>
-            </a:r>
-          </a:p>
-        </p:txBody>
-      </p:sp>
-    </p:spTree>
-    <p:extLst>
-      <p:ext uri="{BB962C8B-B14F-4D97-AF65-F5344CB8AC3E}">
-        <p14:creationId xmlns:p14="http://schemas.microsoft.com/office/powerpoint/2010/main" val="3112920532"/>
-      </p:ext>
-    </p:extLst>
-  </p:cSld>
-  <p:clrMapOvr>
-    <a:masterClrMapping/>
-  </p:clrMapOvr>
-</p:notes>
-</file>
-
-<file path=ppt/notesSlides/notesSlide31.xml><?xml version="1.0" encoding="utf-8"?>
-<p:notes xmlns:a="http://schemas.openxmlformats.org/drawingml/2006/main" xmlns:r="http://schemas.openxmlformats.org/officeDocument/2006/relationships" xmlns:p="http://schemas.openxmlformats.org/presentationml/2006/main">
-  <p:cSld>
-    <p:spTree>
-      <p:nvGrpSpPr>
-        <p:cNvPr id="1" name=""/>
-        <p:cNvGrpSpPr/>
-        <p:nvPr/>
-      </p:nvGrpSpPr>
-      <p:grpSpPr>
-        <a:xfrm>
-          <a:off x="0" y="0"/>
-          <a:ext cx="0" cy="0"/>
-          <a:chOff x="0" y="0"/>
-          <a:chExt cx="0" cy="0"/>
-        </a:xfrm>
-      </p:grpSpPr>
-      <p:sp>
-        <p:nvSpPr>
-          <p:cNvPr id="101378" name="Rectangle 6"/>
-          <p:cNvSpPr>
-            <a:spLocks noGrp="1" noChangeArrowheads="1"/>
-          </p:cNvSpPr>
-          <p:nvPr>
-            <p:ph type="ftr" sz="quarter" idx="4"/>
-          </p:nvPr>
-        </p:nvSpPr>
-        <p:spPr>
-          <a:noFill/>
-          <a:ln/>
-          <a:extLst>
-            <a:ext uri="{909E8E84-426E-40DD-AFC4-6F175D3DCCD1}">
-              <a14:hiddenFill xmlns:a14="http://schemas.microsoft.com/office/drawing/2010/main">
-                <a:solidFill>
-                  <a:srgbClr val="FFFFFF"/>
-                </a:solidFill>
-              </a14:hiddenFill>
-            </a:ext>
-            <a:ext uri="{91240B29-F687-4F45-9708-019B960494DF}">
-              <a14:hiddenLine xmlns:a14="http://schemas.microsoft.com/office/drawing/2010/main" w="9525">
-                <a:solidFill>
-                  <a:srgbClr val="000000"/>
-                </a:solidFill>
-                <a:miter lim="800000"/>
-                <a:headEnd/>
-                <a:tailEnd/>
-              </a14:hiddenLine>
-            </a:ext>
-          </a:extLst>
-        </p:spPr>
-        <p:txBody>
-          <a:bodyPr/>
-          <a:lstStyle>
-            <a:lvl1pPr defTabSz="942975" eaLnBrk="0" hangingPunct="0">
-              <a:spcBef>
-                <a:spcPct val="30000"/>
-              </a:spcBef>
-              <a:defRPr sz="1000">
-                <a:solidFill>
-                  <a:schemeClr val="tx1"/>
-                </a:solidFill>
-                <a:latin typeface="Arial" panose="020B0604020202020204" pitchFamily="34" charset="0"/>
-                <a:cs typeface="Arial" panose="020B0604020202020204" pitchFamily="34" charset="0"/>
-              </a:defRPr>
-            </a:lvl1pPr>
-            <a:lvl2pPr marL="742950" indent="-285750" defTabSz="942975" eaLnBrk="0" hangingPunct="0">
-              <a:spcBef>
-                <a:spcPct val="30000"/>
-              </a:spcBef>
-              <a:defRPr sz="1000">
-                <a:solidFill>
-                  <a:schemeClr val="tx1"/>
-                </a:solidFill>
-                <a:latin typeface="Arial" panose="020B0604020202020204" pitchFamily="34" charset="0"/>
-                <a:cs typeface="Arial" panose="020B0604020202020204" pitchFamily="34" charset="0"/>
-              </a:defRPr>
-            </a:lvl2pPr>
-            <a:lvl3pPr marL="1143000" indent="-228600" defTabSz="942975" eaLnBrk="0" hangingPunct="0">
-              <a:spcBef>
-                <a:spcPct val="30000"/>
-              </a:spcBef>
-              <a:defRPr sz="1000">
-                <a:solidFill>
-                  <a:schemeClr val="tx1"/>
-                </a:solidFill>
-                <a:latin typeface="Arial" panose="020B0604020202020204" pitchFamily="34" charset="0"/>
-                <a:cs typeface="Arial" panose="020B0604020202020204" pitchFamily="34" charset="0"/>
-              </a:defRPr>
-            </a:lvl3pPr>
-            <a:lvl4pPr marL="1600200" indent="-228600" defTabSz="942975" eaLnBrk="0" hangingPunct="0">
-              <a:spcBef>
-                <a:spcPct val="30000"/>
-              </a:spcBef>
-              <a:defRPr sz="1000">
-                <a:solidFill>
-                  <a:schemeClr val="tx1"/>
-                </a:solidFill>
-                <a:latin typeface="Arial" panose="020B0604020202020204" pitchFamily="34" charset="0"/>
-                <a:cs typeface="Arial" panose="020B0604020202020204" pitchFamily="34" charset="0"/>
-              </a:defRPr>
-            </a:lvl4pPr>
-            <a:lvl5pPr marL="2057400" indent="-228600" defTabSz="942975" eaLnBrk="0" hangingPunct="0">
-              <a:spcBef>
-                <a:spcPct val="30000"/>
-              </a:spcBef>
-              <a:defRPr sz="1000">
-                <a:solidFill>
-                  <a:schemeClr val="tx1"/>
-                </a:solidFill>
-                <a:latin typeface="Arial" panose="020B0604020202020204" pitchFamily="34" charset="0"/>
-                <a:cs typeface="Arial" panose="020B0604020202020204" pitchFamily="34" charset="0"/>
-              </a:defRPr>
-            </a:lvl5pPr>
-            <a:lvl6pPr marL="2514600" indent="-228600" defTabSz="942975" eaLnBrk="0" fontAlgn="base" hangingPunct="0">
-              <a:spcBef>
-                <a:spcPct val="30000"/>
-              </a:spcBef>
-              <a:spcAft>
-                <a:spcPct val="0"/>
-              </a:spcAft>
-              <a:defRPr sz="1000">
-                <a:solidFill>
-                  <a:schemeClr val="tx1"/>
-                </a:solidFill>
-                <a:latin typeface="Arial" panose="020B0604020202020204" pitchFamily="34" charset="0"/>
-                <a:cs typeface="Arial" panose="020B0604020202020204" pitchFamily="34" charset="0"/>
-              </a:defRPr>
-            </a:lvl6pPr>
-            <a:lvl7pPr marL="2971800" indent="-228600" defTabSz="942975" eaLnBrk="0" fontAlgn="base" hangingPunct="0">
-              <a:spcBef>
-                <a:spcPct val="30000"/>
-              </a:spcBef>
-              <a:spcAft>
-                <a:spcPct val="0"/>
-              </a:spcAft>
-              <a:defRPr sz="1000">
-                <a:solidFill>
-                  <a:schemeClr val="tx1"/>
-                </a:solidFill>
-                <a:latin typeface="Arial" panose="020B0604020202020204" pitchFamily="34" charset="0"/>
-                <a:cs typeface="Arial" panose="020B0604020202020204" pitchFamily="34" charset="0"/>
-              </a:defRPr>
-            </a:lvl7pPr>
-            <a:lvl8pPr marL="3429000" indent="-228600" defTabSz="942975" eaLnBrk="0" fontAlgn="base" hangingPunct="0">
-              <a:spcBef>
-                <a:spcPct val="30000"/>
-              </a:spcBef>
-              <a:spcAft>
-                <a:spcPct val="0"/>
-              </a:spcAft>
-              <a:defRPr sz="1000">
-                <a:solidFill>
-                  <a:schemeClr val="tx1"/>
-                </a:solidFill>
-                <a:latin typeface="Arial" panose="020B0604020202020204" pitchFamily="34" charset="0"/>
-                <a:cs typeface="Arial" panose="020B0604020202020204" pitchFamily="34" charset="0"/>
-              </a:defRPr>
-            </a:lvl8pPr>
-            <a:lvl9pPr marL="3886200" indent="-228600" defTabSz="942975" eaLnBrk="0" fontAlgn="base" hangingPunct="0">
-              <a:spcBef>
-                <a:spcPct val="30000"/>
-              </a:spcBef>
-              <a:spcAft>
-                <a:spcPct val="0"/>
-              </a:spcAft>
-              <a:defRPr sz="1000">
-                <a:solidFill>
-                  <a:schemeClr val="tx1"/>
-                </a:solidFill>
-                <a:latin typeface="Arial" panose="020B0604020202020204" pitchFamily="34" charset="0"/>
-                <a:cs typeface="Arial" panose="020B0604020202020204" pitchFamily="34" charset="0"/>
-              </a:defRPr>
-            </a:lvl9pPr>
-          </a:lstStyle>
-          <a:p>
-            <a:pPr eaLnBrk="1" hangingPunct="1">
-              <a:spcBef>
-                <a:spcPct val="0"/>
-              </a:spcBef>
-            </a:pPr>
-            <a:r>
-              <a:rPr lang="fr-FR" altLang="fr-FR" sz="800" smtClean="0"/>
-              <a:t>© HANDSHAKE – Philippe MASINA</a:t>
-            </a:r>
-          </a:p>
-        </p:txBody>
-      </p:sp>
-      <p:sp>
-        <p:nvSpPr>
-          <p:cNvPr id="101379" name="Rectangle 7"/>
-          <p:cNvSpPr>
-            <a:spLocks noGrp="1" noChangeArrowheads="1"/>
-          </p:cNvSpPr>
-          <p:nvPr>
-            <p:ph type="sldNum" sz="quarter" idx="5"/>
-          </p:nvPr>
-        </p:nvSpPr>
-        <p:spPr>
-          <a:noFill/>
-          <a:ln/>
-          <a:extLst>
-            <a:ext uri="{909E8E84-426E-40DD-AFC4-6F175D3DCCD1}">
-              <a14:hiddenFill xmlns:a14="http://schemas.microsoft.com/office/drawing/2010/main">
-                <a:solidFill>
-                  <a:srgbClr val="FFFFFF"/>
-                </a:solidFill>
-              </a14:hiddenFill>
-            </a:ext>
-            <a:ext uri="{91240B29-F687-4F45-9708-019B960494DF}">
-              <a14:hiddenLine xmlns:a14="http://schemas.microsoft.com/office/drawing/2010/main" w="9525">
-                <a:solidFill>
-                  <a:srgbClr val="000000"/>
-                </a:solidFill>
-                <a:miter lim="800000"/>
-                <a:headEnd/>
-                <a:tailEnd/>
-              </a14:hiddenLine>
-            </a:ext>
-          </a:extLst>
-        </p:spPr>
-        <p:txBody>
-          <a:bodyPr/>
-          <a:lstStyle>
-            <a:lvl1pPr defTabSz="942975" eaLnBrk="0" hangingPunct="0">
-              <a:spcBef>
-                <a:spcPct val="30000"/>
-              </a:spcBef>
-              <a:defRPr sz="1000">
-                <a:solidFill>
-                  <a:schemeClr val="tx1"/>
-                </a:solidFill>
-                <a:latin typeface="Arial" panose="020B0604020202020204" pitchFamily="34" charset="0"/>
-                <a:cs typeface="Arial" panose="020B0604020202020204" pitchFamily="34" charset="0"/>
-              </a:defRPr>
-            </a:lvl1pPr>
-            <a:lvl2pPr marL="742950" indent="-285750" defTabSz="942975" eaLnBrk="0" hangingPunct="0">
-              <a:spcBef>
-                <a:spcPct val="30000"/>
-              </a:spcBef>
-              <a:defRPr sz="1000">
-                <a:solidFill>
-                  <a:schemeClr val="tx1"/>
-                </a:solidFill>
-                <a:latin typeface="Arial" panose="020B0604020202020204" pitchFamily="34" charset="0"/>
-                <a:cs typeface="Arial" panose="020B0604020202020204" pitchFamily="34" charset="0"/>
-              </a:defRPr>
-            </a:lvl2pPr>
-            <a:lvl3pPr marL="1143000" indent="-228600" defTabSz="942975" eaLnBrk="0" hangingPunct="0">
-              <a:spcBef>
-                <a:spcPct val="30000"/>
-              </a:spcBef>
-              <a:defRPr sz="1000">
-                <a:solidFill>
-                  <a:schemeClr val="tx1"/>
-                </a:solidFill>
-                <a:latin typeface="Arial" panose="020B0604020202020204" pitchFamily="34" charset="0"/>
-                <a:cs typeface="Arial" panose="020B0604020202020204" pitchFamily="34" charset="0"/>
-              </a:defRPr>
-            </a:lvl3pPr>
-            <a:lvl4pPr marL="1600200" indent="-228600" defTabSz="942975" eaLnBrk="0" hangingPunct="0">
-              <a:spcBef>
-                <a:spcPct val="30000"/>
-              </a:spcBef>
-              <a:defRPr sz="1000">
-                <a:solidFill>
-                  <a:schemeClr val="tx1"/>
-                </a:solidFill>
-                <a:latin typeface="Arial" panose="020B0604020202020204" pitchFamily="34" charset="0"/>
-                <a:cs typeface="Arial" panose="020B0604020202020204" pitchFamily="34" charset="0"/>
-              </a:defRPr>
-            </a:lvl4pPr>
-            <a:lvl5pPr marL="2057400" indent="-228600" defTabSz="942975" eaLnBrk="0" hangingPunct="0">
-              <a:spcBef>
-                <a:spcPct val="30000"/>
-              </a:spcBef>
-              <a:defRPr sz="1000">
-                <a:solidFill>
-                  <a:schemeClr val="tx1"/>
-                </a:solidFill>
-                <a:latin typeface="Arial" panose="020B0604020202020204" pitchFamily="34" charset="0"/>
-                <a:cs typeface="Arial" panose="020B0604020202020204" pitchFamily="34" charset="0"/>
-              </a:defRPr>
-            </a:lvl5pPr>
-            <a:lvl6pPr marL="2514600" indent="-228600" defTabSz="942975" eaLnBrk="0" fontAlgn="base" hangingPunct="0">
-              <a:spcBef>
-                <a:spcPct val="30000"/>
-              </a:spcBef>
-              <a:spcAft>
-                <a:spcPct val="0"/>
-              </a:spcAft>
-              <a:defRPr sz="1000">
-                <a:solidFill>
-                  <a:schemeClr val="tx1"/>
-                </a:solidFill>
-                <a:latin typeface="Arial" panose="020B0604020202020204" pitchFamily="34" charset="0"/>
-                <a:cs typeface="Arial" panose="020B0604020202020204" pitchFamily="34" charset="0"/>
-              </a:defRPr>
-            </a:lvl6pPr>
-            <a:lvl7pPr marL="2971800" indent="-228600" defTabSz="942975" eaLnBrk="0" fontAlgn="base" hangingPunct="0">
-              <a:spcBef>
-                <a:spcPct val="30000"/>
-              </a:spcBef>
-              <a:spcAft>
-                <a:spcPct val="0"/>
-              </a:spcAft>
-              <a:defRPr sz="1000">
-                <a:solidFill>
-                  <a:schemeClr val="tx1"/>
-                </a:solidFill>
-                <a:latin typeface="Arial" panose="020B0604020202020204" pitchFamily="34" charset="0"/>
-                <a:cs typeface="Arial" panose="020B0604020202020204" pitchFamily="34" charset="0"/>
-              </a:defRPr>
-            </a:lvl7pPr>
-            <a:lvl8pPr marL="3429000" indent="-228600" defTabSz="942975" eaLnBrk="0" fontAlgn="base" hangingPunct="0">
-              <a:spcBef>
-                <a:spcPct val="30000"/>
-              </a:spcBef>
-              <a:spcAft>
-                <a:spcPct val="0"/>
-              </a:spcAft>
-              <a:defRPr sz="1000">
-                <a:solidFill>
-                  <a:schemeClr val="tx1"/>
-                </a:solidFill>
-                <a:latin typeface="Arial" panose="020B0604020202020204" pitchFamily="34" charset="0"/>
-                <a:cs typeface="Arial" panose="020B0604020202020204" pitchFamily="34" charset="0"/>
-              </a:defRPr>
-            </a:lvl8pPr>
-            <a:lvl9pPr marL="3886200" indent="-228600" defTabSz="942975" eaLnBrk="0" fontAlgn="base" hangingPunct="0">
-              <a:spcBef>
-                <a:spcPct val="30000"/>
-              </a:spcBef>
-              <a:spcAft>
-                <a:spcPct val="0"/>
-              </a:spcAft>
-              <a:defRPr sz="1000">
-                <a:solidFill>
-                  <a:schemeClr val="tx1"/>
-                </a:solidFill>
-                <a:latin typeface="Arial" panose="020B0604020202020204" pitchFamily="34" charset="0"/>
-                <a:cs typeface="Arial" panose="020B0604020202020204" pitchFamily="34" charset="0"/>
-              </a:defRPr>
-            </a:lvl9pPr>
-          </a:lstStyle>
-          <a:p>
-            <a:pPr eaLnBrk="1" hangingPunct="1">
-              <a:spcBef>
-                <a:spcPct val="0"/>
-              </a:spcBef>
-            </a:pPr>
-            <a:r>
-              <a:rPr lang="fr-FR" altLang="fr-FR" sz="800"/>
-              <a:t>IV-</a:t>
-            </a:r>
-            <a:fld id="{1105C893-FA6F-4635-94A4-D75BF522A70A}" type="slidenum">
-              <a:rPr lang="fr-FR" altLang="fr-FR" sz="800"/>
-              <a:pPr eaLnBrk="1" hangingPunct="1">
-                <a:spcBef>
-                  <a:spcPct val="0"/>
-                </a:spcBef>
-              </a:pPr>
-              <a:t>44</a:t>
-            </a:fld>
-            <a:endParaRPr lang="fr-FR" altLang="fr-FR" sz="800"/>
-          </a:p>
-        </p:txBody>
-      </p:sp>
-      <p:sp>
-        <p:nvSpPr>
-          <p:cNvPr id="101380" name="Rectangle 2"/>
-          <p:cNvSpPr>
-            <a:spLocks noGrp="1" noRot="1" noChangeAspect="1" noChangeArrowheads="1" noTextEdit="1"/>
-          </p:cNvSpPr>
-          <p:nvPr>
-            <p:ph type="sldImg"/>
-          </p:nvPr>
-        </p:nvSpPr>
-        <p:spPr>
-          <a:xfrm>
-            <a:off x="877888" y="733425"/>
-            <a:ext cx="4892675" cy="3670300"/>
-          </a:xfrm>
-          <a:ln/>
-        </p:spPr>
-      </p:sp>
-      <p:sp>
-        <p:nvSpPr>
-          <p:cNvPr id="101381" name="Rectangle 3"/>
-          <p:cNvSpPr>
-            <a:spLocks noGrp="1" noChangeArrowheads="1"/>
-          </p:cNvSpPr>
-          <p:nvPr>
-            <p:ph type="body" idx="1"/>
-          </p:nvPr>
-        </p:nvSpPr>
-        <p:spPr>
-          <a:noFill/>
-          <a:ln/>
-          <a:extLst>
-            <a:ext uri="{909E8E84-426E-40DD-AFC4-6F175D3DCCD1}">
-              <a14:hiddenFill xmlns:a14="http://schemas.microsoft.com/office/drawing/2010/main">
-                <a:solidFill>
-                  <a:srgbClr val="FFFFFF"/>
-                </a:solidFill>
-              </a14:hiddenFill>
-            </a:ext>
-            <a:ext uri="{91240B29-F687-4F45-9708-019B960494DF}">
-              <a14:hiddenLine xmlns:a14="http://schemas.microsoft.com/office/drawing/2010/main" w="9525">
-                <a:solidFill>
-                  <a:srgbClr val="000000"/>
-                </a:solidFill>
-                <a:miter lim="800000"/>
-                <a:headEnd/>
-                <a:tailEnd/>
-              </a14:hiddenLine>
-            </a:ext>
-          </a:extLst>
-        </p:spPr>
-        <p:txBody>
-          <a:bodyPr/>
-          <a:lstStyle/>
-          <a:p>
-            <a:pPr eaLnBrk="1" hangingPunct="1"/>
-            <a:r>
-              <a:rPr lang="fr-FR" altLang="fr-FR" smtClean="0">
-                <a:latin typeface="Arial" panose="020B0604020202020204" pitchFamily="34" charset="0"/>
-                <a:cs typeface="Arial" panose="020B0604020202020204" pitchFamily="34" charset="0"/>
-              </a:rPr>
-              <a:t>Pour implémenter une interface, il faut utiliser le mot-clé </a:t>
-            </a:r>
-            <a:r>
-              <a:rPr lang="fr-FR" altLang="fr-FR" smtClean="0">
-                <a:latin typeface="Courier New" panose="02070309020205020404" pitchFamily="49" charset="0"/>
-                <a:cs typeface="Arial" panose="020B0604020202020204" pitchFamily="34" charset="0"/>
-              </a:rPr>
-              <a:t>implements</a:t>
-            </a:r>
-            <a:r>
-              <a:rPr lang="fr-FR" altLang="fr-FR" smtClean="0">
-                <a:latin typeface="Arial" panose="020B0604020202020204" pitchFamily="34" charset="0"/>
-                <a:cs typeface="Arial" panose="020B0604020202020204" pitchFamily="34" charset="0"/>
-              </a:rPr>
-              <a:t>. Chaque méthode déclarée dans l’interface doit faire l’objet d’une implémentation. </a:t>
-            </a:r>
-          </a:p>
-        </p:txBody>
-      </p:sp>
-    </p:spTree>
-    <p:extLst>
-      <p:ext uri="{BB962C8B-B14F-4D97-AF65-F5344CB8AC3E}">
-        <p14:creationId xmlns:p14="http://schemas.microsoft.com/office/powerpoint/2010/main" val="3149751081"/>
       </p:ext>
     </p:extLst>
   </p:cSld>
@@ -19078,11 +18091,7 @@
             <a:pPr eaLnBrk="1" hangingPunct="1"/>
             <a:r>
               <a:rPr lang="fr-FR" altLang="fr-FR" smtClean="0"/>
-              <a:t>Chapitre </a:t>
-            </a:r>
-            <a:r>
-              <a:rPr lang="fr-FR" altLang="fr-FR" smtClean="0"/>
-              <a:t>9</a:t>
+              <a:t>Chapitre 9</a:t>
             </a:r>
             <a:endParaRPr lang="fr-FR" altLang="fr-FR" dirty="0" smtClean="0"/>
           </a:p>
@@ -19515,6 +18524,13 @@
   <p:clrMapOvr>
     <a:masterClrMapping/>
   </p:clrMapOvr>
+  <p:timing>
+    <p:tnLst>
+      <p:par>
+        <p:cTn id="1" dur="indefinite" restart="never" nodeType="tmRoot"/>
+      </p:par>
+    </p:tnLst>
+  </p:timing>
 </p:sld>
 </file>
 
@@ -19636,6 +18652,13 @@
   <p:clrMapOvr>
     <a:masterClrMapping/>
   </p:clrMapOvr>
+  <p:timing>
+    <p:tnLst>
+      <p:par>
+        <p:cTn id="1" dur="indefinite" restart="never" nodeType="tmRoot"/>
+      </p:par>
+    </p:tnLst>
+  </p:timing>
 </p:sld>
 </file>
 
@@ -19713,6 +18736,13 @@
   <p:clrMapOvr>
     <a:masterClrMapping/>
   </p:clrMapOvr>
+  <p:timing>
+    <p:tnLst>
+      <p:par>
+        <p:cTn id="1" dur="indefinite" restart="never" nodeType="tmRoot"/>
+      </p:par>
+    </p:tnLst>
+  </p:timing>
 </p:sld>
 </file>
 
@@ -19826,6 +18856,13 @@
   <p:clrMapOvr>
     <a:masterClrMapping/>
   </p:clrMapOvr>
+  <p:timing>
+    <p:tnLst>
+      <p:par>
+        <p:cTn id="1" dur="indefinite" restart="never" nodeType="tmRoot"/>
+      </p:par>
+    </p:tnLst>
+  </p:timing>
 </p:sld>
 </file>
 
@@ -22930,6 +21967,13 @@
   <p:clrMapOvr>
     <a:masterClrMapping/>
   </p:clrMapOvr>
+  <p:timing>
+    <p:tnLst>
+      <p:par>
+        <p:cTn id="1" dur="indefinite" restart="never" nodeType="tmRoot"/>
+      </p:par>
+    </p:tnLst>
+  </p:timing>
 </p:sld>
 </file>
 
@@ -24865,6 +23909,13 @@
   <p:clrMapOvr>
     <a:masterClrMapping/>
   </p:clrMapOvr>
+  <p:timing>
+    <p:tnLst>
+      <p:par>
+        <p:cTn id="1" dur="indefinite" restart="never" nodeType="tmRoot"/>
+      </p:par>
+    </p:tnLst>
+  </p:timing>
 </p:sld>
 </file>
 
@@ -25142,6 +24193,13 @@
   <p:clrMapOvr>
     <a:masterClrMapping/>
   </p:clrMapOvr>
+  <p:timing>
+    <p:tnLst>
+      <p:par>
+        <p:cTn id="1" dur="indefinite" restart="never" nodeType="tmRoot"/>
+      </p:par>
+    </p:tnLst>
+  </p:timing>
 </p:sld>
 </file>
 
@@ -25451,6 +24509,13 @@
   <p:clrMapOvr>
     <a:masterClrMapping/>
   </p:clrMapOvr>
+  <p:timing>
+    <p:tnLst>
+      <p:par>
+        <p:cTn id="1" dur="indefinite" restart="never" nodeType="tmRoot"/>
+      </p:par>
+    </p:tnLst>
+  </p:timing>
 </p:sld>
 </file>
 
@@ -25612,6 +24677,13 @@
   <p:clrMapOvr>
     <a:masterClrMapping/>
   </p:clrMapOvr>
+  <p:timing>
+    <p:tnLst>
+      <p:par>
+        <p:cTn id="1" dur="indefinite" restart="never" nodeType="tmRoot"/>
+      </p:par>
+    </p:tnLst>
+  </p:timing>
 </p:sld>
 </file>
 
@@ -25900,6 +24972,13 @@
   <p:clrMapOvr>
     <a:masterClrMapping/>
   </p:clrMapOvr>
+  <p:timing>
+    <p:tnLst>
+      <p:par>
+        <p:cTn id="1" dur="indefinite" restart="never" nodeType="tmRoot"/>
+      </p:par>
+    </p:tnLst>
+  </p:timing>
 </p:sld>
 </file>
 
@@ -33723,327 +32802,6 @@
       </p:grpSpPr>
       <p:sp>
         <p:nvSpPr>
-          <p:cNvPr id="38916" name="Rectangle 2"/>
-          <p:cNvSpPr>
-            <a:spLocks noGrp="1" noChangeArrowheads="1"/>
-          </p:cNvSpPr>
-          <p:nvPr>
-            <p:ph type="title"/>
-          </p:nvPr>
-        </p:nvSpPr>
-        <p:spPr/>
-        <p:txBody>
-          <a:bodyPr/>
-          <a:lstStyle/>
-          <a:p>
-            <a:pPr eaLnBrk="1" hangingPunct="1"/>
-            <a:r>
-              <a:rPr lang="fr-FR" altLang="fr-FR" smtClean="0"/>
-              <a:t>L’héritage – Accès protégés</a:t>
-            </a:r>
-          </a:p>
-        </p:txBody>
-      </p:sp>
-      <p:sp>
-        <p:nvSpPr>
-          <p:cNvPr id="3" name="Espace réservé du contenu 2"/>
-          <p:cNvSpPr>
-            <a:spLocks noGrp="1"/>
-          </p:cNvSpPr>
-          <p:nvPr>
-            <p:ph idx="1"/>
-          </p:nvPr>
-        </p:nvSpPr>
-        <p:spPr>
-          <a:xfrm>
-            <a:off x="179512" y="1412776"/>
-            <a:ext cx="8766051" cy="5040560"/>
-          </a:xfrm>
-        </p:spPr>
-        <p:txBody>
-          <a:bodyPr/>
-          <a:lstStyle/>
-          <a:p>
-            <a:r>
-              <a:rPr lang="fr-FR" dirty="0" smtClean="0"/>
-              <a:t>TODO</a:t>
-            </a:r>
-            <a:endParaRPr lang="fr-FR" dirty="0"/>
-          </a:p>
-        </p:txBody>
-      </p:sp>
-    </p:spTree>
-    <p:extLst>
-      <p:ext uri="{BB962C8B-B14F-4D97-AF65-F5344CB8AC3E}">
-        <p14:creationId xmlns:p14="http://schemas.microsoft.com/office/powerpoint/2010/main" val="2834176533"/>
-      </p:ext>
-    </p:extLst>
-  </p:cSld>
-  <p:clrMapOvr>
-    <a:masterClrMapping/>
-  </p:clrMapOvr>
-  <p:transition/>
-  <p:timing>
-    <p:tnLst>
-      <p:par>
-        <p:cTn id="1" dur="indefinite" restart="never" nodeType="tmRoot"/>
-      </p:par>
-    </p:tnLst>
-  </p:timing>
-</p:sld>
-</file>
-
-<file path=ppt/slides/slide37.xml><?xml version="1.0" encoding="utf-8"?>
-<p:sld xmlns:a="http://schemas.openxmlformats.org/drawingml/2006/main" xmlns:r="http://schemas.openxmlformats.org/officeDocument/2006/relationships" xmlns:p="http://schemas.openxmlformats.org/presentationml/2006/main">
-  <p:cSld>
-    <p:spTree>
-      <p:nvGrpSpPr>
-        <p:cNvPr id="1" name=""/>
-        <p:cNvGrpSpPr/>
-        <p:nvPr/>
-      </p:nvGrpSpPr>
-      <p:grpSpPr>
-        <a:xfrm>
-          <a:off x="0" y="0"/>
-          <a:ext cx="0" cy="0"/>
-          <a:chOff x="0" y="0"/>
-          <a:chExt cx="0" cy="0"/>
-        </a:xfrm>
-      </p:grpSpPr>
-      <p:sp>
-        <p:nvSpPr>
-          <p:cNvPr id="39939" name="Rectangle 2"/>
-          <p:cNvSpPr>
-            <a:spLocks noGrp="1" noChangeArrowheads="1"/>
-          </p:cNvSpPr>
-          <p:nvPr>
-            <p:ph type="title"/>
-          </p:nvPr>
-        </p:nvSpPr>
-        <p:spPr/>
-        <p:txBody>
-          <a:bodyPr/>
-          <a:lstStyle/>
-          <a:p>
-            <a:pPr eaLnBrk="1" hangingPunct="1"/>
-            <a:r>
-              <a:rPr lang="fr-FR" altLang="fr-FR" smtClean="0"/>
-              <a:t>L’héritage – Instances de classes dérivées</a:t>
-            </a:r>
-          </a:p>
-        </p:txBody>
-      </p:sp>
-      <p:sp>
-        <p:nvSpPr>
-          <p:cNvPr id="3" name="Espace réservé du contenu 2"/>
-          <p:cNvSpPr txBox="1">
-            <a:spLocks/>
-          </p:cNvSpPr>
-          <p:nvPr/>
-        </p:nvSpPr>
-        <p:spPr>
-          <a:xfrm>
-            <a:off x="179512" y="1412776"/>
-            <a:ext cx="8766051" cy="5040560"/>
-          </a:xfrm>
-          <a:prstGeom prst="rect">
-            <a:avLst/>
-          </a:prstGeom>
-        </p:spPr>
-        <p:txBody>
-          <a:bodyPr/>
-          <a:lstStyle>
-            <a:lvl1pPr marL="342900" indent="-342900" algn="l" rtl="0" eaLnBrk="0" fontAlgn="base" hangingPunct="0">
-              <a:spcBef>
-                <a:spcPct val="20000"/>
-              </a:spcBef>
-              <a:spcAft>
-                <a:spcPct val="0"/>
-              </a:spcAft>
-              <a:buClr>
-                <a:schemeClr val="tx1"/>
-              </a:buClr>
-              <a:buFont typeface="Monotype Sorts" pitchFamily="2" charset="2"/>
-              <a:buChar char="o"/>
-              <a:defRPr sz="2800">
-                <a:solidFill>
-                  <a:schemeClr val="tx1"/>
-                </a:solidFill>
-                <a:latin typeface="+mn-lt"/>
-                <a:ea typeface="+mn-ea"/>
-                <a:cs typeface="+mn-cs"/>
-              </a:defRPr>
-            </a:lvl1pPr>
-            <a:lvl2pPr marL="742950" indent="-285750" algn="l" rtl="0" eaLnBrk="0" fontAlgn="base" hangingPunct="0">
-              <a:spcBef>
-                <a:spcPct val="20000"/>
-              </a:spcBef>
-              <a:spcAft>
-                <a:spcPct val="0"/>
-              </a:spcAft>
-              <a:buChar char="–"/>
-              <a:defRPr sz="2400">
-                <a:solidFill>
-                  <a:schemeClr val="tx1"/>
-                </a:solidFill>
-                <a:latin typeface="+mn-lt"/>
-              </a:defRPr>
-            </a:lvl2pPr>
-            <a:lvl3pPr marL="1143000" indent="-228600" algn="l" rtl="0" eaLnBrk="0" fontAlgn="base" hangingPunct="0">
-              <a:spcBef>
-                <a:spcPct val="20000"/>
-              </a:spcBef>
-              <a:spcAft>
-                <a:spcPct val="0"/>
-              </a:spcAft>
-              <a:buChar char="•"/>
-              <a:defRPr sz="2000">
-                <a:solidFill>
-                  <a:schemeClr val="tx1"/>
-                </a:solidFill>
-                <a:latin typeface="+mn-lt"/>
-              </a:defRPr>
-            </a:lvl3pPr>
-            <a:lvl4pPr marL="1600200" indent="-228600" algn="l" rtl="0" eaLnBrk="0" fontAlgn="base" hangingPunct="0">
-              <a:spcBef>
-                <a:spcPct val="20000"/>
-              </a:spcBef>
-              <a:spcAft>
-                <a:spcPct val="0"/>
-              </a:spcAft>
-              <a:buChar char="–"/>
-              <a:defRPr>
-                <a:solidFill>
-                  <a:schemeClr val="tx1"/>
-                </a:solidFill>
-                <a:latin typeface="+mn-lt"/>
-              </a:defRPr>
-            </a:lvl4pPr>
-            <a:lvl5pPr marL="2057400" indent="-228600" algn="l" rtl="0" eaLnBrk="0" fontAlgn="base" hangingPunct="0">
-              <a:spcBef>
-                <a:spcPct val="20000"/>
-              </a:spcBef>
-              <a:spcAft>
-                <a:spcPct val="0"/>
-              </a:spcAft>
-              <a:buChar char="»"/>
-              <a:defRPr sz="1600">
-                <a:solidFill>
-                  <a:schemeClr val="tx1"/>
-                </a:solidFill>
-                <a:latin typeface="+mn-lt"/>
-              </a:defRPr>
-            </a:lvl5pPr>
-            <a:lvl6pPr marL="2514600" indent="-228600" algn="l" rtl="0" fontAlgn="base">
-              <a:spcBef>
-                <a:spcPct val="20000"/>
-              </a:spcBef>
-              <a:spcAft>
-                <a:spcPct val="0"/>
-              </a:spcAft>
-              <a:buChar char="»"/>
-              <a:defRPr sz="1600">
-                <a:solidFill>
-                  <a:schemeClr val="tx1"/>
-                </a:solidFill>
-                <a:latin typeface="+mn-lt"/>
-              </a:defRPr>
-            </a:lvl6pPr>
-            <a:lvl7pPr marL="2971800" indent="-228600" algn="l" rtl="0" fontAlgn="base">
-              <a:spcBef>
-                <a:spcPct val="20000"/>
-              </a:spcBef>
-              <a:spcAft>
-                <a:spcPct val="0"/>
-              </a:spcAft>
-              <a:buChar char="»"/>
-              <a:defRPr sz="1600">
-                <a:solidFill>
-                  <a:schemeClr val="tx1"/>
-                </a:solidFill>
-                <a:latin typeface="+mn-lt"/>
-              </a:defRPr>
-            </a:lvl7pPr>
-            <a:lvl8pPr marL="3429000" indent="-228600" algn="l" rtl="0" fontAlgn="base">
-              <a:spcBef>
-                <a:spcPct val="20000"/>
-              </a:spcBef>
-              <a:spcAft>
-                <a:spcPct val="0"/>
-              </a:spcAft>
-              <a:buChar char="»"/>
-              <a:defRPr sz="1600">
-                <a:solidFill>
-                  <a:schemeClr val="tx1"/>
-                </a:solidFill>
-                <a:latin typeface="+mn-lt"/>
-              </a:defRPr>
-            </a:lvl8pPr>
-            <a:lvl9pPr marL="3886200" indent="-228600" algn="l" rtl="0" fontAlgn="base">
-              <a:spcBef>
-                <a:spcPct val="20000"/>
-              </a:spcBef>
-              <a:spcAft>
-                <a:spcPct val="0"/>
-              </a:spcAft>
-              <a:buChar char="»"/>
-              <a:defRPr sz="1600">
-                <a:solidFill>
-                  <a:schemeClr val="tx1"/>
-                </a:solidFill>
-                <a:latin typeface="+mn-lt"/>
-              </a:defRPr>
-            </a:lvl9pPr>
-          </a:lstStyle>
-          <a:p>
-            <a:r>
-              <a:rPr lang="fr-FR" kern="0" smtClean="0"/>
-              <a:t>TODO</a:t>
-            </a:r>
-            <a:endParaRPr lang="fr-FR" kern="0" dirty="0"/>
-          </a:p>
-        </p:txBody>
-      </p:sp>
-    </p:spTree>
-    <p:extLst>
-      <p:ext uri="{BB962C8B-B14F-4D97-AF65-F5344CB8AC3E}">
-        <p14:creationId xmlns:p14="http://schemas.microsoft.com/office/powerpoint/2010/main" val="941026373"/>
-      </p:ext>
-    </p:extLst>
-  </p:cSld>
-  <p:clrMapOvr>
-    <a:masterClrMapping/>
-  </p:clrMapOvr>
-  <p:transition/>
-  <p:timing>
-    <p:tnLst>
-      <p:par>
-        <p:cTn id="1" dur="indefinite" restart="never" nodeType="tmRoot"/>
-      </p:par>
-    </p:tnLst>
-  </p:timing>
-</p:sld>
-</file>
-
-<file path=ppt/slides/slide38.xml><?xml version="1.0" encoding="utf-8"?>
-<p:sld xmlns:a="http://schemas.openxmlformats.org/drawingml/2006/main" xmlns:r="http://schemas.openxmlformats.org/officeDocument/2006/relationships" xmlns:p="http://schemas.openxmlformats.org/presentationml/2006/main">
-  <p:cSld>
-    <p:spTree>
-      <p:nvGrpSpPr>
-        <p:cNvPr id="1" name=""/>
-        <p:cNvGrpSpPr/>
-        <p:nvPr/>
-      </p:nvGrpSpPr>
-      <p:grpSpPr>
-        <a:xfrm>
-          <a:off x="0" y="0"/>
-          <a:ext cx="0" cy="0"/>
-          <a:chOff x="0" y="0"/>
-          <a:chExt cx="0" cy="0"/>
-        </a:xfrm>
-      </p:grpSpPr>
-      <p:sp>
-        <p:nvSpPr>
           <p:cNvPr id="40963" name="Rectangle 2"/>
           <p:cNvSpPr>
             <a:spLocks noGrp="1" noChangeArrowheads="1"/>
@@ -34119,7 +32877,7 @@
 </p:sld>
 </file>
 
-<file path=ppt/slides/slide39.xml><?xml version="1.0" encoding="utf-8"?>
+<file path=ppt/slides/slide37.xml><?xml version="1.0" encoding="utf-8"?>
 <p:sld xmlns:a="http://schemas.openxmlformats.org/drawingml/2006/main" xmlns:r="http://schemas.openxmlformats.org/officeDocument/2006/relationships" xmlns:p="http://schemas.openxmlformats.org/presentationml/2006/main">
   <p:cSld>
     <p:spTree>
@@ -34231,96 +32989,7 @@
 </p:sld>
 </file>
 
-<file path=ppt/slides/slide4.xml><?xml version="1.0" encoding="utf-8"?>
-<p:sld xmlns:a="http://schemas.openxmlformats.org/drawingml/2006/main" xmlns:r="http://schemas.openxmlformats.org/officeDocument/2006/relationships" xmlns:p="http://schemas.openxmlformats.org/presentationml/2006/main">
-  <p:cSld>
-    <p:spTree>
-      <p:nvGrpSpPr>
-        <p:cNvPr id="1" name=""/>
-        <p:cNvGrpSpPr/>
-        <p:nvPr/>
-      </p:nvGrpSpPr>
-      <p:grpSpPr>
-        <a:xfrm>
-          <a:off x="0" y="0"/>
-          <a:ext cx="0" cy="0"/>
-          <a:chOff x="0" y="0"/>
-          <a:chExt cx="0" cy="0"/>
-        </a:xfrm>
-      </p:grpSpPr>
-      <p:sp>
-        <p:nvSpPr>
-          <p:cNvPr id="5122" name="Rectangle 2050"/>
-          <p:cNvSpPr>
-            <a:spLocks noGrp="1" noChangeArrowheads="1"/>
-          </p:cNvSpPr>
-          <p:nvPr>
-            <p:ph type="title"/>
-          </p:nvPr>
-        </p:nvSpPr>
-        <p:spPr/>
-        <p:txBody>
-          <a:bodyPr/>
-          <a:lstStyle/>
-          <a:p>
-            <a:pPr eaLnBrk="1" hangingPunct="1"/>
-            <a:r>
-              <a:rPr lang="fr-FR" altLang="fr-FR" smtClean="0"/>
-              <a:t>Qu’est ce qu’un objet ?</a:t>
-            </a:r>
-          </a:p>
-        </p:txBody>
-      </p:sp>
-      <p:sp>
-        <p:nvSpPr>
-          <p:cNvPr id="5123" name="Rectangle 2051"/>
-          <p:cNvSpPr>
-            <a:spLocks noGrp="1" noChangeArrowheads="1"/>
-          </p:cNvSpPr>
-          <p:nvPr>
-            <p:ph type="body" idx="1"/>
-          </p:nvPr>
-        </p:nvSpPr>
-        <p:spPr/>
-        <p:txBody>
-          <a:bodyPr/>
-          <a:lstStyle/>
-          <a:p>
-            <a:pPr eaLnBrk="1" hangingPunct="1"/>
-            <a:r>
-              <a:rPr lang="fr-FR" altLang="fr-FR" smtClean="0">
-                <a:latin typeface="Tahoma" panose="020B0604030504040204" pitchFamily="34" charset="0"/>
-              </a:rPr>
-              <a:t>Un objet peut être la représentation d’un objet physique ou de quelque chose d’immatériel</a:t>
-            </a:r>
-            <a:endParaRPr lang="fr-FR" altLang="fr-FR" sz="2954" b="1">
-              <a:latin typeface="Tahoma" panose="020B0604030504040204" pitchFamily="34" charset="0"/>
-            </a:endParaRPr>
-          </a:p>
-        </p:txBody>
-      </p:sp>
-    </p:spTree>
-    <p:extLst>
-      <p:ext uri="{BB962C8B-B14F-4D97-AF65-F5344CB8AC3E}">
-        <p14:creationId xmlns:p14="http://schemas.microsoft.com/office/powerpoint/2010/main" val="1004903035"/>
-      </p:ext>
-    </p:extLst>
-  </p:cSld>
-  <p:clrMapOvr>
-    <a:masterClrMapping/>
-  </p:clrMapOvr>
-  <p:transition/>
-  <p:timing>
-    <p:tnLst>
-      <p:par>
-        <p:cTn id="1" dur="indefinite" restart="never" nodeType="tmRoot"/>
-      </p:par>
-    </p:tnLst>
-  </p:timing>
-</p:sld>
-</file>
-
-<file path=ppt/slides/slide40.xml><?xml version="1.0" encoding="utf-8"?>
+<file path=ppt/slides/slide38.xml><?xml version="1.0" encoding="utf-8"?>
 <p:sld xmlns:a="http://schemas.openxmlformats.org/drawingml/2006/main" xmlns:r="http://schemas.openxmlformats.org/officeDocument/2006/relationships" xmlns:p="http://schemas.openxmlformats.org/presentationml/2006/main">
   <p:cSld>
     <p:spTree>
@@ -34432,7 +33101,7 @@
 </p:sld>
 </file>
 
-<file path=ppt/slides/slide41.xml><?xml version="1.0" encoding="utf-8"?>
+<file path=ppt/slides/slide39.xml><?xml version="1.0" encoding="utf-8"?>
 <p:sld xmlns:a="http://schemas.openxmlformats.org/drawingml/2006/main" xmlns:r="http://schemas.openxmlformats.org/officeDocument/2006/relationships" xmlns:p="http://schemas.openxmlformats.org/presentationml/2006/main">
   <p:cSld>
     <p:spTree>
@@ -34527,7 +33196,96 @@
 </p:sld>
 </file>
 
-<file path=ppt/slides/slide42.xml><?xml version="1.0" encoding="utf-8"?>
+<file path=ppt/slides/slide4.xml><?xml version="1.0" encoding="utf-8"?>
+<p:sld xmlns:a="http://schemas.openxmlformats.org/drawingml/2006/main" xmlns:r="http://schemas.openxmlformats.org/officeDocument/2006/relationships" xmlns:p="http://schemas.openxmlformats.org/presentationml/2006/main">
+  <p:cSld>
+    <p:spTree>
+      <p:nvGrpSpPr>
+        <p:cNvPr id="1" name=""/>
+        <p:cNvGrpSpPr/>
+        <p:nvPr/>
+      </p:nvGrpSpPr>
+      <p:grpSpPr>
+        <a:xfrm>
+          <a:off x="0" y="0"/>
+          <a:ext cx="0" cy="0"/>
+          <a:chOff x="0" y="0"/>
+          <a:chExt cx="0" cy="0"/>
+        </a:xfrm>
+      </p:grpSpPr>
+      <p:sp>
+        <p:nvSpPr>
+          <p:cNvPr id="5122" name="Rectangle 2050"/>
+          <p:cNvSpPr>
+            <a:spLocks noGrp="1" noChangeArrowheads="1"/>
+          </p:cNvSpPr>
+          <p:nvPr>
+            <p:ph type="title"/>
+          </p:nvPr>
+        </p:nvSpPr>
+        <p:spPr/>
+        <p:txBody>
+          <a:bodyPr/>
+          <a:lstStyle/>
+          <a:p>
+            <a:pPr eaLnBrk="1" hangingPunct="1"/>
+            <a:r>
+              <a:rPr lang="fr-FR" altLang="fr-FR" smtClean="0"/>
+              <a:t>Qu’est ce qu’un objet ?</a:t>
+            </a:r>
+          </a:p>
+        </p:txBody>
+      </p:sp>
+      <p:sp>
+        <p:nvSpPr>
+          <p:cNvPr id="5123" name="Rectangle 2051"/>
+          <p:cNvSpPr>
+            <a:spLocks noGrp="1" noChangeArrowheads="1"/>
+          </p:cNvSpPr>
+          <p:nvPr>
+            <p:ph type="body" idx="1"/>
+          </p:nvPr>
+        </p:nvSpPr>
+        <p:spPr/>
+        <p:txBody>
+          <a:bodyPr/>
+          <a:lstStyle/>
+          <a:p>
+            <a:pPr eaLnBrk="1" hangingPunct="1"/>
+            <a:r>
+              <a:rPr lang="fr-FR" altLang="fr-FR" smtClean="0">
+                <a:latin typeface="Tahoma" panose="020B0604030504040204" pitchFamily="34" charset="0"/>
+              </a:rPr>
+              <a:t>Un objet peut être la représentation d’un objet physique ou de quelque chose d’immatériel</a:t>
+            </a:r>
+            <a:endParaRPr lang="fr-FR" altLang="fr-FR" sz="2954" b="1">
+              <a:latin typeface="Tahoma" panose="020B0604030504040204" pitchFamily="34" charset="0"/>
+            </a:endParaRPr>
+          </a:p>
+        </p:txBody>
+      </p:sp>
+    </p:spTree>
+    <p:extLst>
+      <p:ext uri="{BB962C8B-B14F-4D97-AF65-F5344CB8AC3E}">
+        <p14:creationId xmlns:p14="http://schemas.microsoft.com/office/powerpoint/2010/main" val="1004903035"/>
+      </p:ext>
+    </p:extLst>
+  </p:cSld>
+  <p:clrMapOvr>
+    <a:masterClrMapping/>
+  </p:clrMapOvr>
+  <p:transition/>
+  <p:timing>
+    <p:tnLst>
+      <p:par>
+        <p:cTn id="1" dur="indefinite" restart="never" nodeType="tmRoot"/>
+      </p:par>
+    </p:tnLst>
+  </p:timing>
+</p:sld>
+</file>
+
+<file path=ppt/slides/slide40.xml><?xml version="1.0" encoding="utf-8"?>
 <p:sld xmlns:a="http://schemas.openxmlformats.org/drawingml/2006/main" xmlns:r="http://schemas.openxmlformats.org/officeDocument/2006/relationships" xmlns:p="http://schemas.openxmlformats.org/presentationml/2006/main">
   <p:cSld>
     <p:spTree>
@@ -37610,7 +36368,7 @@
 </p:sld>
 </file>
 
-<file path=ppt/slides/slide43.xml><?xml version="1.0" encoding="utf-8"?>
+<file path=ppt/slides/slide41.xml><?xml version="1.0" encoding="utf-8"?>
 <p:sld xmlns:a="http://schemas.openxmlformats.org/drawingml/2006/main" xmlns:r="http://schemas.openxmlformats.org/officeDocument/2006/relationships" xmlns:p="http://schemas.openxmlformats.org/presentationml/2006/main">
   <p:cSld>
     <p:spTree>
@@ -37866,7 +36624,7 @@
 </p:sld>
 </file>
 
-<file path=ppt/slides/slide44.xml><?xml version="1.0" encoding="utf-8"?>
+<file path=ppt/slides/slide42.xml><?xml version="1.0" encoding="utf-8"?>
 <p:sld xmlns:a="http://schemas.openxmlformats.org/drawingml/2006/main" xmlns:r="http://schemas.openxmlformats.org/officeDocument/2006/relationships" xmlns:p="http://schemas.openxmlformats.org/presentationml/2006/main">
   <p:cSld>
     <p:spTree>
@@ -38160,7 +36918,7 @@
 </p:sld>
 </file>
 
-<file path=ppt/slides/slide45.xml><?xml version="1.0" encoding="utf-8"?>
+<file path=ppt/slides/slide43.xml><?xml version="1.0" encoding="utf-8"?>
 <p:sld xmlns:a="http://schemas.openxmlformats.org/drawingml/2006/main" xmlns:r="http://schemas.openxmlformats.org/officeDocument/2006/relationships" xmlns:p="http://schemas.openxmlformats.org/presentationml/2006/main">
   <p:cSld>
     <p:spTree>
@@ -38405,10 +37163,17 @@
   <p:clrMapOvr>
     <a:masterClrMapping/>
   </p:clrMapOvr>
+  <p:timing>
+    <p:tnLst>
+      <p:par>
+        <p:cTn id="1" dur="indefinite" restart="never" nodeType="tmRoot"/>
+      </p:par>
+    </p:tnLst>
+  </p:timing>
 </p:sld>
 </file>
 
-<file path=ppt/slides/slide46.xml><?xml version="1.0" encoding="utf-8"?>
+<file path=ppt/slides/slide44.xml><?xml version="1.0" encoding="utf-8"?>
 <p:sld xmlns:a="http://schemas.openxmlformats.org/drawingml/2006/main" xmlns:r="http://schemas.openxmlformats.org/officeDocument/2006/relationships" xmlns:p="http://schemas.openxmlformats.org/presentationml/2006/main">
   <p:cSld>
     <p:spTree>
@@ -38560,10 +37325,17 @@
   <p:clrMapOvr>
     <a:masterClrMapping/>
   </p:clrMapOvr>
+  <p:timing>
+    <p:tnLst>
+      <p:par>
+        <p:cTn id="1" dur="indefinite" restart="never" nodeType="tmRoot"/>
+      </p:par>
+    </p:tnLst>
+  </p:timing>
 </p:sld>
 </file>
 
-<file path=ppt/slides/slide47.xml><?xml version="1.0" encoding="utf-8"?>
+<file path=ppt/slides/slide45.xml><?xml version="1.0" encoding="utf-8"?>
 <p:sld xmlns:a="http://schemas.openxmlformats.org/drawingml/2006/main" xmlns:r="http://schemas.openxmlformats.org/officeDocument/2006/relationships" xmlns:p="http://schemas.openxmlformats.org/presentationml/2006/main">
   <p:cSld>
     <p:spTree>
@@ -38597,7 +37369,7 @@
           <a:p>
             <a:r>
               <a:rPr lang="fr-FR" dirty="0" smtClean="0"/>
-              <a:t>prototype</a:t>
+              <a:t>Import d’un fichier</a:t>
             </a:r>
             <a:endParaRPr lang="fr-FR" dirty="0"/>
           </a:p>
@@ -38620,15 +37392,180 @@
           <a:p>
             <a:r>
               <a:rPr lang="fr-FR" dirty="0" smtClean="0"/>
+              <a:t>Import </a:t>
+            </a:r>
+            <a:r>
+              <a:rPr lang="fr-FR" dirty="0" err="1" smtClean="0"/>
+              <a:t>from</a:t>
+            </a:r>
+            <a:endParaRPr lang="fr-FR" dirty="0" smtClean="0"/>
+          </a:p>
+          <a:p>
+            <a:pPr lvl="1"/>
+            <a:r>
+              <a:rPr lang="fr-FR" dirty="0" smtClean="0"/>
+              <a:t>Permet d’importer une classe d’un fichier</a:t>
+            </a:r>
+          </a:p>
+          <a:p>
+            <a:pPr lvl="1"/>
+            <a:r>
+              <a:rPr lang="fr-FR" dirty="0" smtClean="0"/>
+              <a:t>Indépendant des </a:t>
+            </a:r>
+            <a:r>
+              <a:rPr lang="fr-FR" dirty="0" err="1" smtClean="0"/>
+              <a:t>namespaces</a:t>
+            </a:r>
+            <a:endParaRPr lang="fr-FR" dirty="0" smtClean="0"/>
+          </a:p>
+          <a:p>
+            <a:pPr lvl="1"/>
+            <a:r>
+              <a:rPr lang="fr-FR" dirty="0"/>
+              <a:t>import { </a:t>
+            </a:r>
+            <a:r>
+              <a:rPr lang="fr-FR" dirty="0" err="1"/>
+              <a:t>Hero</a:t>
+            </a:r>
+            <a:r>
+              <a:rPr lang="fr-FR" dirty="0"/>
+              <a:t> } </a:t>
+            </a:r>
+            <a:r>
+              <a:rPr lang="fr-FR" dirty="0" err="1"/>
+              <a:t>from</a:t>
+            </a:r>
+            <a:r>
+              <a:rPr lang="fr-FR" dirty="0"/>
+              <a:t> '../</a:t>
+            </a:r>
+            <a:r>
+              <a:rPr lang="fr-FR" dirty="0" err="1"/>
+              <a:t>hero</a:t>
+            </a:r>
+            <a:r>
+              <a:rPr lang="fr-FR" dirty="0" smtClean="0"/>
+              <a:t>';</a:t>
+            </a:r>
+          </a:p>
+          <a:p>
+            <a:r>
+              <a:rPr lang="fr-FR" dirty="0" smtClean="0"/>
+              <a:t>@</a:t>
+            </a:r>
+            <a:r>
+              <a:rPr lang="fr-FR" dirty="0" err="1" smtClean="0"/>
+              <a:t>angular</a:t>
+            </a:r>
+            <a:r>
+              <a:rPr lang="fr-FR" dirty="0" smtClean="0"/>
+              <a:t> spécifie le répertoire d’installation d’</a:t>
+            </a:r>
+            <a:r>
+              <a:rPr lang="fr-FR" dirty="0" err="1" smtClean="0"/>
+              <a:t>Angular</a:t>
+            </a:r>
+            <a:endParaRPr lang="fr-FR" dirty="0" smtClean="0"/>
+          </a:p>
+          <a:p>
+            <a:pPr lvl="1"/>
+            <a:r>
+              <a:rPr lang="en-US" dirty="0"/>
+              <a:t>import { Component, </a:t>
+            </a:r>
+            <a:r>
+              <a:rPr lang="en-US" dirty="0" err="1"/>
+              <a:t>OnInit</a:t>
+            </a:r>
+            <a:r>
+              <a:rPr lang="en-US" dirty="0"/>
+              <a:t> } from '@angular/core';</a:t>
+            </a:r>
+            <a:endParaRPr lang="fr-FR" dirty="0"/>
+          </a:p>
+        </p:txBody>
+      </p:sp>
+    </p:spTree>
+    <p:extLst>
+      <p:ext uri="{BB962C8B-B14F-4D97-AF65-F5344CB8AC3E}">
+        <p14:creationId xmlns:p14="http://schemas.microsoft.com/office/powerpoint/2010/main" val="1392008351"/>
+      </p:ext>
+    </p:extLst>
+  </p:cSld>
+  <p:clrMapOvr>
+    <a:masterClrMapping/>
+  </p:clrMapOvr>
+</p:sld>
+</file>
+
+<file path=ppt/slides/slide46.xml><?xml version="1.0" encoding="utf-8"?>
+<p:sld xmlns:a="http://schemas.openxmlformats.org/drawingml/2006/main" xmlns:r="http://schemas.openxmlformats.org/officeDocument/2006/relationships" xmlns:p="http://schemas.openxmlformats.org/presentationml/2006/main">
+  <p:cSld>
+    <p:spTree>
+      <p:nvGrpSpPr>
+        <p:cNvPr id="1" name=""/>
+        <p:cNvGrpSpPr/>
+        <p:nvPr/>
+      </p:nvGrpSpPr>
+      <p:grpSpPr>
+        <a:xfrm>
+          <a:off x="0" y="0"/>
+          <a:ext cx="0" cy="0"/>
+          <a:chOff x="0" y="0"/>
+          <a:chExt cx="0" cy="0"/>
+        </a:xfrm>
+      </p:grpSpPr>
+      <p:sp>
+        <p:nvSpPr>
+          <p:cNvPr id="2" name="Titre 1"/>
+          <p:cNvSpPr>
+            <a:spLocks noGrp="1"/>
+          </p:cNvSpPr>
+          <p:nvPr>
+            <p:ph type="title"/>
+          </p:nvPr>
+        </p:nvSpPr>
+        <p:spPr/>
+        <p:txBody>
+          <a:bodyPr/>
+          <a:lstStyle/>
+          <a:p>
+            <a:r>
+              <a:rPr lang="fr-FR" dirty="0" smtClean="0"/>
+              <a:t>prototype</a:t>
+            </a:r>
+            <a:endParaRPr lang="fr-FR" dirty="0"/>
+          </a:p>
+        </p:txBody>
+      </p:sp>
+      <p:sp>
+        <p:nvSpPr>
+          <p:cNvPr id="3" name="Espace réservé du contenu 2"/>
+          <p:cNvSpPr>
+            <a:spLocks noGrp="1"/>
+          </p:cNvSpPr>
+          <p:nvPr>
+            <p:ph idx="1"/>
+          </p:nvPr>
+        </p:nvSpPr>
+        <p:spPr/>
+        <p:txBody>
+          <a:bodyPr/>
+          <a:lstStyle/>
+          <a:p>
+            <a:r>
+              <a:rPr lang="fr-FR" dirty="0" smtClean="0"/>
               <a:t>Prototype permet d’ajouter dynamiquement une </a:t>
             </a:r>
             <a:r>
-              <a:rPr lang="fr-FR" dirty="0" err="1" smtClean="0"/>
-              <a:t>vairable</a:t>
-            </a:r>
-            <a:r>
               <a:rPr lang="fr-FR" dirty="0" smtClean="0"/>
-              <a:t> ou une fonction à une classe existante</a:t>
+              <a:t>variable </a:t>
+            </a:r>
+            <a:r>
+              <a:rPr lang="fr-FR" dirty="0" smtClean="0"/>
+              <a:t>ou une fonction à une classe existante</a:t>
             </a:r>
             <a:endParaRPr lang="fr-FR" dirty="0"/>
           </a:p>
@@ -38692,6 +37629,13 @@
   <p:clrMapOvr>
     <a:masterClrMapping/>
   </p:clrMapOvr>
+  <p:timing>
+    <p:tnLst>
+      <p:par>
+        <p:cTn id="1" dur="indefinite" restart="never" nodeType="tmRoot"/>
+      </p:par>
+    </p:tnLst>
+  </p:timing>
 </p:sld>
 </file>
 
@@ -45116,6 +44060,13 @@
   <p:clrMapOvr>
     <a:masterClrMapping/>
   </p:clrMapOvr>
+  <p:timing>
+    <p:tnLst>
+      <p:par>
+        <p:cTn id="1" dur="indefinite" restart="never" nodeType="tmRoot"/>
+      </p:par>
+    </p:tnLst>
+  </p:timing>
 </p:sld>
 </file>
 

--- a/ppt/angular/Angular09-TSOO.pptx
+++ b/ppt/angular/Angular09-TSOO.pptx
@@ -5,10 +5,10 @@
     <p:sldMasterId id="2147483653" r:id="rId1"/>
   </p:sldMasterIdLst>
   <p:notesMasterIdLst>
-    <p:notesMasterId r:id="rId48"/>
+    <p:notesMasterId r:id="rId49"/>
   </p:notesMasterIdLst>
   <p:handoutMasterIdLst>
-    <p:handoutMasterId r:id="rId49"/>
+    <p:handoutMasterId r:id="rId50"/>
   </p:handoutMasterIdLst>
   <p:sldIdLst>
     <p:sldId id="264" r:id="rId2"/>
@@ -24,39 +24,40 @@
     <p:sldId id="339" r:id="rId12"/>
     <p:sldId id="340" r:id="rId13"/>
     <p:sldId id="341" r:id="rId14"/>
-    <p:sldId id="343" r:id="rId15"/>
-    <p:sldId id="295" r:id="rId16"/>
-    <p:sldId id="296" r:id="rId17"/>
-    <p:sldId id="297" r:id="rId18"/>
-    <p:sldId id="345" r:id="rId19"/>
-    <p:sldId id="298" r:id="rId20"/>
-    <p:sldId id="299" r:id="rId21"/>
-    <p:sldId id="301" r:id="rId22"/>
-    <p:sldId id="335" r:id="rId23"/>
-    <p:sldId id="336" r:id="rId24"/>
-    <p:sldId id="337" r:id="rId25"/>
-    <p:sldId id="342" r:id="rId26"/>
-    <p:sldId id="303" r:id="rId27"/>
-    <p:sldId id="344" r:id="rId28"/>
-    <p:sldId id="309" r:id="rId29"/>
-    <p:sldId id="310" r:id="rId30"/>
-    <p:sldId id="314" r:id="rId31"/>
-    <p:sldId id="315" r:id="rId32"/>
-    <p:sldId id="316" r:id="rId33"/>
-    <p:sldId id="317" r:id="rId34"/>
-    <p:sldId id="318" r:id="rId35"/>
-    <p:sldId id="319" r:id="rId36"/>
-    <p:sldId id="323" r:id="rId37"/>
-    <p:sldId id="325" r:id="rId38"/>
-    <p:sldId id="326" r:id="rId39"/>
-    <p:sldId id="330" r:id="rId40"/>
-    <p:sldId id="331" r:id="rId41"/>
-    <p:sldId id="332" r:id="rId42"/>
-    <p:sldId id="333" r:id="rId43"/>
-    <p:sldId id="346" r:id="rId44"/>
-    <p:sldId id="334" r:id="rId45"/>
-    <p:sldId id="347" r:id="rId46"/>
-    <p:sldId id="284" r:id="rId47"/>
+    <p:sldId id="348" r:id="rId15"/>
+    <p:sldId id="343" r:id="rId16"/>
+    <p:sldId id="295" r:id="rId17"/>
+    <p:sldId id="296" r:id="rId18"/>
+    <p:sldId id="297" r:id="rId19"/>
+    <p:sldId id="345" r:id="rId20"/>
+    <p:sldId id="298" r:id="rId21"/>
+    <p:sldId id="299" r:id="rId22"/>
+    <p:sldId id="301" r:id="rId23"/>
+    <p:sldId id="335" r:id="rId24"/>
+    <p:sldId id="336" r:id="rId25"/>
+    <p:sldId id="337" r:id="rId26"/>
+    <p:sldId id="342" r:id="rId27"/>
+    <p:sldId id="303" r:id="rId28"/>
+    <p:sldId id="344" r:id="rId29"/>
+    <p:sldId id="309" r:id="rId30"/>
+    <p:sldId id="310" r:id="rId31"/>
+    <p:sldId id="314" r:id="rId32"/>
+    <p:sldId id="315" r:id="rId33"/>
+    <p:sldId id="316" r:id="rId34"/>
+    <p:sldId id="317" r:id="rId35"/>
+    <p:sldId id="318" r:id="rId36"/>
+    <p:sldId id="319" r:id="rId37"/>
+    <p:sldId id="323" r:id="rId38"/>
+    <p:sldId id="325" r:id="rId39"/>
+    <p:sldId id="326" r:id="rId40"/>
+    <p:sldId id="330" r:id="rId41"/>
+    <p:sldId id="331" r:id="rId42"/>
+    <p:sldId id="332" r:id="rId43"/>
+    <p:sldId id="333" r:id="rId44"/>
+    <p:sldId id="346" r:id="rId45"/>
+    <p:sldId id="334" r:id="rId46"/>
+    <p:sldId id="347" r:id="rId47"/>
+    <p:sldId id="284" r:id="rId48"/>
   </p:sldIdLst>
   <p:sldSz cx="9144000" cy="6858000" type="screen4x3"/>
   <p:notesSz cx="6648450" cy="9782175"/>
@@ -1751,7 +1752,7 @@
                   <a:spcPct val="0"/>
                 </a:spcBef>
               </a:pPr>
-              <a:t>16</a:t>
+              <a:t>17</a:t>
             </a:fld>
             <a:endParaRPr lang="fr-FR" altLang="fr-FR" sz="800"/>
           </a:p>
@@ -2256,7 +2257,7 @@
                   <a:spcPct val="0"/>
                 </a:spcBef>
               </a:pPr>
-              <a:t>17</a:t>
+              <a:t>18</a:t>
             </a:fld>
             <a:endParaRPr lang="fr-FR" altLang="fr-FR" sz="800"/>
           </a:p>
@@ -2716,7 +2717,7 @@
                   <a:spcPct val="0"/>
                 </a:spcBef>
               </a:pPr>
-              <a:t>19</a:t>
+              <a:t>20</a:t>
             </a:fld>
             <a:endParaRPr lang="fr-FR" altLang="fr-FR" sz="800"/>
           </a:p>
@@ -3217,7 +3218,7 @@
                   <a:spcPct val="0"/>
                 </a:spcBef>
               </a:pPr>
-              <a:t>20</a:t>
+              <a:t>21</a:t>
             </a:fld>
             <a:endParaRPr lang="fr-FR" altLang="fr-FR" sz="800"/>
           </a:p>
@@ -3680,7 +3681,7 @@
                   <a:spcPct val="0"/>
                 </a:spcBef>
               </a:pPr>
-              <a:t>21</a:t>
+              <a:t>22</a:t>
             </a:fld>
             <a:endParaRPr lang="fr-FR" altLang="fr-FR" sz="800"/>
           </a:p>
@@ -4216,7 +4217,7 @@
                   <a:spcPct val="0"/>
                 </a:spcBef>
               </a:pPr>
-              <a:t>26</a:t>
+              <a:t>27</a:t>
             </a:fld>
             <a:endParaRPr lang="fr-FR" altLang="fr-FR" sz="800"/>
           </a:p>
@@ -4706,7 +4707,7 @@
                   <a:spcPct val="0"/>
                 </a:spcBef>
               </a:pPr>
-              <a:t>28</a:t>
+              <a:t>29</a:t>
             </a:fld>
             <a:endParaRPr lang="fr-FR" altLang="fr-FR" sz="800"/>
           </a:p>
@@ -5309,7 +5310,7 @@
                   <a:spcPct val="0"/>
                 </a:spcBef>
               </a:pPr>
-              <a:t>30</a:t>
+              <a:t>31</a:t>
             </a:fld>
             <a:endParaRPr lang="fr-FR" altLang="fr-FR" sz="800"/>
           </a:p>
@@ -5755,7 +5756,7 @@
                   <a:spcPct val="0"/>
                 </a:spcBef>
               </a:pPr>
-              <a:t>31</a:t>
+              <a:t>32</a:t>
             </a:fld>
             <a:endParaRPr lang="fr-FR" altLang="fr-FR" sz="800"/>
           </a:p>
@@ -6252,7 +6253,7 @@
                   <a:spcPct val="0"/>
                 </a:spcBef>
               </a:pPr>
-              <a:t>32</a:t>
+              <a:t>33</a:t>
             </a:fld>
             <a:endParaRPr lang="fr-FR" altLang="fr-FR" sz="800"/>
           </a:p>
@@ -7284,7 +7285,7 @@
                   <a:spcPct val="0"/>
                 </a:spcBef>
               </a:pPr>
-              <a:t>33</a:t>
+              <a:t>34</a:t>
             </a:fld>
             <a:endParaRPr lang="fr-FR" altLang="fr-FR" sz="800"/>
           </a:p>
@@ -7877,7 +7878,7 @@
                   <a:spcPct val="0"/>
                 </a:spcBef>
               </a:pPr>
-              <a:t>34</a:t>
+              <a:t>35</a:t>
             </a:fld>
             <a:endParaRPr lang="fr-FR" altLang="fr-FR" sz="800"/>
           </a:p>
@@ -8323,7 +8324,7 @@
                   <a:spcPct val="0"/>
                 </a:spcBef>
               </a:pPr>
-              <a:t>35</a:t>
+              <a:t>36</a:t>
             </a:fld>
             <a:endParaRPr lang="fr-FR" altLang="fr-FR" sz="800"/>
           </a:p>
@@ -8955,7 +8956,7 @@
                   <a:spcPct val="0"/>
                 </a:spcBef>
               </a:pPr>
-              <a:t>36</a:t>
+              <a:t>37</a:t>
             </a:fld>
             <a:endParaRPr lang="fr-FR" altLang="fr-FR" sz="800"/>
           </a:p>
@@ -9452,7 +9453,7 @@
                   <a:spcPct val="0"/>
                 </a:spcBef>
               </a:pPr>
-              <a:t>37</a:t>
+              <a:t>38</a:t>
             </a:fld>
             <a:endParaRPr lang="fr-FR" altLang="fr-FR" sz="800"/>
           </a:p>
@@ -9916,7 +9917,7 @@
                   <a:spcPct val="0"/>
                 </a:spcBef>
               </a:pPr>
-              <a:t>38</a:t>
+              <a:t>39</a:t>
             </a:fld>
             <a:endParaRPr lang="fr-FR" altLang="fr-FR" sz="800"/>
           </a:p>
@@ -10476,7 +10477,7 @@
                   <a:spcPct val="0"/>
                 </a:spcBef>
               </a:pPr>
-              <a:t>39</a:t>
+              <a:t>40</a:t>
             </a:fld>
             <a:endParaRPr lang="fr-FR" altLang="fr-FR" sz="800"/>
           </a:p>
@@ -10968,7 +10969,7 @@
                   <a:spcPct val="0"/>
                 </a:spcBef>
               </a:pPr>
-              <a:t>40</a:t>
+              <a:t>41</a:t>
             </a:fld>
             <a:endParaRPr lang="fr-FR" altLang="fr-FR" sz="800"/>
           </a:p>
@@ -11414,7 +11415,7 @@
                   <a:spcPct val="0"/>
                 </a:spcBef>
               </a:pPr>
-              <a:t>41</a:t>
+              <a:t>42</a:t>
             </a:fld>
             <a:endParaRPr lang="fr-FR" altLang="fr-FR" sz="800"/>
           </a:p>
@@ -11888,7 +11889,7 @@
                   <a:spcPct val="0"/>
                 </a:spcBef>
               </a:pPr>
-              <a:t>42</a:t>
+              <a:t>43</a:t>
             </a:fld>
             <a:endParaRPr lang="fr-FR" altLang="fr-FR" sz="800"/>
           </a:p>
@@ -15199,7 +15200,7 @@
                   <a:spcPct val="0"/>
                 </a:spcBef>
               </a:pPr>
-              <a:t>15</a:t>
+              <a:t>16</a:t>
             </a:fld>
             <a:endParaRPr lang="fr-FR" altLang="fr-FR" sz="800"/>
           </a:p>
@@ -18780,7 +18781,7 @@
           <a:p>
             <a:r>
               <a:rPr lang="fr-FR" dirty="0" smtClean="0"/>
-              <a:t>Constructeur JSON</a:t>
+              <a:t>Constructeur prototypé</a:t>
             </a:r>
             <a:endParaRPr lang="fr-FR" dirty="0"/>
           </a:p>
@@ -18803,20 +18804,179 @@
           <a:p>
             <a:r>
               <a:rPr lang="fr-FR" dirty="0" smtClean="0"/>
+              <a:t>Un constructeur prototypé permet de simplifié l’écriture d’un constructeur</a:t>
+            </a:r>
+          </a:p>
+          <a:p>
+            <a:r>
+              <a:rPr lang="fr-FR" dirty="0" smtClean="0"/>
+              <a:t>Exemple</a:t>
+            </a:r>
+          </a:p>
+          <a:p>
+            <a:pPr lvl="1"/>
+            <a:r>
+              <a:rPr lang="fr-FR" dirty="0" err="1"/>
+              <a:t>constructor</a:t>
+            </a:r>
+            <a:r>
+              <a:rPr lang="fr-FR" dirty="0"/>
+              <a:t>(</a:t>
+            </a:r>
+            <a:r>
+              <a:rPr lang="fr-FR" dirty="0" err="1"/>
+              <a:t>private</a:t>
+            </a:r>
+            <a:r>
+              <a:rPr lang="fr-FR" dirty="0"/>
+              <a:t> </a:t>
+            </a:r>
+            <a:r>
+              <a:rPr lang="fr-FR" dirty="0" err="1"/>
+              <a:t>heroService</a:t>
+            </a:r>
+            <a:r>
+              <a:rPr lang="fr-FR" dirty="0"/>
+              <a:t>: </a:t>
+            </a:r>
+            <a:r>
+              <a:rPr lang="fr-FR" dirty="0" err="1"/>
+              <a:t>HeroService</a:t>
+            </a:r>
+            <a:r>
+              <a:rPr lang="fr-FR" dirty="0"/>
+              <a:t>) { </a:t>
+            </a:r>
+            <a:r>
+              <a:rPr lang="fr-FR" dirty="0" smtClean="0"/>
+              <a:t>}</a:t>
+            </a:r>
+          </a:p>
+          <a:p>
+            <a:pPr lvl="1"/>
+            <a:r>
+              <a:rPr lang="fr-FR" dirty="0" smtClean="0"/>
+              <a:t>Créer l’attribut </a:t>
+            </a:r>
+            <a:r>
+              <a:rPr lang="fr-FR" dirty="0" err="1" smtClean="0"/>
+              <a:t>private</a:t>
+            </a:r>
+            <a:r>
+              <a:rPr lang="fr-FR" dirty="0" smtClean="0"/>
+              <a:t> </a:t>
+            </a:r>
+            <a:r>
+              <a:rPr lang="fr-FR" dirty="0" err="1" smtClean="0"/>
+              <a:t>heroService</a:t>
+            </a:r>
+            <a:r>
+              <a:rPr lang="fr-FR" dirty="0" smtClean="0"/>
+              <a:t> et l’affecte</a:t>
+            </a:r>
+          </a:p>
+          <a:p>
+            <a:pPr lvl="1"/>
+            <a:r>
+              <a:rPr lang="fr-FR" dirty="0" smtClean="0"/>
+              <a:t>Peut avoir </a:t>
+            </a:r>
+            <a:r>
+              <a:rPr lang="fr-FR" smtClean="0"/>
+              <a:t>plusieurs paramètres</a:t>
+            </a:r>
+            <a:endParaRPr lang="fr-FR" dirty="0"/>
+          </a:p>
+        </p:txBody>
+      </p:sp>
+    </p:spTree>
+    <p:extLst>
+      <p:ext uri="{BB962C8B-B14F-4D97-AF65-F5344CB8AC3E}">
+        <p14:creationId xmlns:p14="http://schemas.microsoft.com/office/powerpoint/2010/main" val="377123384"/>
+      </p:ext>
+    </p:extLst>
+  </p:cSld>
+  <p:clrMapOvr>
+    <a:masterClrMapping/>
+  </p:clrMapOvr>
+</p:sld>
+</file>
+
+<file path=ppt/slides/slide15.xml><?xml version="1.0" encoding="utf-8"?>
+<p:sld xmlns:a="http://schemas.openxmlformats.org/drawingml/2006/main" xmlns:r="http://schemas.openxmlformats.org/officeDocument/2006/relationships" xmlns:p="http://schemas.openxmlformats.org/presentationml/2006/main">
+  <p:cSld>
+    <p:spTree>
+      <p:nvGrpSpPr>
+        <p:cNvPr id="1" name=""/>
+        <p:cNvGrpSpPr/>
+        <p:nvPr/>
+      </p:nvGrpSpPr>
+      <p:grpSpPr>
+        <a:xfrm>
+          <a:off x="0" y="0"/>
+          <a:ext cx="0" cy="0"/>
+          <a:chOff x="0" y="0"/>
+          <a:chExt cx="0" cy="0"/>
+        </a:xfrm>
+      </p:grpSpPr>
+      <p:sp>
+        <p:nvSpPr>
+          <p:cNvPr id="2" name="Titre 1"/>
+          <p:cNvSpPr>
+            <a:spLocks noGrp="1"/>
+          </p:cNvSpPr>
+          <p:nvPr>
+            <p:ph type="title"/>
+          </p:nvPr>
+        </p:nvSpPr>
+        <p:spPr/>
+        <p:txBody>
+          <a:bodyPr/>
+          <a:lstStyle/>
+          <a:p>
+            <a:r>
+              <a:rPr lang="fr-FR" dirty="0" smtClean="0"/>
+              <a:t>Constructeur JSON</a:t>
+            </a:r>
+            <a:endParaRPr lang="fr-FR" dirty="0"/>
+          </a:p>
+        </p:txBody>
+      </p:sp>
+      <p:sp>
+        <p:nvSpPr>
+          <p:cNvPr id="3" name="Espace réservé du contenu 2"/>
+          <p:cNvSpPr>
+            <a:spLocks noGrp="1"/>
+          </p:cNvSpPr>
+          <p:nvPr>
+            <p:ph idx="1"/>
+          </p:nvPr>
+        </p:nvSpPr>
+        <p:spPr/>
+        <p:txBody>
+          <a:bodyPr/>
+          <a:lstStyle/>
+          <a:p>
+            <a:r>
+              <a:rPr lang="fr-FR" dirty="0" smtClean="0"/>
               <a:t>Initialiseur d’objets simplifié avec JSON</a:t>
             </a:r>
           </a:p>
           <a:p>
             <a:r>
               <a:rPr lang="fr-FR" dirty="0" smtClean="0"/>
-              <a:t>Très utilisés</a:t>
+              <a:t>Uniquement pour les entités et TO</a:t>
             </a:r>
           </a:p>
           <a:p>
             <a:pPr lvl="1"/>
             <a:r>
               <a:rPr lang="fr-FR" dirty="0" smtClean="0"/>
-              <a:t>Les constructeurs standards deviennent rare</a:t>
+              <a:t>Non compatible avec des classes possédant </a:t>
+            </a:r>
+            <a:r>
+              <a:rPr lang="fr-FR" smtClean="0"/>
+              <a:t>des méthodes</a:t>
             </a:r>
             <a:endParaRPr lang="fr-FR" dirty="0"/>
           </a:p>
@@ -18866,7 +19026,7 @@
 </p:sld>
 </file>
 
-<file path=ppt/slides/slide15.xml><?xml version="1.0" encoding="utf-8"?>
+<file path=ppt/slides/slide16.xml><?xml version="1.0" encoding="utf-8"?>
 <p:sld xmlns:a="http://schemas.openxmlformats.org/drawingml/2006/main" xmlns:r="http://schemas.openxmlformats.org/officeDocument/2006/relationships" xmlns:p="http://schemas.openxmlformats.org/presentationml/2006/main">
   <p:cSld>
     <p:spTree>
@@ -19884,7 +20044,7 @@
 </p:sld>
 </file>
 
-<file path=ppt/slides/slide16.xml><?xml version="1.0" encoding="utf-8"?>
+<file path=ppt/slides/slide17.xml><?xml version="1.0" encoding="utf-8"?>
 <p:sld xmlns:a="http://schemas.openxmlformats.org/drawingml/2006/main" xmlns:r="http://schemas.openxmlformats.org/officeDocument/2006/relationships" xmlns:p="http://schemas.openxmlformats.org/presentationml/2006/main">
   <p:cSld>
     <p:spTree>
@@ -21575,7 +21735,7 @@
 </p:sld>
 </file>
 
-<file path=ppt/slides/slide17.xml><?xml version="1.0" encoding="utf-8"?>
+<file path=ppt/slides/slide18.xml><?xml version="1.0" encoding="utf-8"?>
 <p:sld xmlns:a="http://schemas.openxmlformats.org/drawingml/2006/main" xmlns:r="http://schemas.openxmlformats.org/officeDocument/2006/relationships" xmlns:p="http://schemas.openxmlformats.org/presentationml/2006/main">
   <p:cSld>
     <p:spTree>
@@ -21864,7 +22024,7 @@
 </p:sld>
 </file>
 
-<file path=ppt/slides/slide18.xml><?xml version="1.0" encoding="utf-8"?>
+<file path=ppt/slides/slide19.xml><?xml version="1.0" encoding="utf-8"?>
 <p:sld xmlns:a="http://schemas.openxmlformats.org/drawingml/2006/main" xmlns:r="http://schemas.openxmlformats.org/officeDocument/2006/relationships" xmlns:p="http://schemas.openxmlformats.org/presentationml/2006/main">
   <p:cSld>
     <p:spTree>
@@ -21961,290 +22121,6 @@
     <p:extLst>
       <p:ext uri="{BB962C8B-B14F-4D97-AF65-F5344CB8AC3E}">
         <p14:creationId xmlns:p14="http://schemas.microsoft.com/office/powerpoint/2010/main" val="2740923626"/>
-      </p:ext>
-    </p:extLst>
-  </p:cSld>
-  <p:clrMapOvr>
-    <a:masterClrMapping/>
-  </p:clrMapOvr>
-  <p:timing>
-    <p:tnLst>
-      <p:par>
-        <p:cTn id="1" dur="indefinite" restart="never" nodeType="tmRoot"/>
-      </p:par>
-    </p:tnLst>
-  </p:timing>
-</p:sld>
-</file>
-
-<file path=ppt/slides/slide19.xml><?xml version="1.0" encoding="utf-8"?>
-<p:sld xmlns:a="http://schemas.openxmlformats.org/drawingml/2006/main" xmlns:r="http://schemas.openxmlformats.org/officeDocument/2006/relationships" xmlns:p="http://schemas.openxmlformats.org/presentationml/2006/main">
-  <p:cSld>
-    <p:spTree>
-      <p:nvGrpSpPr>
-        <p:cNvPr id="1" name=""/>
-        <p:cNvGrpSpPr/>
-        <p:nvPr/>
-      </p:nvGrpSpPr>
-      <p:grpSpPr>
-        <a:xfrm>
-          <a:off x="0" y="0"/>
-          <a:ext cx="0" cy="0"/>
-          <a:chOff x="0" y="0"/>
-          <a:chExt cx="0" cy="0"/>
-        </a:xfrm>
-      </p:grpSpPr>
-      <p:sp>
-        <p:nvSpPr>
-          <p:cNvPr id="15363" name="Rectangle 3"/>
-          <p:cNvSpPr>
-            <a:spLocks noGrp="1" noChangeArrowheads="1"/>
-          </p:cNvSpPr>
-          <p:nvPr>
-            <p:ph type="title"/>
-          </p:nvPr>
-        </p:nvSpPr>
-        <p:spPr/>
-        <p:txBody>
-          <a:bodyPr/>
-          <a:lstStyle/>
-          <a:p>
-            <a:pPr eaLnBrk="1" hangingPunct="1"/>
-            <a:r>
-              <a:rPr lang="fr-FR" altLang="fr-FR" smtClean="0"/>
-              <a:t>Les classes – Méthodes d’accès aux attributs</a:t>
-            </a:r>
-          </a:p>
-        </p:txBody>
-      </p:sp>
-      <p:sp>
-        <p:nvSpPr>
-          <p:cNvPr id="3" name="Espace réservé du contenu 2"/>
-          <p:cNvSpPr txBox="1">
-            <a:spLocks/>
-          </p:cNvSpPr>
-          <p:nvPr/>
-        </p:nvSpPr>
-        <p:spPr bwMode="auto">
-          <a:xfrm>
-            <a:off x="179513" y="1344538"/>
-            <a:ext cx="3960439" cy="5040560"/>
-          </a:xfrm>
-          <a:prstGeom prst="rect">
-            <a:avLst/>
-          </a:prstGeom>
-          <a:noFill/>
-          <a:ln>
-            <a:noFill/>
-          </a:ln>
-          <a:extLst>
-            <a:ext uri="{909E8E84-426E-40DD-AFC4-6F175D3DCCD1}">
-              <a14:hiddenFill xmlns:a14="http://schemas.microsoft.com/office/drawing/2010/main">
-                <a:solidFill>
-                  <a:srgbClr val="FFFFFF"/>
-                </a:solidFill>
-              </a14:hiddenFill>
-            </a:ext>
-            <a:ext uri="{91240B29-F687-4F45-9708-019B960494DF}">
-              <a14:hiddenLine xmlns:a14="http://schemas.microsoft.com/office/drawing/2010/main" w="9525">
-                <a:solidFill>
-                  <a:srgbClr val="000000"/>
-                </a:solidFill>
-                <a:miter lim="800000"/>
-                <a:headEnd/>
-                <a:tailEnd/>
-              </a14:hiddenLine>
-            </a:ext>
-          </a:extLst>
-        </p:spPr>
-        <p:txBody>
-          <a:bodyPr vert="horz" wrap="square" lIns="91440" tIns="45720" rIns="91440" bIns="45720" numCol="1" anchor="t" anchorCtr="0" compatLnSpc="1">
-            <a:prstTxWarp prst="textNoShape">
-              <a:avLst/>
-            </a:prstTxWarp>
-          </a:bodyPr>
-          <a:lstStyle>
-            <a:lvl1pPr marL="342900" indent="-342900" algn="l" rtl="0" eaLnBrk="0" fontAlgn="base" hangingPunct="0">
-              <a:spcBef>
-                <a:spcPct val="20000"/>
-              </a:spcBef>
-              <a:spcAft>
-                <a:spcPct val="0"/>
-              </a:spcAft>
-              <a:buClr>
-                <a:schemeClr val="tx1"/>
-              </a:buClr>
-              <a:buFont typeface="Monotype Sorts" pitchFamily="2" charset="2"/>
-              <a:buChar char="o"/>
-              <a:defRPr sz="2800">
-                <a:solidFill>
-                  <a:schemeClr val="tx1"/>
-                </a:solidFill>
-                <a:latin typeface="+mn-lt"/>
-                <a:ea typeface="+mn-ea"/>
-                <a:cs typeface="+mn-cs"/>
-              </a:defRPr>
-            </a:lvl1pPr>
-            <a:lvl2pPr marL="742950" indent="-285750" algn="l" rtl="0" eaLnBrk="0" fontAlgn="base" hangingPunct="0">
-              <a:spcBef>
-                <a:spcPct val="20000"/>
-              </a:spcBef>
-              <a:spcAft>
-                <a:spcPct val="0"/>
-              </a:spcAft>
-              <a:buChar char="–"/>
-              <a:defRPr sz="2400">
-                <a:solidFill>
-                  <a:schemeClr val="tx1"/>
-                </a:solidFill>
-                <a:latin typeface="+mn-lt"/>
-              </a:defRPr>
-            </a:lvl2pPr>
-            <a:lvl3pPr marL="1143000" indent="-228600" algn="l" rtl="0" eaLnBrk="0" fontAlgn="base" hangingPunct="0">
-              <a:spcBef>
-                <a:spcPct val="20000"/>
-              </a:spcBef>
-              <a:spcAft>
-                <a:spcPct val="0"/>
-              </a:spcAft>
-              <a:buChar char="•"/>
-              <a:defRPr sz="2000">
-                <a:solidFill>
-                  <a:schemeClr val="tx1"/>
-                </a:solidFill>
-                <a:latin typeface="+mn-lt"/>
-              </a:defRPr>
-            </a:lvl3pPr>
-            <a:lvl4pPr marL="1600200" indent="-228600" algn="l" rtl="0" eaLnBrk="0" fontAlgn="base" hangingPunct="0">
-              <a:spcBef>
-                <a:spcPct val="20000"/>
-              </a:spcBef>
-              <a:spcAft>
-                <a:spcPct val="0"/>
-              </a:spcAft>
-              <a:buChar char="–"/>
-              <a:defRPr>
-                <a:solidFill>
-                  <a:schemeClr val="tx1"/>
-                </a:solidFill>
-                <a:latin typeface="+mn-lt"/>
-              </a:defRPr>
-            </a:lvl4pPr>
-            <a:lvl5pPr marL="2057400" indent="-228600" algn="l" rtl="0" eaLnBrk="0" fontAlgn="base" hangingPunct="0">
-              <a:spcBef>
-                <a:spcPct val="20000"/>
-              </a:spcBef>
-              <a:spcAft>
-                <a:spcPct val="0"/>
-              </a:spcAft>
-              <a:buChar char="»"/>
-              <a:defRPr sz="1600">
-                <a:solidFill>
-                  <a:schemeClr val="tx1"/>
-                </a:solidFill>
-                <a:latin typeface="+mn-lt"/>
-              </a:defRPr>
-            </a:lvl5pPr>
-            <a:lvl6pPr marL="2514600" indent="-228600" algn="l" rtl="0" fontAlgn="base">
-              <a:spcBef>
-                <a:spcPct val="20000"/>
-              </a:spcBef>
-              <a:spcAft>
-                <a:spcPct val="0"/>
-              </a:spcAft>
-              <a:buChar char="»"/>
-              <a:defRPr sz="1600">
-                <a:solidFill>
-                  <a:schemeClr val="tx1"/>
-                </a:solidFill>
-                <a:latin typeface="+mn-lt"/>
-              </a:defRPr>
-            </a:lvl6pPr>
-            <a:lvl7pPr marL="2971800" indent="-228600" algn="l" rtl="0" fontAlgn="base">
-              <a:spcBef>
-                <a:spcPct val="20000"/>
-              </a:spcBef>
-              <a:spcAft>
-                <a:spcPct val="0"/>
-              </a:spcAft>
-              <a:buChar char="»"/>
-              <a:defRPr sz="1600">
-                <a:solidFill>
-                  <a:schemeClr val="tx1"/>
-                </a:solidFill>
-                <a:latin typeface="+mn-lt"/>
-              </a:defRPr>
-            </a:lvl7pPr>
-            <a:lvl8pPr marL="3429000" indent="-228600" algn="l" rtl="0" fontAlgn="base">
-              <a:spcBef>
-                <a:spcPct val="20000"/>
-              </a:spcBef>
-              <a:spcAft>
-                <a:spcPct val="0"/>
-              </a:spcAft>
-              <a:buChar char="»"/>
-              <a:defRPr sz="1600">
-                <a:solidFill>
-                  <a:schemeClr val="tx1"/>
-                </a:solidFill>
-                <a:latin typeface="+mn-lt"/>
-              </a:defRPr>
-            </a:lvl8pPr>
-            <a:lvl9pPr marL="3886200" indent="-228600" algn="l" rtl="0" fontAlgn="base">
-              <a:spcBef>
-                <a:spcPct val="20000"/>
-              </a:spcBef>
-              <a:spcAft>
-                <a:spcPct val="0"/>
-              </a:spcAft>
-              <a:buChar char="»"/>
-              <a:defRPr sz="1600">
-                <a:solidFill>
-                  <a:schemeClr val="tx1"/>
-                </a:solidFill>
-                <a:latin typeface="+mn-lt"/>
-              </a:defRPr>
-            </a:lvl9pPr>
-          </a:lstStyle>
-          <a:p>
-            <a:r>
-              <a:rPr lang="fr-FR" kern="0" dirty="0" smtClean="0"/>
-              <a:t>Les getters permettent d’accéder à des attributs en lecture</a:t>
-            </a:r>
-            <a:endParaRPr lang="fr-FR" kern="0" dirty="0"/>
-          </a:p>
-        </p:txBody>
-      </p:sp>
-      <p:pic>
-        <p:nvPicPr>
-          <p:cNvPr id="4" name="Espace réservé du contenu 3"/>
-          <p:cNvPicPr>
-            <a:picLocks noGrp="1" noChangeAspect="1"/>
-          </p:cNvPicPr>
-          <p:nvPr>
-            <p:ph idx="1"/>
-          </p:nvPr>
-        </p:nvPicPr>
-        <p:blipFill>
-          <a:blip r:embed="rId3"/>
-          <a:stretch>
-            <a:fillRect/>
-          </a:stretch>
-        </p:blipFill>
-        <p:spPr>
-          <a:xfrm>
-            <a:off x="4283968" y="1156210"/>
-            <a:ext cx="5040560" cy="8114074"/>
-          </a:xfrm>
-          <a:prstGeom prst="rect">
-            <a:avLst/>
-          </a:prstGeom>
-        </p:spPr>
-      </p:pic>
-    </p:spTree>
-    <p:extLst>
-      <p:ext uri="{BB962C8B-B14F-4D97-AF65-F5344CB8AC3E}">
-        <p14:creationId xmlns:p14="http://schemas.microsoft.com/office/powerpoint/2010/main" val="860128506"/>
       </p:ext>
     </p:extLst>
   </p:cSld>
@@ -23024,6 +22900,290 @@
 </file>
 
 <file path=ppt/slides/slide20.xml><?xml version="1.0" encoding="utf-8"?>
+<p:sld xmlns:a="http://schemas.openxmlformats.org/drawingml/2006/main" xmlns:r="http://schemas.openxmlformats.org/officeDocument/2006/relationships" xmlns:p="http://schemas.openxmlformats.org/presentationml/2006/main">
+  <p:cSld>
+    <p:spTree>
+      <p:nvGrpSpPr>
+        <p:cNvPr id="1" name=""/>
+        <p:cNvGrpSpPr/>
+        <p:nvPr/>
+      </p:nvGrpSpPr>
+      <p:grpSpPr>
+        <a:xfrm>
+          <a:off x="0" y="0"/>
+          <a:ext cx="0" cy="0"/>
+          <a:chOff x="0" y="0"/>
+          <a:chExt cx="0" cy="0"/>
+        </a:xfrm>
+      </p:grpSpPr>
+      <p:sp>
+        <p:nvSpPr>
+          <p:cNvPr id="15363" name="Rectangle 3"/>
+          <p:cNvSpPr>
+            <a:spLocks noGrp="1" noChangeArrowheads="1"/>
+          </p:cNvSpPr>
+          <p:nvPr>
+            <p:ph type="title"/>
+          </p:nvPr>
+        </p:nvSpPr>
+        <p:spPr/>
+        <p:txBody>
+          <a:bodyPr/>
+          <a:lstStyle/>
+          <a:p>
+            <a:pPr eaLnBrk="1" hangingPunct="1"/>
+            <a:r>
+              <a:rPr lang="fr-FR" altLang="fr-FR" smtClean="0"/>
+              <a:t>Les classes – Méthodes d’accès aux attributs</a:t>
+            </a:r>
+          </a:p>
+        </p:txBody>
+      </p:sp>
+      <p:sp>
+        <p:nvSpPr>
+          <p:cNvPr id="3" name="Espace réservé du contenu 2"/>
+          <p:cNvSpPr txBox="1">
+            <a:spLocks/>
+          </p:cNvSpPr>
+          <p:nvPr/>
+        </p:nvSpPr>
+        <p:spPr bwMode="auto">
+          <a:xfrm>
+            <a:off x="179513" y="1344538"/>
+            <a:ext cx="3960439" cy="5040560"/>
+          </a:xfrm>
+          <a:prstGeom prst="rect">
+            <a:avLst/>
+          </a:prstGeom>
+          <a:noFill/>
+          <a:ln>
+            <a:noFill/>
+          </a:ln>
+          <a:extLst>
+            <a:ext uri="{909E8E84-426E-40DD-AFC4-6F175D3DCCD1}">
+              <a14:hiddenFill xmlns:a14="http://schemas.microsoft.com/office/drawing/2010/main">
+                <a:solidFill>
+                  <a:srgbClr val="FFFFFF"/>
+                </a:solidFill>
+              </a14:hiddenFill>
+            </a:ext>
+            <a:ext uri="{91240B29-F687-4F45-9708-019B960494DF}">
+              <a14:hiddenLine xmlns:a14="http://schemas.microsoft.com/office/drawing/2010/main" w="9525">
+                <a:solidFill>
+                  <a:srgbClr val="000000"/>
+                </a:solidFill>
+                <a:miter lim="800000"/>
+                <a:headEnd/>
+                <a:tailEnd/>
+              </a14:hiddenLine>
+            </a:ext>
+          </a:extLst>
+        </p:spPr>
+        <p:txBody>
+          <a:bodyPr vert="horz" wrap="square" lIns="91440" tIns="45720" rIns="91440" bIns="45720" numCol="1" anchor="t" anchorCtr="0" compatLnSpc="1">
+            <a:prstTxWarp prst="textNoShape">
+              <a:avLst/>
+            </a:prstTxWarp>
+          </a:bodyPr>
+          <a:lstStyle>
+            <a:lvl1pPr marL="342900" indent="-342900" algn="l" rtl="0" eaLnBrk="0" fontAlgn="base" hangingPunct="0">
+              <a:spcBef>
+                <a:spcPct val="20000"/>
+              </a:spcBef>
+              <a:spcAft>
+                <a:spcPct val="0"/>
+              </a:spcAft>
+              <a:buClr>
+                <a:schemeClr val="tx1"/>
+              </a:buClr>
+              <a:buFont typeface="Monotype Sorts" pitchFamily="2" charset="2"/>
+              <a:buChar char="o"/>
+              <a:defRPr sz="2800">
+                <a:solidFill>
+                  <a:schemeClr val="tx1"/>
+                </a:solidFill>
+                <a:latin typeface="+mn-lt"/>
+                <a:ea typeface="+mn-ea"/>
+                <a:cs typeface="+mn-cs"/>
+              </a:defRPr>
+            </a:lvl1pPr>
+            <a:lvl2pPr marL="742950" indent="-285750" algn="l" rtl="0" eaLnBrk="0" fontAlgn="base" hangingPunct="0">
+              <a:spcBef>
+                <a:spcPct val="20000"/>
+              </a:spcBef>
+              <a:spcAft>
+                <a:spcPct val="0"/>
+              </a:spcAft>
+              <a:buChar char="–"/>
+              <a:defRPr sz="2400">
+                <a:solidFill>
+                  <a:schemeClr val="tx1"/>
+                </a:solidFill>
+                <a:latin typeface="+mn-lt"/>
+              </a:defRPr>
+            </a:lvl2pPr>
+            <a:lvl3pPr marL="1143000" indent="-228600" algn="l" rtl="0" eaLnBrk="0" fontAlgn="base" hangingPunct="0">
+              <a:spcBef>
+                <a:spcPct val="20000"/>
+              </a:spcBef>
+              <a:spcAft>
+                <a:spcPct val="0"/>
+              </a:spcAft>
+              <a:buChar char="•"/>
+              <a:defRPr sz="2000">
+                <a:solidFill>
+                  <a:schemeClr val="tx1"/>
+                </a:solidFill>
+                <a:latin typeface="+mn-lt"/>
+              </a:defRPr>
+            </a:lvl3pPr>
+            <a:lvl4pPr marL="1600200" indent="-228600" algn="l" rtl="0" eaLnBrk="0" fontAlgn="base" hangingPunct="0">
+              <a:spcBef>
+                <a:spcPct val="20000"/>
+              </a:spcBef>
+              <a:spcAft>
+                <a:spcPct val="0"/>
+              </a:spcAft>
+              <a:buChar char="–"/>
+              <a:defRPr>
+                <a:solidFill>
+                  <a:schemeClr val="tx1"/>
+                </a:solidFill>
+                <a:latin typeface="+mn-lt"/>
+              </a:defRPr>
+            </a:lvl4pPr>
+            <a:lvl5pPr marL="2057400" indent="-228600" algn="l" rtl="0" eaLnBrk="0" fontAlgn="base" hangingPunct="0">
+              <a:spcBef>
+                <a:spcPct val="20000"/>
+              </a:spcBef>
+              <a:spcAft>
+                <a:spcPct val="0"/>
+              </a:spcAft>
+              <a:buChar char="»"/>
+              <a:defRPr sz="1600">
+                <a:solidFill>
+                  <a:schemeClr val="tx1"/>
+                </a:solidFill>
+                <a:latin typeface="+mn-lt"/>
+              </a:defRPr>
+            </a:lvl5pPr>
+            <a:lvl6pPr marL="2514600" indent="-228600" algn="l" rtl="0" fontAlgn="base">
+              <a:spcBef>
+                <a:spcPct val="20000"/>
+              </a:spcBef>
+              <a:spcAft>
+                <a:spcPct val="0"/>
+              </a:spcAft>
+              <a:buChar char="»"/>
+              <a:defRPr sz="1600">
+                <a:solidFill>
+                  <a:schemeClr val="tx1"/>
+                </a:solidFill>
+                <a:latin typeface="+mn-lt"/>
+              </a:defRPr>
+            </a:lvl6pPr>
+            <a:lvl7pPr marL="2971800" indent="-228600" algn="l" rtl="0" fontAlgn="base">
+              <a:spcBef>
+                <a:spcPct val="20000"/>
+              </a:spcBef>
+              <a:spcAft>
+                <a:spcPct val="0"/>
+              </a:spcAft>
+              <a:buChar char="»"/>
+              <a:defRPr sz="1600">
+                <a:solidFill>
+                  <a:schemeClr val="tx1"/>
+                </a:solidFill>
+                <a:latin typeface="+mn-lt"/>
+              </a:defRPr>
+            </a:lvl7pPr>
+            <a:lvl8pPr marL="3429000" indent="-228600" algn="l" rtl="0" fontAlgn="base">
+              <a:spcBef>
+                <a:spcPct val="20000"/>
+              </a:spcBef>
+              <a:spcAft>
+                <a:spcPct val="0"/>
+              </a:spcAft>
+              <a:buChar char="»"/>
+              <a:defRPr sz="1600">
+                <a:solidFill>
+                  <a:schemeClr val="tx1"/>
+                </a:solidFill>
+                <a:latin typeface="+mn-lt"/>
+              </a:defRPr>
+            </a:lvl8pPr>
+            <a:lvl9pPr marL="3886200" indent="-228600" algn="l" rtl="0" fontAlgn="base">
+              <a:spcBef>
+                <a:spcPct val="20000"/>
+              </a:spcBef>
+              <a:spcAft>
+                <a:spcPct val="0"/>
+              </a:spcAft>
+              <a:buChar char="»"/>
+              <a:defRPr sz="1600">
+                <a:solidFill>
+                  <a:schemeClr val="tx1"/>
+                </a:solidFill>
+                <a:latin typeface="+mn-lt"/>
+              </a:defRPr>
+            </a:lvl9pPr>
+          </a:lstStyle>
+          <a:p>
+            <a:r>
+              <a:rPr lang="fr-FR" kern="0" dirty="0" smtClean="0"/>
+              <a:t>Les getters permettent d’accéder à des attributs en lecture</a:t>
+            </a:r>
+            <a:endParaRPr lang="fr-FR" kern="0" dirty="0"/>
+          </a:p>
+        </p:txBody>
+      </p:sp>
+      <p:pic>
+        <p:nvPicPr>
+          <p:cNvPr id="4" name="Espace réservé du contenu 3"/>
+          <p:cNvPicPr>
+            <a:picLocks noGrp="1" noChangeAspect="1"/>
+          </p:cNvPicPr>
+          <p:nvPr>
+            <p:ph idx="1"/>
+          </p:nvPr>
+        </p:nvPicPr>
+        <p:blipFill>
+          <a:blip r:embed="rId3"/>
+          <a:stretch>
+            <a:fillRect/>
+          </a:stretch>
+        </p:blipFill>
+        <p:spPr>
+          <a:xfrm>
+            <a:off x="4283968" y="1156210"/>
+            <a:ext cx="5040560" cy="8114074"/>
+          </a:xfrm>
+          <a:prstGeom prst="rect">
+            <a:avLst/>
+          </a:prstGeom>
+        </p:spPr>
+      </p:pic>
+    </p:spTree>
+    <p:extLst>
+      <p:ext uri="{BB962C8B-B14F-4D97-AF65-F5344CB8AC3E}">
+        <p14:creationId xmlns:p14="http://schemas.microsoft.com/office/powerpoint/2010/main" val="860128506"/>
+      </p:ext>
+    </p:extLst>
+  </p:cSld>
+  <p:clrMapOvr>
+    <a:masterClrMapping/>
+  </p:clrMapOvr>
+  <p:timing>
+    <p:tnLst>
+      <p:par>
+        <p:cTn id="1" dur="indefinite" restart="never" nodeType="tmRoot"/>
+      </p:par>
+    </p:tnLst>
+  </p:timing>
+</p:sld>
+</file>
+
+<file path=ppt/slides/slide21.xml><?xml version="1.0" encoding="utf-8"?>
 <p:sld xmlns:a="http://schemas.openxmlformats.org/drawingml/2006/main" xmlns:r="http://schemas.openxmlformats.org/officeDocument/2006/relationships" xmlns:p="http://schemas.openxmlformats.org/presentationml/2006/main">
   <p:cSld>
     <p:spTree>
@@ -23331,7 +23491,7 @@
 </p:sld>
 </file>
 
-<file path=ppt/slides/slide21.xml><?xml version="1.0" encoding="utf-8"?>
+<file path=ppt/slides/slide22.xml><?xml version="1.0" encoding="utf-8"?>
 <p:sld xmlns:a="http://schemas.openxmlformats.org/drawingml/2006/main" xmlns:r="http://schemas.openxmlformats.org/officeDocument/2006/relationships" xmlns:p="http://schemas.openxmlformats.org/presentationml/2006/main">
   <p:cSld>
     <p:spTree>
@@ -23622,7 +23782,7 @@
 </p:sld>
 </file>
 
-<file path=ppt/slides/slide22.xml><?xml version="1.0" encoding="utf-8"?>
+<file path=ppt/slides/slide23.xml><?xml version="1.0" encoding="utf-8"?>
 <p:sld xmlns:a="http://schemas.openxmlformats.org/drawingml/2006/main" xmlns:r="http://schemas.openxmlformats.org/officeDocument/2006/relationships" xmlns:p="http://schemas.openxmlformats.org/presentationml/2006/main">
   <p:cSld>
     <p:spTree>
@@ -23919,7 +24079,7 @@
 </p:sld>
 </file>
 
-<file path=ppt/slides/slide23.xml><?xml version="1.0" encoding="utf-8"?>
+<file path=ppt/slides/slide24.xml><?xml version="1.0" encoding="utf-8"?>
 <p:sld xmlns:a="http://schemas.openxmlformats.org/drawingml/2006/main" xmlns:r="http://schemas.openxmlformats.org/officeDocument/2006/relationships" xmlns:p="http://schemas.openxmlformats.org/presentationml/2006/main">
   <p:cSld>
     <p:spTree>
@@ -24203,7 +24363,7 @@
 </p:sld>
 </file>
 
-<file path=ppt/slides/slide24.xml><?xml version="1.0" encoding="utf-8"?>
+<file path=ppt/slides/slide25.xml><?xml version="1.0" encoding="utf-8"?>
 <p:sld xmlns:a="http://schemas.openxmlformats.org/drawingml/2006/main" xmlns:r="http://schemas.openxmlformats.org/officeDocument/2006/relationships" xmlns:p="http://schemas.openxmlformats.org/presentationml/2006/main">
   <p:cSld>
     <p:spTree>
@@ -24519,7 +24679,7 @@
 </p:sld>
 </file>
 
-<file path=ppt/slides/slide25.xml><?xml version="1.0" encoding="utf-8"?>
+<file path=ppt/slides/slide26.xml><?xml version="1.0" encoding="utf-8"?>
 <p:sld xmlns:a="http://schemas.openxmlformats.org/drawingml/2006/main" xmlns:r="http://schemas.openxmlformats.org/officeDocument/2006/relationships" xmlns:p="http://schemas.openxmlformats.org/presentationml/2006/main">
   <p:cSld>
     <p:spTree>
@@ -24687,7 +24847,7 @@
 </p:sld>
 </file>
 
-<file path=ppt/slides/slide26.xml><?xml version="1.0" encoding="utf-8"?>
+<file path=ppt/slides/slide27.xml><?xml version="1.0" encoding="utf-8"?>
 <p:sld xmlns:a="http://schemas.openxmlformats.org/drawingml/2006/main" xmlns:r="http://schemas.openxmlformats.org/officeDocument/2006/relationships" xmlns:p="http://schemas.openxmlformats.org/presentationml/2006/main">
   <p:cSld>
     <p:spTree>
@@ -24823,7 +24983,7 @@
 </p:sld>
 </file>
 
-<file path=ppt/slides/slide27.xml><?xml version="1.0" encoding="utf-8"?>
+<file path=ppt/slides/slide28.xml><?xml version="1.0" encoding="utf-8"?>
 <p:sld xmlns:a="http://schemas.openxmlformats.org/drawingml/2006/main" xmlns:r="http://schemas.openxmlformats.org/officeDocument/2006/relationships" xmlns:p="http://schemas.openxmlformats.org/presentationml/2006/main">
   <p:cSld>
     <p:spTree>
@@ -24982,7 +25142,7 @@
 </p:sld>
 </file>
 
-<file path=ppt/slides/slide28.xml><?xml version="1.0" encoding="utf-8"?>
+<file path=ppt/slides/slide29.xml><?xml version="1.0" encoding="utf-8"?>
 <p:sld xmlns:a="http://schemas.openxmlformats.org/drawingml/2006/main" xmlns:r="http://schemas.openxmlformats.org/officeDocument/2006/relationships" xmlns:p="http://schemas.openxmlformats.org/presentationml/2006/main">
   <p:cSld>
     <p:spTree>
@@ -25122,7 +25282,180 @@
 </p:sld>
 </file>
 
-<file path=ppt/slides/slide29.xml><?xml version="1.0" encoding="utf-8"?>
+<file path=ppt/slides/slide3.xml><?xml version="1.0" encoding="utf-8"?>
+<p:sld xmlns:a="http://schemas.openxmlformats.org/drawingml/2006/main" xmlns:r="http://schemas.openxmlformats.org/officeDocument/2006/relationships" xmlns:p="http://schemas.openxmlformats.org/presentationml/2006/main">
+  <p:cSld>
+    <p:spTree>
+      <p:nvGrpSpPr>
+        <p:cNvPr id="1" name=""/>
+        <p:cNvGrpSpPr/>
+        <p:nvPr/>
+      </p:nvGrpSpPr>
+      <p:grpSpPr>
+        <a:xfrm>
+          <a:off x="0" y="0"/>
+          <a:ext cx="0" cy="0"/>
+          <a:chOff x="0" y="0"/>
+          <a:chExt cx="0" cy="0"/>
+        </a:xfrm>
+      </p:grpSpPr>
+      <p:sp>
+        <p:nvSpPr>
+          <p:cNvPr id="4098" name="Rectangle 2"/>
+          <p:cNvSpPr>
+            <a:spLocks noGrp="1" noChangeArrowheads="1"/>
+          </p:cNvSpPr>
+          <p:nvPr>
+            <p:ph type="title"/>
+          </p:nvPr>
+        </p:nvSpPr>
+        <p:spPr/>
+        <p:txBody>
+          <a:bodyPr/>
+          <a:lstStyle/>
+          <a:p>
+            <a:pPr eaLnBrk="1" hangingPunct="1"/>
+            <a:r>
+              <a:rPr lang="fr-FR" altLang="fr-FR" smtClean="0"/>
+              <a:t>Critères de qualité d’un logiciel</a:t>
+            </a:r>
+          </a:p>
+        </p:txBody>
+      </p:sp>
+      <p:sp>
+        <p:nvSpPr>
+          <p:cNvPr id="4099" name="Rectangle 3"/>
+          <p:cNvSpPr>
+            <a:spLocks noGrp="1" noChangeArrowheads="1"/>
+          </p:cNvSpPr>
+          <p:nvPr>
+            <p:ph type="body" idx="1"/>
+          </p:nvPr>
+        </p:nvSpPr>
+        <p:spPr>
+          <a:xfrm>
+            <a:off x="211016" y="1811215"/>
+            <a:ext cx="8721969" cy="4360985"/>
+          </a:xfrm>
+        </p:spPr>
+        <p:txBody>
+          <a:bodyPr/>
+          <a:lstStyle/>
+          <a:p>
+            <a:pPr eaLnBrk="1" hangingPunct="1">
+              <a:lnSpc>
+                <a:spcPct val="90000"/>
+              </a:lnSpc>
+            </a:pPr>
+            <a:r>
+              <a:rPr lang="fr-FR" altLang="fr-FR" smtClean="0">
+                <a:latin typeface="Tahoma" panose="020B0604030504040204" pitchFamily="34" charset="0"/>
+              </a:rPr>
+              <a:t>Validité : conforme à sa spécification</a:t>
+            </a:r>
+          </a:p>
+          <a:p>
+            <a:pPr eaLnBrk="1" hangingPunct="1">
+              <a:lnSpc>
+                <a:spcPct val="90000"/>
+              </a:lnSpc>
+            </a:pPr>
+            <a:r>
+              <a:rPr lang="fr-FR" altLang="fr-FR" smtClean="0">
+                <a:latin typeface="Tahoma" panose="020B0604030504040204" pitchFamily="34" charset="0"/>
+              </a:rPr>
+              <a:t>Robustesse: réactions dans des conditions anormales</a:t>
+            </a:r>
+          </a:p>
+          <a:p>
+            <a:pPr eaLnBrk="1" hangingPunct="1">
+              <a:lnSpc>
+                <a:spcPct val="90000"/>
+              </a:lnSpc>
+            </a:pPr>
+            <a:r>
+              <a:rPr lang="fr-FR" altLang="fr-FR" smtClean="0">
+                <a:latin typeface="Tahoma" panose="020B0604030504040204" pitchFamily="34" charset="0"/>
+              </a:rPr>
+              <a:t>Extensibilité: facilité de modification</a:t>
+            </a:r>
+          </a:p>
+          <a:p>
+            <a:pPr eaLnBrk="1" hangingPunct="1">
+              <a:lnSpc>
+                <a:spcPct val="90000"/>
+              </a:lnSpc>
+            </a:pPr>
+            <a:r>
+              <a:rPr lang="fr-FR" altLang="fr-FR" smtClean="0">
+                <a:latin typeface="Tahoma" panose="020B0604030504040204" pitchFamily="34" charset="0"/>
+              </a:rPr>
+              <a:t>Réutilisabilité: utilisation dans un autre contexte</a:t>
+            </a:r>
+          </a:p>
+          <a:p>
+            <a:pPr eaLnBrk="1" hangingPunct="1">
+              <a:lnSpc>
+                <a:spcPct val="90000"/>
+              </a:lnSpc>
+            </a:pPr>
+            <a:r>
+              <a:rPr lang="fr-FR" altLang="fr-FR" smtClean="0">
+                <a:latin typeface="Tahoma" panose="020B0604030504040204" pitchFamily="34" charset="0"/>
+              </a:rPr>
+              <a:t>Compatibilité: capacité d’intégration</a:t>
+            </a:r>
+          </a:p>
+          <a:p>
+            <a:pPr eaLnBrk="1" hangingPunct="1">
+              <a:lnSpc>
+                <a:spcPct val="90000"/>
+              </a:lnSpc>
+            </a:pPr>
+            <a:r>
+              <a:rPr lang="fr-FR" altLang="fr-FR" smtClean="0">
+                <a:latin typeface="Tahoma" panose="020B0604030504040204" pitchFamily="34" charset="0"/>
+              </a:rPr>
+              <a:t>Efficacité: utilisation optimale des ressources</a:t>
+            </a:r>
+          </a:p>
+          <a:p>
+            <a:pPr eaLnBrk="1" hangingPunct="1">
+              <a:lnSpc>
+                <a:spcPct val="90000"/>
+              </a:lnSpc>
+            </a:pPr>
+            <a:r>
+              <a:rPr lang="fr-FR" altLang="fr-FR" smtClean="0">
+                <a:latin typeface="Tahoma" panose="020B0604030504040204" pitchFamily="34" charset="0"/>
+              </a:rPr>
+              <a:t>Portabilité: fonctionnement dans une environnement</a:t>
+            </a:r>
+          </a:p>
+        </p:txBody>
+      </p:sp>
+    </p:spTree>
+    <p:extLst>
+      <p:ext uri="{BB962C8B-B14F-4D97-AF65-F5344CB8AC3E}">
+        <p14:creationId xmlns:p14="http://schemas.microsoft.com/office/powerpoint/2010/main" val="49631519"/>
+      </p:ext>
+    </p:extLst>
+  </p:cSld>
+  <p:clrMapOvr>
+    <a:masterClrMapping/>
+  </p:clrMapOvr>
+  <p:transition/>
+  <p:timing>
+    <p:tnLst>
+      <p:par>
+        <p:cTn id="1" dur="indefinite" restart="never" nodeType="tmRoot"/>
+      </p:par>
+    </p:tnLst>
+  </p:timing>
+</p:sld>
+</file>
+
+<file path=ppt/slides/slide30.xml><?xml version="1.0" encoding="utf-8"?>
 <p:sld xmlns:a="http://schemas.openxmlformats.org/drawingml/2006/main" xmlns:r="http://schemas.openxmlformats.org/officeDocument/2006/relationships" xmlns:p="http://schemas.openxmlformats.org/presentationml/2006/main">
   <p:cSld>
     <p:spTree>
@@ -25225,180 +25558,7 @@
 </p:sld>
 </file>
 
-<file path=ppt/slides/slide3.xml><?xml version="1.0" encoding="utf-8"?>
-<p:sld xmlns:a="http://schemas.openxmlformats.org/drawingml/2006/main" xmlns:r="http://schemas.openxmlformats.org/officeDocument/2006/relationships" xmlns:p="http://schemas.openxmlformats.org/presentationml/2006/main">
-  <p:cSld>
-    <p:spTree>
-      <p:nvGrpSpPr>
-        <p:cNvPr id="1" name=""/>
-        <p:cNvGrpSpPr/>
-        <p:nvPr/>
-      </p:nvGrpSpPr>
-      <p:grpSpPr>
-        <a:xfrm>
-          <a:off x="0" y="0"/>
-          <a:ext cx="0" cy="0"/>
-          <a:chOff x="0" y="0"/>
-          <a:chExt cx="0" cy="0"/>
-        </a:xfrm>
-      </p:grpSpPr>
-      <p:sp>
-        <p:nvSpPr>
-          <p:cNvPr id="4098" name="Rectangle 2"/>
-          <p:cNvSpPr>
-            <a:spLocks noGrp="1" noChangeArrowheads="1"/>
-          </p:cNvSpPr>
-          <p:nvPr>
-            <p:ph type="title"/>
-          </p:nvPr>
-        </p:nvSpPr>
-        <p:spPr/>
-        <p:txBody>
-          <a:bodyPr/>
-          <a:lstStyle/>
-          <a:p>
-            <a:pPr eaLnBrk="1" hangingPunct="1"/>
-            <a:r>
-              <a:rPr lang="fr-FR" altLang="fr-FR" smtClean="0"/>
-              <a:t>Critères de qualité d’un logiciel</a:t>
-            </a:r>
-          </a:p>
-        </p:txBody>
-      </p:sp>
-      <p:sp>
-        <p:nvSpPr>
-          <p:cNvPr id="4099" name="Rectangle 3"/>
-          <p:cNvSpPr>
-            <a:spLocks noGrp="1" noChangeArrowheads="1"/>
-          </p:cNvSpPr>
-          <p:nvPr>
-            <p:ph type="body" idx="1"/>
-          </p:nvPr>
-        </p:nvSpPr>
-        <p:spPr>
-          <a:xfrm>
-            <a:off x="211016" y="1811215"/>
-            <a:ext cx="8721969" cy="4360985"/>
-          </a:xfrm>
-        </p:spPr>
-        <p:txBody>
-          <a:bodyPr/>
-          <a:lstStyle/>
-          <a:p>
-            <a:pPr eaLnBrk="1" hangingPunct="1">
-              <a:lnSpc>
-                <a:spcPct val="90000"/>
-              </a:lnSpc>
-            </a:pPr>
-            <a:r>
-              <a:rPr lang="fr-FR" altLang="fr-FR" smtClean="0">
-                <a:latin typeface="Tahoma" panose="020B0604030504040204" pitchFamily="34" charset="0"/>
-              </a:rPr>
-              <a:t>Validité : conforme à sa spécification</a:t>
-            </a:r>
-          </a:p>
-          <a:p>
-            <a:pPr eaLnBrk="1" hangingPunct="1">
-              <a:lnSpc>
-                <a:spcPct val="90000"/>
-              </a:lnSpc>
-            </a:pPr>
-            <a:r>
-              <a:rPr lang="fr-FR" altLang="fr-FR" smtClean="0">
-                <a:latin typeface="Tahoma" panose="020B0604030504040204" pitchFamily="34" charset="0"/>
-              </a:rPr>
-              <a:t>Robustesse: réactions dans des conditions anormales</a:t>
-            </a:r>
-          </a:p>
-          <a:p>
-            <a:pPr eaLnBrk="1" hangingPunct="1">
-              <a:lnSpc>
-                <a:spcPct val="90000"/>
-              </a:lnSpc>
-            </a:pPr>
-            <a:r>
-              <a:rPr lang="fr-FR" altLang="fr-FR" smtClean="0">
-                <a:latin typeface="Tahoma" panose="020B0604030504040204" pitchFamily="34" charset="0"/>
-              </a:rPr>
-              <a:t>Extensibilité: facilité de modification</a:t>
-            </a:r>
-          </a:p>
-          <a:p>
-            <a:pPr eaLnBrk="1" hangingPunct="1">
-              <a:lnSpc>
-                <a:spcPct val="90000"/>
-              </a:lnSpc>
-            </a:pPr>
-            <a:r>
-              <a:rPr lang="fr-FR" altLang="fr-FR" smtClean="0">
-                <a:latin typeface="Tahoma" panose="020B0604030504040204" pitchFamily="34" charset="0"/>
-              </a:rPr>
-              <a:t>Réutilisabilité: utilisation dans un autre contexte</a:t>
-            </a:r>
-          </a:p>
-          <a:p>
-            <a:pPr eaLnBrk="1" hangingPunct="1">
-              <a:lnSpc>
-                <a:spcPct val="90000"/>
-              </a:lnSpc>
-            </a:pPr>
-            <a:r>
-              <a:rPr lang="fr-FR" altLang="fr-FR" smtClean="0">
-                <a:latin typeface="Tahoma" panose="020B0604030504040204" pitchFamily="34" charset="0"/>
-              </a:rPr>
-              <a:t>Compatibilité: capacité d’intégration</a:t>
-            </a:r>
-          </a:p>
-          <a:p>
-            <a:pPr eaLnBrk="1" hangingPunct="1">
-              <a:lnSpc>
-                <a:spcPct val="90000"/>
-              </a:lnSpc>
-            </a:pPr>
-            <a:r>
-              <a:rPr lang="fr-FR" altLang="fr-FR" smtClean="0">
-                <a:latin typeface="Tahoma" panose="020B0604030504040204" pitchFamily="34" charset="0"/>
-              </a:rPr>
-              <a:t>Efficacité: utilisation optimale des ressources</a:t>
-            </a:r>
-          </a:p>
-          <a:p>
-            <a:pPr eaLnBrk="1" hangingPunct="1">
-              <a:lnSpc>
-                <a:spcPct val="90000"/>
-              </a:lnSpc>
-            </a:pPr>
-            <a:r>
-              <a:rPr lang="fr-FR" altLang="fr-FR" smtClean="0">
-                <a:latin typeface="Tahoma" panose="020B0604030504040204" pitchFamily="34" charset="0"/>
-              </a:rPr>
-              <a:t>Portabilité: fonctionnement dans une environnement</a:t>
-            </a:r>
-          </a:p>
-        </p:txBody>
-      </p:sp>
-    </p:spTree>
-    <p:extLst>
-      <p:ext uri="{BB962C8B-B14F-4D97-AF65-F5344CB8AC3E}">
-        <p14:creationId xmlns:p14="http://schemas.microsoft.com/office/powerpoint/2010/main" val="49631519"/>
-      </p:ext>
-    </p:extLst>
-  </p:cSld>
-  <p:clrMapOvr>
-    <a:masterClrMapping/>
-  </p:clrMapOvr>
-  <p:transition/>
-  <p:timing>
-    <p:tnLst>
-      <p:par>
-        <p:cTn id="1" dur="indefinite" restart="never" nodeType="tmRoot"/>
-      </p:par>
-    </p:tnLst>
-  </p:timing>
-</p:sld>
-</file>
-
-<file path=ppt/slides/slide30.xml><?xml version="1.0" encoding="utf-8"?>
+<file path=ppt/slides/slide31.xml><?xml version="1.0" encoding="utf-8"?>
 <p:sld xmlns:a="http://schemas.openxmlformats.org/drawingml/2006/main" xmlns:r="http://schemas.openxmlformats.org/officeDocument/2006/relationships" xmlns:p="http://schemas.openxmlformats.org/presentationml/2006/main">
   <p:cSld>
     <p:spTree>
@@ -28108,7 +28268,7 @@
 </p:sld>
 </file>
 
-<file path=ppt/slides/slide31.xml><?xml version="1.0" encoding="utf-8"?>
+<file path=ppt/slides/slide32.xml><?xml version="1.0" encoding="utf-8"?>
 <p:sld xmlns:a="http://schemas.openxmlformats.org/drawingml/2006/main" xmlns:r="http://schemas.openxmlformats.org/officeDocument/2006/relationships" xmlns:p="http://schemas.openxmlformats.org/presentationml/2006/main">
   <p:cSld>
     <p:spTree>
@@ -30387,7 +30547,7 @@
 </p:sld>
 </file>
 
-<file path=ppt/slides/slide32.xml><?xml version="1.0" encoding="utf-8"?>
+<file path=ppt/slides/slide33.xml><?xml version="1.0" encoding="utf-8"?>
 <p:sld xmlns:a="http://schemas.openxmlformats.org/drawingml/2006/main" xmlns:r="http://schemas.openxmlformats.org/officeDocument/2006/relationships" xmlns:p="http://schemas.openxmlformats.org/presentationml/2006/main">
   <p:cSld>
     <p:spTree>
@@ -32340,7 +32500,7 @@
 </p:sld>
 </file>
 
-<file path=ppt/slides/slide33.xml><?xml version="1.0" encoding="utf-8"?>
+<file path=ppt/slides/slide34.xml><?xml version="1.0" encoding="utf-8"?>
 <p:sld xmlns:a="http://schemas.openxmlformats.org/drawingml/2006/main" xmlns:r="http://schemas.openxmlformats.org/officeDocument/2006/relationships" xmlns:p="http://schemas.openxmlformats.org/presentationml/2006/main">
   <p:cSld>
     <p:spTree>
@@ -32452,7 +32612,7 @@
 </p:sld>
 </file>
 
-<file path=ppt/slides/slide34.xml><?xml version="1.0" encoding="utf-8"?>
+<file path=ppt/slides/slide35.xml><?xml version="1.0" encoding="utf-8"?>
 <p:sld xmlns:a="http://schemas.openxmlformats.org/drawingml/2006/main" xmlns:r="http://schemas.openxmlformats.org/officeDocument/2006/relationships" xmlns:p="http://schemas.openxmlformats.org/presentationml/2006/main">
   <p:cSld>
     <p:spTree>
@@ -32537,7 +32697,7 @@
 </p:sld>
 </file>
 
-<file path=ppt/slides/slide35.xml><?xml version="1.0" encoding="utf-8"?>
+<file path=ppt/slides/slide36.xml><?xml version="1.0" encoding="utf-8"?>
 <p:sld xmlns:a="http://schemas.openxmlformats.org/drawingml/2006/main" xmlns:r="http://schemas.openxmlformats.org/officeDocument/2006/relationships" xmlns:p="http://schemas.openxmlformats.org/presentationml/2006/main">
   <p:cSld>
     <p:spTree>
@@ -32783,7 +32943,7 @@
 </p:sld>
 </file>
 
-<file path=ppt/slides/slide36.xml><?xml version="1.0" encoding="utf-8"?>
+<file path=ppt/slides/slide37.xml><?xml version="1.0" encoding="utf-8"?>
 <p:sld xmlns:a="http://schemas.openxmlformats.org/drawingml/2006/main" xmlns:r="http://schemas.openxmlformats.org/officeDocument/2006/relationships" xmlns:p="http://schemas.openxmlformats.org/presentationml/2006/main">
   <p:cSld>
     <p:spTree>
@@ -32877,7 +33037,7 @@
 </p:sld>
 </file>
 
-<file path=ppt/slides/slide37.xml><?xml version="1.0" encoding="utf-8"?>
+<file path=ppt/slides/slide38.xml><?xml version="1.0" encoding="utf-8"?>
 <p:sld xmlns:a="http://schemas.openxmlformats.org/drawingml/2006/main" xmlns:r="http://schemas.openxmlformats.org/officeDocument/2006/relationships" xmlns:p="http://schemas.openxmlformats.org/presentationml/2006/main">
   <p:cSld>
     <p:spTree>
@@ -32989,7 +33149,7 @@
 </p:sld>
 </file>
 
-<file path=ppt/slides/slide38.xml><?xml version="1.0" encoding="utf-8"?>
+<file path=ppt/slides/slide39.xml><?xml version="1.0" encoding="utf-8"?>
 <p:sld xmlns:a="http://schemas.openxmlformats.org/drawingml/2006/main" xmlns:r="http://schemas.openxmlformats.org/officeDocument/2006/relationships" xmlns:p="http://schemas.openxmlformats.org/presentationml/2006/main">
   <p:cSld>
     <p:spTree>
@@ -33101,101 +33261,6 @@
 </p:sld>
 </file>
 
-<file path=ppt/slides/slide39.xml><?xml version="1.0" encoding="utf-8"?>
-<p:sld xmlns:a="http://schemas.openxmlformats.org/drawingml/2006/main" xmlns:r="http://schemas.openxmlformats.org/officeDocument/2006/relationships" xmlns:p="http://schemas.openxmlformats.org/presentationml/2006/main">
-  <p:cSld>
-    <p:spTree>
-      <p:nvGrpSpPr>
-        <p:cNvPr id="1" name=""/>
-        <p:cNvGrpSpPr/>
-        <p:nvPr/>
-      </p:nvGrpSpPr>
-      <p:grpSpPr>
-        <a:xfrm>
-          <a:off x="0" y="0"/>
-          <a:ext cx="0" cy="0"/>
-          <a:chOff x="0" y="0"/>
-          <a:chExt cx="0" cy="0"/>
-        </a:xfrm>
-      </p:grpSpPr>
-      <p:sp>
-        <p:nvSpPr>
-          <p:cNvPr id="48130" name="Rectangle 2"/>
-          <p:cNvSpPr>
-            <a:spLocks noGrp="1" noChangeArrowheads="1"/>
-          </p:cNvSpPr>
-          <p:nvPr>
-            <p:ph type="title"/>
-          </p:nvPr>
-        </p:nvSpPr>
-        <p:spPr/>
-        <p:txBody>
-          <a:bodyPr/>
-          <a:lstStyle/>
-          <a:p>
-            <a:pPr eaLnBrk="1" hangingPunct="1"/>
-            <a:r>
-              <a:rPr lang="fr-FR" altLang="fr-FR" smtClean="0"/>
-              <a:t>Les interfaces - Introduction</a:t>
-            </a:r>
-          </a:p>
-        </p:txBody>
-      </p:sp>
-      <p:sp>
-        <p:nvSpPr>
-          <p:cNvPr id="48131" name="Rectangle 3"/>
-          <p:cNvSpPr>
-            <a:spLocks noGrp="1" noChangeArrowheads="1"/>
-          </p:cNvSpPr>
-          <p:nvPr>
-            <p:ph type="body" idx="1"/>
-          </p:nvPr>
-        </p:nvSpPr>
-        <p:spPr/>
-        <p:txBody>
-          <a:bodyPr/>
-          <a:lstStyle/>
-          <a:p>
-            <a:pPr eaLnBrk="1" hangingPunct="1"/>
-            <a:r>
-              <a:rPr lang="fr-FR" altLang="fr-FR" smtClean="0"/>
-              <a:t>Une interface est un ensemble de méthodes abstraites et de constantes</a:t>
-            </a:r>
-          </a:p>
-          <a:p>
-            <a:pPr eaLnBrk="1" hangingPunct="1"/>
-            <a:endParaRPr lang="fr-FR" altLang="fr-FR" smtClean="0"/>
-          </a:p>
-          <a:p>
-            <a:pPr eaLnBrk="1" hangingPunct="1"/>
-            <a:r>
-              <a:rPr lang="fr-FR" altLang="fr-FR" smtClean="0"/>
-              <a:t>Une classe peut « implémenter » une ou plusieurs interface et « hériter » d’une classe</a:t>
-            </a:r>
-          </a:p>
-        </p:txBody>
-      </p:sp>
-    </p:spTree>
-    <p:extLst>
-      <p:ext uri="{BB962C8B-B14F-4D97-AF65-F5344CB8AC3E}">
-        <p14:creationId xmlns:p14="http://schemas.microsoft.com/office/powerpoint/2010/main" val="2211839369"/>
-      </p:ext>
-    </p:extLst>
-  </p:cSld>
-  <p:clrMapOvr>
-    <a:masterClrMapping/>
-  </p:clrMapOvr>
-  <p:transition/>
-  <p:timing>
-    <p:tnLst>
-      <p:par>
-        <p:cTn id="1" dur="indefinite" restart="never" nodeType="tmRoot"/>
-      </p:par>
-    </p:tnLst>
-  </p:timing>
-</p:sld>
-</file>
-
 <file path=ppt/slides/slide4.xml><?xml version="1.0" encoding="utf-8"?>
 <p:sld xmlns:a="http://schemas.openxmlformats.org/drawingml/2006/main" xmlns:r="http://schemas.openxmlformats.org/officeDocument/2006/relationships" xmlns:p="http://schemas.openxmlformats.org/presentationml/2006/main">
   <p:cSld>
@@ -33286,6 +33351,101 @@
 </file>
 
 <file path=ppt/slides/slide40.xml><?xml version="1.0" encoding="utf-8"?>
+<p:sld xmlns:a="http://schemas.openxmlformats.org/drawingml/2006/main" xmlns:r="http://schemas.openxmlformats.org/officeDocument/2006/relationships" xmlns:p="http://schemas.openxmlformats.org/presentationml/2006/main">
+  <p:cSld>
+    <p:spTree>
+      <p:nvGrpSpPr>
+        <p:cNvPr id="1" name=""/>
+        <p:cNvGrpSpPr/>
+        <p:nvPr/>
+      </p:nvGrpSpPr>
+      <p:grpSpPr>
+        <a:xfrm>
+          <a:off x="0" y="0"/>
+          <a:ext cx="0" cy="0"/>
+          <a:chOff x="0" y="0"/>
+          <a:chExt cx="0" cy="0"/>
+        </a:xfrm>
+      </p:grpSpPr>
+      <p:sp>
+        <p:nvSpPr>
+          <p:cNvPr id="48130" name="Rectangle 2"/>
+          <p:cNvSpPr>
+            <a:spLocks noGrp="1" noChangeArrowheads="1"/>
+          </p:cNvSpPr>
+          <p:nvPr>
+            <p:ph type="title"/>
+          </p:nvPr>
+        </p:nvSpPr>
+        <p:spPr/>
+        <p:txBody>
+          <a:bodyPr/>
+          <a:lstStyle/>
+          <a:p>
+            <a:pPr eaLnBrk="1" hangingPunct="1"/>
+            <a:r>
+              <a:rPr lang="fr-FR" altLang="fr-FR" smtClean="0"/>
+              <a:t>Les interfaces - Introduction</a:t>
+            </a:r>
+          </a:p>
+        </p:txBody>
+      </p:sp>
+      <p:sp>
+        <p:nvSpPr>
+          <p:cNvPr id="48131" name="Rectangle 3"/>
+          <p:cNvSpPr>
+            <a:spLocks noGrp="1" noChangeArrowheads="1"/>
+          </p:cNvSpPr>
+          <p:nvPr>
+            <p:ph type="body" idx="1"/>
+          </p:nvPr>
+        </p:nvSpPr>
+        <p:spPr/>
+        <p:txBody>
+          <a:bodyPr/>
+          <a:lstStyle/>
+          <a:p>
+            <a:pPr eaLnBrk="1" hangingPunct="1"/>
+            <a:r>
+              <a:rPr lang="fr-FR" altLang="fr-FR" smtClean="0"/>
+              <a:t>Une interface est un ensemble de méthodes abstraites et de constantes</a:t>
+            </a:r>
+          </a:p>
+          <a:p>
+            <a:pPr eaLnBrk="1" hangingPunct="1"/>
+            <a:endParaRPr lang="fr-FR" altLang="fr-FR" smtClean="0"/>
+          </a:p>
+          <a:p>
+            <a:pPr eaLnBrk="1" hangingPunct="1"/>
+            <a:r>
+              <a:rPr lang="fr-FR" altLang="fr-FR" smtClean="0"/>
+              <a:t>Une classe peut « implémenter » une ou plusieurs interface et « hériter » d’une classe</a:t>
+            </a:r>
+          </a:p>
+        </p:txBody>
+      </p:sp>
+    </p:spTree>
+    <p:extLst>
+      <p:ext uri="{BB962C8B-B14F-4D97-AF65-F5344CB8AC3E}">
+        <p14:creationId xmlns:p14="http://schemas.microsoft.com/office/powerpoint/2010/main" val="2211839369"/>
+      </p:ext>
+    </p:extLst>
+  </p:cSld>
+  <p:clrMapOvr>
+    <a:masterClrMapping/>
+  </p:clrMapOvr>
+  <p:transition/>
+  <p:timing>
+    <p:tnLst>
+      <p:par>
+        <p:cTn id="1" dur="indefinite" restart="never" nodeType="tmRoot"/>
+      </p:par>
+    </p:tnLst>
+  </p:timing>
+</p:sld>
+</file>
+
+<file path=ppt/slides/slide41.xml><?xml version="1.0" encoding="utf-8"?>
 <p:sld xmlns:a="http://schemas.openxmlformats.org/drawingml/2006/main" xmlns:r="http://schemas.openxmlformats.org/officeDocument/2006/relationships" xmlns:p="http://schemas.openxmlformats.org/presentationml/2006/main">
   <p:cSld>
     <p:spTree>
@@ -36368,7 +36528,7 @@
 </p:sld>
 </file>
 
-<file path=ppt/slides/slide41.xml><?xml version="1.0" encoding="utf-8"?>
+<file path=ppt/slides/slide42.xml><?xml version="1.0" encoding="utf-8"?>
 <p:sld xmlns:a="http://schemas.openxmlformats.org/drawingml/2006/main" xmlns:r="http://schemas.openxmlformats.org/officeDocument/2006/relationships" xmlns:p="http://schemas.openxmlformats.org/presentationml/2006/main">
   <p:cSld>
     <p:spTree>
@@ -36624,7 +36784,7 @@
 </p:sld>
 </file>
 
-<file path=ppt/slides/slide42.xml><?xml version="1.0" encoding="utf-8"?>
+<file path=ppt/slides/slide43.xml><?xml version="1.0" encoding="utf-8"?>
 <p:sld xmlns:a="http://schemas.openxmlformats.org/drawingml/2006/main" xmlns:r="http://schemas.openxmlformats.org/officeDocument/2006/relationships" xmlns:p="http://schemas.openxmlformats.org/presentationml/2006/main">
   <p:cSld>
     <p:spTree>
@@ -36865,7 +37025,7 @@
         </p:blipFill>
         <p:spPr>
           <a:xfrm>
-            <a:off x="3228975" y="2933700"/>
+            <a:off x="3219512" y="3446511"/>
             <a:ext cx="2686050" cy="990600"/>
           </a:xfrm>
           <a:prstGeom prst="rect">
@@ -36918,7 +37078,7 @@
 </p:sld>
 </file>
 
-<file path=ppt/slides/slide43.xml><?xml version="1.0" encoding="utf-8"?>
+<file path=ppt/slides/slide44.xml><?xml version="1.0" encoding="utf-8"?>
 <p:sld xmlns:a="http://schemas.openxmlformats.org/drawingml/2006/main" xmlns:r="http://schemas.openxmlformats.org/officeDocument/2006/relationships" xmlns:p="http://schemas.openxmlformats.org/presentationml/2006/main">
   <p:cSld>
     <p:spTree>
@@ -37173,7 +37333,7 @@
 </p:sld>
 </file>
 
-<file path=ppt/slides/slide44.xml><?xml version="1.0" encoding="utf-8"?>
+<file path=ppt/slides/slide45.xml><?xml version="1.0" encoding="utf-8"?>
 <p:sld xmlns:a="http://schemas.openxmlformats.org/drawingml/2006/main" xmlns:r="http://schemas.openxmlformats.org/officeDocument/2006/relationships" xmlns:p="http://schemas.openxmlformats.org/presentationml/2006/main">
   <p:cSld>
     <p:spTree>
@@ -37247,12 +37407,8 @@
           <a:p>
             <a:pPr lvl="1"/>
             <a:r>
-              <a:rPr lang="fr-FR" dirty="0" err="1" smtClean="0"/>
-              <a:t>Equivalenet</a:t>
-            </a:r>
-            <a:r>
               <a:rPr lang="fr-FR" dirty="0" smtClean="0"/>
-              <a:t> au public de Java</a:t>
+              <a:t>Equivalent au public de Java</a:t>
             </a:r>
           </a:p>
           <a:p>
@@ -37335,171 +37491,6 @@
 </p:sld>
 </file>
 
-<file path=ppt/slides/slide45.xml><?xml version="1.0" encoding="utf-8"?>
-<p:sld xmlns:a="http://schemas.openxmlformats.org/drawingml/2006/main" xmlns:r="http://schemas.openxmlformats.org/officeDocument/2006/relationships" xmlns:p="http://schemas.openxmlformats.org/presentationml/2006/main">
-  <p:cSld>
-    <p:spTree>
-      <p:nvGrpSpPr>
-        <p:cNvPr id="1" name=""/>
-        <p:cNvGrpSpPr/>
-        <p:nvPr/>
-      </p:nvGrpSpPr>
-      <p:grpSpPr>
-        <a:xfrm>
-          <a:off x="0" y="0"/>
-          <a:ext cx="0" cy="0"/>
-          <a:chOff x="0" y="0"/>
-          <a:chExt cx="0" cy="0"/>
-        </a:xfrm>
-      </p:grpSpPr>
-      <p:sp>
-        <p:nvSpPr>
-          <p:cNvPr id="2" name="Titre 1"/>
-          <p:cNvSpPr>
-            <a:spLocks noGrp="1"/>
-          </p:cNvSpPr>
-          <p:nvPr>
-            <p:ph type="title"/>
-          </p:nvPr>
-        </p:nvSpPr>
-        <p:spPr/>
-        <p:txBody>
-          <a:bodyPr/>
-          <a:lstStyle/>
-          <a:p>
-            <a:r>
-              <a:rPr lang="fr-FR" dirty="0" smtClean="0"/>
-              <a:t>Import d’un fichier</a:t>
-            </a:r>
-            <a:endParaRPr lang="fr-FR" dirty="0"/>
-          </a:p>
-        </p:txBody>
-      </p:sp>
-      <p:sp>
-        <p:nvSpPr>
-          <p:cNvPr id="3" name="Espace réservé du contenu 2"/>
-          <p:cNvSpPr>
-            <a:spLocks noGrp="1"/>
-          </p:cNvSpPr>
-          <p:nvPr>
-            <p:ph idx="1"/>
-          </p:nvPr>
-        </p:nvSpPr>
-        <p:spPr/>
-        <p:txBody>
-          <a:bodyPr/>
-          <a:lstStyle/>
-          <a:p>
-            <a:r>
-              <a:rPr lang="fr-FR" dirty="0" smtClean="0"/>
-              <a:t>Import </a:t>
-            </a:r>
-            <a:r>
-              <a:rPr lang="fr-FR" dirty="0" err="1" smtClean="0"/>
-              <a:t>from</a:t>
-            </a:r>
-            <a:endParaRPr lang="fr-FR" dirty="0" smtClean="0"/>
-          </a:p>
-          <a:p>
-            <a:pPr lvl="1"/>
-            <a:r>
-              <a:rPr lang="fr-FR" dirty="0" smtClean="0"/>
-              <a:t>Permet d’importer une classe d’un fichier</a:t>
-            </a:r>
-          </a:p>
-          <a:p>
-            <a:pPr lvl="1"/>
-            <a:r>
-              <a:rPr lang="fr-FR" dirty="0" smtClean="0"/>
-              <a:t>Indépendant des </a:t>
-            </a:r>
-            <a:r>
-              <a:rPr lang="fr-FR" dirty="0" err="1" smtClean="0"/>
-              <a:t>namespaces</a:t>
-            </a:r>
-            <a:endParaRPr lang="fr-FR" dirty="0" smtClean="0"/>
-          </a:p>
-          <a:p>
-            <a:pPr lvl="1"/>
-            <a:r>
-              <a:rPr lang="fr-FR" dirty="0"/>
-              <a:t>import { </a:t>
-            </a:r>
-            <a:r>
-              <a:rPr lang="fr-FR" dirty="0" err="1"/>
-              <a:t>Hero</a:t>
-            </a:r>
-            <a:r>
-              <a:rPr lang="fr-FR" dirty="0"/>
-              <a:t> } </a:t>
-            </a:r>
-            <a:r>
-              <a:rPr lang="fr-FR" dirty="0" err="1"/>
-              <a:t>from</a:t>
-            </a:r>
-            <a:r>
-              <a:rPr lang="fr-FR" dirty="0"/>
-              <a:t> '../</a:t>
-            </a:r>
-            <a:r>
-              <a:rPr lang="fr-FR" dirty="0" err="1"/>
-              <a:t>hero</a:t>
-            </a:r>
-            <a:r>
-              <a:rPr lang="fr-FR" dirty="0" smtClean="0"/>
-              <a:t>';</a:t>
-            </a:r>
-          </a:p>
-          <a:p>
-            <a:r>
-              <a:rPr lang="fr-FR" dirty="0" smtClean="0"/>
-              <a:t>@</a:t>
-            </a:r>
-            <a:r>
-              <a:rPr lang="fr-FR" dirty="0" err="1" smtClean="0"/>
-              <a:t>angular</a:t>
-            </a:r>
-            <a:r>
-              <a:rPr lang="fr-FR" dirty="0" smtClean="0"/>
-              <a:t> spécifie le répertoire d’installation d’</a:t>
-            </a:r>
-            <a:r>
-              <a:rPr lang="fr-FR" dirty="0" err="1" smtClean="0"/>
-              <a:t>Angular</a:t>
-            </a:r>
-            <a:endParaRPr lang="fr-FR" dirty="0" smtClean="0"/>
-          </a:p>
-          <a:p>
-            <a:pPr lvl="1"/>
-            <a:r>
-              <a:rPr lang="en-US" dirty="0"/>
-              <a:t>import { Component, </a:t>
-            </a:r>
-            <a:r>
-              <a:rPr lang="en-US" dirty="0" err="1"/>
-              <a:t>OnInit</a:t>
-            </a:r>
-            <a:r>
-              <a:rPr lang="en-US" dirty="0"/>
-              <a:t> } from '@angular/core';</a:t>
-            </a:r>
-            <a:endParaRPr lang="fr-FR" dirty="0"/>
-          </a:p>
-        </p:txBody>
-      </p:sp>
-    </p:spTree>
-    <p:extLst>
-      <p:ext uri="{BB962C8B-B14F-4D97-AF65-F5344CB8AC3E}">
-        <p14:creationId xmlns:p14="http://schemas.microsoft.com/office/powerpoint/2010/main" val="1392008351"/>
-      </p:ext>
-    </p:extLst>
-  </p:cSld>
-  <p:clrMapOvr>
-    <a:masterClrMapping/>
-  </p:clrMapOvr>
-</p:sld>
-</file>
-
 <file path=ppt/slides/slide46.xml><?xml version="1.0" encoding="utf-8"?>
 <p:sld xmlns:a="http://schemas.openxmlformats.org/drawingml/2006/main" xmlns:r="http://schemas.openxmlformats.org/officeDocument/2006/relationships" xmlns:p="http://schemas.openxmlformats.org/presentationml/2006/main">
   <p:cSld>
@@ -37534,7 +37525,7 @@
           <a:p>
             <a:r>
               <a:rPr lang="fr-FR" dirty="0" smtClean="0"/>
-              <a:t>prototype</a:t>
+              <a:t>Import d’un fichier</a:t>
             </a:r>
             <a:endParaRPr lang="fr-FR" dirty="0"/>
           </a:p>
@@ -37557,15 +37548,172 @@
           <a:p>
             <a:r>
               <a:rPr lang="fr-FR" dirty="0" smtClean="0"/>
-              <a:t>Prototype permet d’ajouter dynamiquement une </a:t>
-            </a:r>
+              <a:t>Import </a:t>
+            </a:r>
+            <a:r>
+              <a:rPr lang="fr-FR" dirty="0" err="1" smtClean="0"/>
+              <a:t>from</a:t>
+            </a:r>
+            <a:endParaRPr lang="fr-FR" dirty="0" smtClean="0"/>
+          </a:p>
+          <a:p>
+            <a:pPr lvl="1"/>
             <a:r>
               <a:rPr lang="fr-FR" dirty="0" smtClean="0"/>
-              <a:t>variable </a:t>
-            </a:r>
+              <a:t>Permet d’importer une classe d’un fichier</a:t>
+            </a:r>
+          </a:p>
+          <a:p>
+            <a:pPr lvl="1"/>
             <a:r>
               <a:rPr lang="fr-FR" dirty="0" smtClean="0"/>
-              <a:t>ou une fonction à une classe existante</a:t>
+              <a:t>Indépendant des </a:t>
+            </a:r>
+            <a:r>
+              <a:rPr lang="fr-FR" dirty="0" err="1" smtClean="0"/>
+              <a:t>namespaces</a:t>
+            </a:r>
+            <a:endParaRPr lang="fr-FR" dirty="0" smtClean="0"/>
+          </a:p>
+          <a:p>
+            <a:pPr lvl="1"/>
+            <a:r>
+              <a:rPr lang="fr-FR" dirty="0"/>
+              <a:t>import { </a:t>
+            </a:r>
+            <a:r>
+              <a:rPr lang="fr-FR" dirty="0" err="1"/>
+              <a:t>Hero</a:t>
+            </a:r>
+            <a:r>
+              <a:rPr lang="fr-FR" dirty="0"/>
+              <a:t> } </a:t>
+            </a:r>
+            <a:r>
+              <a:rPr lang="fr-FR" dirty="0" err="1"/>
+              <a:t>from</a:t>
+            </a:r>
+            <a:r>
+              <a:rPr lang="fr-FR" dirty="0"/>
+              <a:t> '../</a:t>
+            </a:r>
+            <a:r>
+              <a:rPr lang="fr-FR" dirty="0" err="1"/>
+              <a:t>hero</a:t>
+            </a:r>
+            <a:r>
+              <a:rPr lang="fr-FR" dirty="0" smtClean="0"/>
+              <a:t>';</a:t>
+            </a:r>
+          </a:p>
+          <a:p>
+            <a:r>
+              <a:rPr lang="fr-FR" dirty="0" smtClean="0"/>
+              <a:t>@</a:t>
+            </a:r>
+            <a:r>
+              <a:rPr lang="fr-FR" dirty="0" err="1" smtClean="0"/>
+              <a:t>angular</a:t>
+            </a:r>
+            <a:r>
+              <a:rPr lang="fr-FR" dirty="0" smtClean="0"/>
+              <a:t> spécifie le répertoire d’installation d’</a:t>
+            </a:r>
+            <a:r>
+              <a:rPr lang="fr-FR" dirty="0" err="1" smtClean="0"/>
+              <a:t>Angular</a:t>
+            </a:r>
+            <a:endParaRPr lang="fr-FR" dirty="0" smtClean="0"/>
+          </a:p>
+          <a:p>
+            <a:pPr lvl="1"/>
+            <a:r>
+              <a:rPr lang="en-US" dirty="0"/>
+              <a:t>import { Component, </a:t>
+            </a:r>
+            <a:r>
+              <a:rPr lang="en-US" dirty="0" err="1"/>
+              <a:t>OnInit</a:t>
+            </a:r>
+            <a:r>
+              <a:rPr lang="en-US" dirty="0"/>
+              <a:t> } from '@angular/core';</a:t>
+            </a:r>
+            <a:endParaRPr lang="fr-FR" dirty="0"/>
+          </a:p>
+        </p:txBody>
+      </p:sp>
+    </p:spTree>
+    <p:extLst>
+      <p:ext uri="{BB962C8B-B14F-4D97-AF65-F5344CB8AC3E}">
+        <p14:creationId xmlns:p14="http://schemas.microsoft.com/office/powerpoint/2010/main" val="1392008351"/>
+      </p:ext>
+    </p:extLst>
+  </p:cSld>
+  <p:clrMapOvr>
+    <a:masterClrMapping/>
+  </p:clrMapOvr>
+</p:sld>
+</file>
+
+<file path=ppt/slides/slide47.xml><?xml version="1.0" encoding="utf-8"?>
+<p:sld xmlns:a="http://schemas.openxmlformats.org/drawingml/2006/main" xmlns:r="http://schemas.openxmlformats.org/officeDocument/2006/relationships" xmlns:p="http://schemas.openxmlformats.org/presentationml/2006/main">
+  <p:cSld>
+    <p:spTree>
+      <p:nvGrpSpPr>
+        <p:cNvPr id="1" name=""/>
+        <p:cNvGrpSpPr/>
+        <p:nvPr/>
+      </p:nvGrpSpPr>
+      <p:grpSpPr>
+        <a:xfrm>
+          <a:off x="0" y="0"/>
+          <a:ext cx="0" cy="0"/>
+          <a:chOff x="0" y="0"/>
+          <a:chExt cx="0" cy="0"/>
+        </a:xfrm>
+      </p:grpSpPr>
+      <p:sp>
+        <p:nvSpPr>
+          <p:cNvPr id="2" name="Titre 1"/>
+          <p:cNvSpPr>
+            <a:spLocks noGrp="1"/>
+          </p:cNvSpPr>
+          <p:nvPr>
+            <p:ph type="title"/>
+          </p:nvPr>
+        </p:nvSpPr>
+        <p:spPr/>
+        <p:txBody>
+          <a:bodyPr/>
+          <a:lstStyle/>
+          <a:p>
+            <a:r>
+              <a:rPr lang="fr-FR" dirty="0" smtClean="0"/>
+              <a:t>prototype</a:t>
+            </a:r>
+            <a:endParaRPr lang="fr-FR" dirty="0"/>
+          </a:p>
+        </p:txBody>
+      </p:sp>
+      <p:sp>
+        <p:nvSpPr>
+          <p:cNvPr id="3" name="Espace réservé du contenu 2"/>
+          <p:cNvSpPr>
+            <a:spLocks noGrp="1"/>
+          </p:cNvSpPr>
+          <p:nvPr>
+            <p:ph idx="1"/>
+          </p:nvPr>
+        </p:nvSpPr>
+        <p:spPr/>
+        <p:txBody>
+          <a:bodyPr/>
+          <a:lstStyle/>
+          <a:p>
+            <a:r>
+              <a:rPr lang="fr-FR" dirty="0" smtClean="0"/>
+              <a:t>Prototype permet d’ajouter dynamiquement une variable ou une fonction à une classe existante</a:t>
             </a:r>
             <a:endParaRPr lang="fr-FR" dirty="0"/>
           </a:p>
